--- a/team1.pptx
+++ b/team1.pptx
@@ -104,6 +104,11 @@
       </a:defRPr>
     </a:lvl9pPr>
   </p:defaultTextStyle>
+  <p:extLst>
+    <p:ext uri="{EFAFB233-063F-42B5-8137-9DF3F51BA10A}">
+      <p15:sldGuideLst xmlns:p15="http://schemas.microsoft.com/office/powerpoint/2012/main"/>
+    </p:ext>
+  </p:extLst>
 </p:presentation>
 </file>
 
@@ -3632,7 +3637,7 @@
           <a:p>
             <a:r>
               <a:rPr kumimoji="1" lang="ja-JP" altLang="en-US"/>
-              <a:t>ああああああ</a:t>
+              <a:t>うううううう</a:t>
             </a:r>
           </a:p>
         </p:txBody>

--- a/team1.pptx
+++ b/team1.pptx
@@ -3637,8 +3637,9 @@
           <a:p>
             <a:r>
               <a:rPr kumimoji="1" lang="ja-JP" altLang="en-US"/>
-              <a:t>うううううう</a:t>
-            </a:r>
+              <a:t>ええええええ</a:t>
+            </a:r>
+            <a:endParaRPr kumimoji="1" lang="ja-JP" altLang="en-US" dirty="0"/>
           </a:p>
         </p:txBody>
       </p:sp>

--- a/team1.pptx
+++ b/team1.pptx
@@ -3637,7 +3637,7 @@
           <a:p>
             <a:r>
               <a:rPr kumimoji="1" lang="ja-JP" altLang="en-US"/>
-              <a:t>ええええええ</a:t>
+              <a:t>おおおおおお</a:t>
             </a:r>
             <a:endParaRPr kumimoji="1" lang="ja-JP" altLang="en-US" dirty="0"/>
           </a:p>

--- a/team1.pptx
+++ b/team1.pptx
@@ -3637,7 +3637,7 @@
           <a:p>
             <a:r>
               <a:rPr kumimoji="1" lang="ja-JP" altLang="en-US"/>
-              <a:t>おおおおおお</a:t>
+              <a:t>ああああああああ</a:t>
             </a:r>
             <a:endParaRPr kumimoji="1" lang="ja-JP" altLang="en-US" dirty="0"/>
           </a:p>

--- a/team1.pptx
+++ b/team1.pptx
@@ -3636,8 +3636,12 @@
           <a:lstStyle/>
           <a:p>
             <a:r>
-              <a:rPr kumimoji="1" lang="ja-JP" altLang="en-US"/>
-              <a:t>ああああああああ</a:t>
+              <a:rPr lang="ja-JP" altLang="en-US"/>
+              <a:t>うううううううううう</a:t>
+            </a:r>
+            <a:r>
+              <a:rPr kumimoji="1" lang="ja-JP" altLang="en-US"/>
+              <a:t>あああ</a:t>
             </a:r>
             <a:endParaRPr kumimoji="1" lang="ja-JP" altLang="en-US" dirty="0"/>
           </a:p>

--- a/team1.pptx
+++ b/team1.pptx
@@ -2,19 +2,20 @@
 <file path=ppt/presentation.xml><?xml version="1.0" encoding="utf-8"?>
 <p:presentation xmlns:a="http://schemas.openxmlformats.org/drawingml/2006/main" xmlns:r="http://schemas.openxmlformats.org/officeDocument/2006/relationships" xmlns:p="http://schemas.openxmlformats.org/presentationml/2006/main" saveSubsetFonts="1">
   <p:sldMasterIdLst>
-    <p:sldMasterId id="2147483648" r:id="rId1"/>
+    <p:sldMasterId id="2147483660" r:id="rId1"/>
   </p:sldMasterIdLst>
   <p:sldIdLst>
     <p:sldId id="256" r:id="rId2"/>
+    <p:sldId id="258" r:id="rId3"/>
   </p:sldIdLst>
   <p:sldSz cx="12192000" cy="6858000"/>
   <p:notesSz cx="6858000" cy="9144000"/>
   <p:defaultTextStyle>
     <a:defPPr>
-      <a:defRPr lang="ja-JP"/>
+      <a:defRPr lang="en-US"/>
     </a:defPPr>
-    <a:lvl1pPr marL="0" algn="l" defTabSz="914400" rtl="0" eaLnBrk="1" latinLnBrk="0" hangingPunct="1">
-      <a:defRPr kumimoji="1" sz="1800" kern="1200">
+    <a:lvl1pPr marL="0" algn="l" defTabSz="457200" rtl="0" eaLnBrk="1" latinLnBrk="0" hangingPunct="1">
+      <a:defRPr sz="1800" kern="1200">
         <a:solidFill>
           <a:schemeClr val="tx1"/>
         </a:solidFill>
@@ -23,8 +24,8 @@
         <a:cs typeface="+mn-cs"/>
       </a:defRPr>
     </a:lvl1pPr>
-    <a:lvl2pPr marL="457200" algn="l" defTabSz="914400" rtl="0" eaLnBrk="1" latinLnBrk="0" hangingPunct="1">
-      <a:defRPr kumimoji="1" sz="1800" kern="1200">
+    <a:lvl2pPr marL="457200" algn="l" defTabSz="457200" rtl="0" eaLnBrk="1" latinLnBrk="0" hangingPunct="1">
+      <a:defRPr sz="1800" kern="1200">
         <a:solidFill>
           <a:schemeClr val="tx1"/>
         </a:solidFill>
@@ -33,8 +34,8 @@
         <a:cs typeface="+mn-cs"/>
       </a:defRPr>
     </a:lvl2pPr>
-    <a:lvl3pPr marL="914400" algn="l" defTabSz="914400" rtl="0" eaLnBrk="1" latinLnBrk="0" hangingPunct="1">
-      <a:defRPr kumimoji="1" sz="1800" kern="1200">
+    <a:lvl3pPr marL="914400" algn="l" defTabSz="457200" rtl="0" eaLnBrk="1" latinLnBrk="0" hangingPunct="1">
+      <a:defRPr sz="1800" kern="1200">
         <a:solidFill>
           <a:schemeClr val="tx1"/>
         </a:solidFill>
@@ -43,8 +44,8 @@
         <a:cs typeface="+mn-cs"/>
       </a:defRPr>
     </a:lvl3pPr>
-    <a:lvl4pPr marL="1371600" algn="l" defTabSz="914400" rtl="0" eaLnBrk="1" latinLnBrk="0" hangingPunct="1">
-      <a:defRPr kumimoji="1" sz="1800" kern="1200">
+    <a:lvl4pPr marL="1371600" algn="l" defTabSz="457200" rtl="0" eaLnBrk="1" latinLnBrk="0" hangingPunct="1">
+      <a:defRPr sz="1800" kern="1200">
         <a:solidFill>
           <a:schemeClr val="tx1"/>
         </a:solidFill>
@@ -53,8 +54,8 @@
         <a:cs typeface="+mn-cs"/>
       </a:defRPr>
     </a:lvl4pPr>
-    <a:lvl5pPr marL="1828800" algn="l" defTabSz="914400" rtl="0" eaLnBrk="1" latinLnBrk="0" hangingPunct="1">
-      <a:defRPr kumimoji="1" sz="1800" kern="1200">
+    <a:lvl5pPr marL="1828800" algn="l" defTabSz="457200" rtl="0" eaLnBrk="1" latinLnBrk="0" hangingPunct="1">
+      <a:defRPr sz="1800" kern="1200">
         <a:solidFill>
           <a:schemeClr val="tx1"/>
         </a:solidFill>
@@ -63,8 +64,8 @@
         <a:cs typeface="+mn-cs"/>
       </a:defRPr>
     </a:lvl5pPr>
-    <a:lvl6pPr marL="2286000" algn="l" defTabSz="914400" rtl="0" eaLnBrk="1" latinLnBrk="0" hangingPunct="1">
-      <a:defRPr kumimoji="1" sz="1800" kern="1200">
+    <a:lvl6pPr marL="2286000" algn="l" defTabSz="457200" rtl="0" eaLnBrk="1" latinLnBrk="0" hangingPunct="1">
+      <a:defRPr sz="1800" kern="1200">
         <a:solidFill>
           <a:schemeClr val="tx1"/>
         </a:solidFill>
@@ -73,8 +74,8 @@
         <a:cs typeface="+mn-cs"/>
       </a:defRPr>
     </a:lvl6pPr>
-    <a:lvl7pPr marL="2743200" algn="l" defTabSz="914400" rtl="0" eaLnBrk="1" latinLnBrk="0" hangingPunct="1">
-      <a:defRPr kumimoji="1" sz="1800" kern="1200">
+    <a:lvl7pPr marL="2743200" algn="l" defTabSz="457200" rtl="0" eaLnBrk="1" latinLnBrk="0" hangingPunct="1">
+      <a:defRPr sz="1800" kern="1200">
         <a:solidFill>
           <a:schemeClr val="tx1"/>
         </a:solidFill>
@@ -83,8 +84,8 @@
         <a:cs typeface="+mn-cs"/>
       </a:defRPr>
     </a:lvl7pPr>
-    <a:lvl8pPr marL="3200400" algn="l" defTabSz="914400" rtl="0" eaLnBrk="1" latinLnBrk="0" hangingPunct="1">
-      <a:defRPr kumimoji="1" sz="1800" kern="1200">
+    <a:lvl8pPr marL="3200400" algn="l" defTabSz="457200" rtl="0" eaLnBrk="1" latinLnBrk="0" hangingPunct="1">
+      <a:defRPr sz="1800" kern="1200">
         <a:solidFill>
           <a:schemeClr val="tx1"/>
         </a:solidFill>
@@ -93,8 +94,8 @@
         <a:cs typeface="+mn-cs"/>
       </a:defRPr>
     </a:lvl8pPr>
-    <a:lvl9pPr marL="3657600" algn="l" defTabSz="914400" rtl="0" eaLnBrk="1" latinLnBrk="0" hangingPunct="1">
-      <a:defRPr kumimoji="1" sz="1800" kern="1200">
+    <a:lvl9pPr marL="3657600" algn="l" defTabSz="457200" rtl="0" eaLnBrk="1" latinLnBrk="0" hangingPunct="1">
+      <a:defRPr sz="1800" kern="1200">
         <a:solidFill>
           <a:schemeClr val="tx1"/>
         </a:solidFill>
@@ -113,7 +114,7 @@
 </file>
 
 <file path=ppt/slideLayouts/slideLayout1.xml><?xml version="1.0" encoding="utf-8"?>
-<p:sldLayout xmlns:a="http://schemas.openxmlformats.org/drawingml/2006/main" xmlns:r="http://schemas.openxmlformats.org/officeDocument/2006/relationships" xmlns:p="http://schemas.openxmlformats.org/presentationml/2006/main" type="title" preserve="1">
+<p:sldLayout xmlns:a="http://schemas.openxmlformats.org/drawingml/2006/main" xmlns:r="http://schemas.openxmlformats.org/officeDocument/2006/relationships" xmlns:p="http://schemas.openxmlformats.org/presentationml/2006/main" showMasterSp="0" type="title" preserve="1">
   <p:cSld name="タイトル スライド">
     <p:spTree>
       <p:nvGrpSpPr>
@@ -131,13 +132,7 @@
       </p:grpSpPr>
       <p:sp>
         <p:nvSpPr>
-          <p:cNvPr id="2" name="タイトル 1">
-            <a:extLst>
-              <a:ext uri="{FF2B5EF4-FFF2-40B4-BE49-F238E27FC236}">
-                <a16:creationId xmlns:a16="http://schemas.microsoft.com/office/drawing/2014/main" id="{9DF9A59B-59FC-AE6B-3C0F-D158CB1FB2B9}"/>
-              </a:ext>
-            </a:extLst>
-          </p:cNvPr>
+          <p:cNvPr id="2" name="Title 1"/>
           <p:cNvSpPr>
             <a:spLocks noGrp="1"/>
           </p:cNvSpPr>
@@ -147,34 +142,33 @@
         </p:nvSpPr>
         <p:spPr>
           <a:xfrm>
-            <a:off x="1524000" y="1122363"/>
-            <a:ext cx="9144000" cy="2387600"/>
+            <a:off x="684212" y="685799"/>
+            <a:ext cx="8001000" cy="2971801"/>
           </a:xfrm>
         </p:spPr>
         <p:txBody>
-          <a:bodyPr anchor="b"/>
+          <a:bodyPr anchor="b">
+            <a:normAutofit/>
+          </a:bodyPr>
           <a:lstStyle>
-            <a:lvl1pPr algn="ctr">
-              <a:defRPr sz="6000"/>
+            <a:lvl1pPr algn="l">
+              <a:defRPr sz="4800">
+                <a:effectLst/>
+              </a:defRPr>
             </a:lvl1pPr>
           </a:lstStyle>
           <a:p>
             <a:r>
-              <a:rPr kumimoji="1" lang="ja-JP" altLang="en-US"/>
+              <a:rPr lang="ja-JP" altLang="en-US"/>
               <a:t>マスター タイトルの書式設定</a:t>
             </a:r>
-          </a:p>
-        </p:txBody>
-      </p:sp>
-      <p:sp>
-        <p:nvSpPr>
-          <p:cNvPr id="3" name="字幕 2">
-            <a:extLst>
-              <a:ext uri="{FF2B5EF4-FFF2-40B4-BE49-F238E27FC236}">
-                <a16:creationId xmlns:a16="http://schemas.microsoft.com/office/drawing/2014/main" id="{AD88E385-B90A-523F-BEE8-4F32107E8E26}"/>
-              </a:ext>
-            </a:extLst>
-          </p:cNvPr>
+            <a:endParaRPr lang="en-US" dirty="0"/>
+          </a:p>
+        </p:txBody>
+      </p:sp>
+      <p:sp>
+        <p:nvSpPr>
+          <p:cNvPr id="3" name="Subtitle 2"/>
           <p:cNvSpPr>
             <a:spLocks noGrp="1"/>
           </p:cNvSpPr>
@@ -184,67 +178,118 @@
         </p:nvSpPr>
         <p:spPr>
           <a:xfrm>
-            <a:off x="1524000" y="3602038"/>
-            <a:ext cx="9144000" cy="1655762"/>
+            <a:off x="684212" y="3843867"/>
+            <a:ext cx="6400800" cy="1947333"/>
           </a:xfrm>
         </p:spPr>
         <p:txBody>
-          <a:bodyPr/>
+          <a:bodyPr anchor="t">
+            <a:normAutofit/>
+          </a:bodyPr>
           <a:lstStyle>
-            <a:lvl1pPr marL="0" indent="0" algn="ctr">
-              <a:buNone/>
-              <a:defRPr sz="2400"/>
+            <a:lvl1pPr marL="0" indent="0" algn="l">
+              <a:buNone/>
+              <a:defRPr sz="2100">
+                <a:solidFill>
+                  <a:schemeClr val="bg2">
+                    <a:lumMod val="75000"/>
+                  </a:schemeClr>
+                </a:solidFill>
+              </a:defRPr>
             </a:lvl1pPr>
             <a:lvl2pPr marL="457200" indent="0" algn="ctr">
               <a:buNone/>
-              <a:defRPr sz="2000"/>
+              <a:defRPr>
+                <a:solidFill>
+                  <a:schemeClr val="tx1">
+                    <a:tint val="75000"/>
+                  </a:schemeClr>
+                </a:solidFill>
+              </a:defRPr>
             </a:lvl2pPr>
             <a:lvl3pPr marL="914400" indent="0" algn="ctr">
               <a:buNone/>
-              <a:defRPr sz="1800"/>
+              <a:defRPr>
+                <a:solidFill>
+                  <a:schemeClr val="tx1">
+                    <a:tint val="75000"/>
+                  </a:schemeClr>
+                </a:solidFill>
+              </a:defRPr>
             </a:lvl3pPr>
             <a:lvl4pPr marL="1371600" indent="0" algn="ctr">
               <a:buNone/>
-              <a:defRPr sz="1600"/>
+              <a:defRPr>
+                <a:solidFill>
+                  <a:schemeClr val="tx1">
+                    <a:tint val="75000"/>
+                  </a:schemeClr>
+                </a:solidFill>
+              </a:defRPr>
             </a:lvl4pPr>
             <a:lvl5pPr marL="1828800" indent="0" algn="ctr">
               <a:buNone/>
-              <a:defRPr sz="1600"/>
+              <a:defRPr>
+                <a:solidFill>
+                  <a:schemeClr val="tx1">
+                    <a:tint val="75000"/>
+                  </a:schemeClr>
+                </a:solidFill>
+              </a:defRPr>
             </a:lvl5pPr>
             <a:lvl6pPr marL="2286000" indent="0" algn="ctr">
               <a:buNone/>
-              <a:defRPr sz="1600"/>
+              <a:defRPr>
+                <a:solidFill>
+                  <a:schemeClr val="tx1">
+                    <a:tint val="75000"/>
+                  </a:schemeClr>
+                </a:solidFill>
+              </a:defRPr>
             </a:lvl6pPr>
             <a:lvl7pPr marL="2743200" indent="0" algn="ctr">
               <a:buNone/>
-              <a:defRPr sz="1600"/>
+              <a:defRPr>
+                <a:solidFill>
+                  <a:schemeClr val="tx1">
+                    <a:tint val="75000"/>
+                  </a:schemeClr>
+                </a:solidFill>
+              </a:defRPr>
             </a:lvl7pPr>
             <a:lvl8pPr marL="3200400" indent="0" algn="ctr">
               <a:buNone/>
-              <a:defRPr sz="1600"/>
+              <a:defRPr>
+                <a:solidFill>
+                  <a:schemeClr val="tx1">
+                    <a:tint val="75000"/>
+                  </a:schemeClr>
+                </a:solidFill>
+              </a:defRPr>
             </a:lvl8pPr>
             <a:lvl9pPr marL="3657600" indent="0" algn="ctr">
               <a:buNone/>
-              <a:defRPr sz="1600"/>
+              <a:defRPr>
+                <a:solidFill>
+                  <a:schemeClr val="tx1">
+                    <a:tint val="75000"/>
+                  </a:schemeClr>
+                </a:solidFill>
+              </a:defRPr>
             </a:lvl9pPr>
           </a:lstStyle>
           <a:p>
             <a:r>
-              <a:rPr kumimoji="1" lang="ja-JP" altLang="en-US"/>
+              <a:rPr lang="ja-JP" altLang="en-US"/>
               <a:t>マスター サブタイトルの書式設定</a:t>
             </a:r>
-          </a:p>
-        </p:txBody>
-      </p:sp>
-      <p:sp>
-        <p:nvSpPr>
-          <p:cNvPr id="4" name="日付プレースホルダー 3">
-            <a:extLst>
-              <a:ext uri="{FF2B5EF4-FFF2-40B4-BE49-F238E27FC236}">
-                <a16:creationId xmlns:a16="http://schemas.microsoft.com/office/drawing/2014/main" id="{F475D0A7-1E72-6032-BBBF-E12DA53B79AF}"/>
-              </a:ext>
-            </a:extLst>
-          </p:cNvPr>
+            <a:endParaRPr lang="en-US" dirty="0"/>
+          </a:p>
+        </p:txBody>
+      </p:sp>
+      <p:sp>
+        <p:nvSpPr>
+          <p:cNvPr id="4" name="Date Placeholder 3"/>
           <p:cNvSpPr>
             <a:spLocks noGrp="1"/>
           </p:cNvSpPr>
@@ -267,13 +312,7 @@
       </p:sp>
       <p:sp>
         <p:nvSpPr>
-          <p:cNvPr id="5" name="フッター プレースホルダー 4">
-            <a:extLst>
-              <a:ext uri="{FF2B5EF4-FFF2-40B4-BE49-F238E27FC236}">
-                <a16:creationId xmlns:a16="http://schemas.microsoft.com/office/drawing/2014/main" id="{F76447BC-7BEE-4D43-5364-C1625E2306A5}"/>
-              </a:ext>
-            </a:extLst>
-          </p:cNvPr>
+          <p:cNvPr id="5" name="Footer Placeholder 4"/>
           <p:cNvSpPr>
             <a:spLocks noGrp="1"/>
           </p:cNvSpPr>
@@ -292,13 +331,7 @@
       </p:sp>
       <p:sp>
         <p:nvSpPr>
-          <p:cNvPr id="6" name="スライド番号プレースホルダー 5">
-            <a:extLst>
-              <a:ext uri="{FF2B5EF4-FFF2-40B4-BE49-F238E27FC236}">
-                <a16:creationId xmlns:a16="http://schemas.microsoft.com/office/drawing/2014/main" id="{B067FB23-048E-2893-D46C-B6B530EF9A99}"/>
-              </a:ext>
-            </a:extLst>
-          </p:cNvPr>
+          <p:cNvPr id="6" name="Slide Number Placeholder 5"/>
           <p:cNvSpPr>
             <a:spLocks noGrp="1"/>
           </p:cNvSpPr>
@@ -319,10 +352,185 @@
           </a:p>
         </p:txBody>
       </p:sp>
+      <p:cxnSp>
+        <p:nvCxnSpPr>
+          <p:cNvPr id="16" name="Straight Connector 15"/>
+          <p:cNvCxnSpPr/>
+          <p:nvPr/>
+        </p:nvCxnSpPr>
+        <p:spPr>
+          <a:xfrm flipH="1">
+            <a:off x="8228012" y="8467"/>
+            <a:ext cx="3810000" cy="3810000"/>
+          </a:xfrm>
+          <a:prstGeom prst="line">
+            <a:avLst/>
+          </a:prstGeom>
+          <a:ln w="12700">
+            <a:solidFill>
+              <a:schemeClr val="tx1"/>
+            </a:solidFill>
+          </a:ln>
+        </p:spPr>
+        <p:style>
+          <a:lnRef idx="2">
+            <a:schemeClr val="accent1"/>
+          </a:lnRef>
+          <a:fillRef idx="0">
+            <a:schemeClr val="accent1"/>
+          </a:fillRef>
+          <a:effectRef idx="1">
+            <a:schemeClr val="accent1"/>
+          </a:effectRef>
+          <a:fontRef idx="minor">
+            <a:schemeClr val="tx1"/>
+          </a:fontRef>
+        </p:style>
+      </p:cxnSp>
+      <p:cxnSp>
+        <p:nvCxnSpPr>
+          <p:cNvPr id="17" name="Straight Connector 16"/>
+          <p:cNvCxnSpPr/>
+          <p:nvPr/>
+        </p:nvCxnSpPr>
+        <p:spPr>
+          <a:xfrm flipH="1">
+            <a:off x="6108170" y="91545"/>
+            <a:ext cx="6080655" cy="6080655"/>
+          </a:xfrm>
+          <a:prstGeom prst="line">
+            <a:avLst/>
+          </a:prstGeom>
+          <a:ln w="12700">
+            <a:solidFill>
+              <a:schemeClr val="tx1"/>
+            </a:solidFill>
+          </a:ln>
+        </p:spPr>
+        <p:style>
+          <a:lnRef idx="2">
+            <a:schemeClr val="accent1"/>
+          </a:lnRef>
+          <a:fillRef idx="0">
+            <a:schemeClr val="accent1"/>
+          </a:fillRef>
+          <a:effectRef idx="1">
+            <a:schemeClr val="accent1"/>
+          </a:effectRef>
+          <a:fontRef idx="minor">
+            <a:schemeClr val="tx1"/>
+          </a:fontRef>
+        </p:style>
+      </p:cxnSp>
+      <p:cxnSp>
+        <p:nvCxnSpPr>
+          <p:cNvPr id="19" name="Straight Connector 18"/>
+          <p:cNvCxnSpPr/>
+          <p:nvPr/>
+        </p:nvCxnSpPr>
+        <p:spPr>
+          <a:xfrm flipH="1">
+            <a:off x="7235825" y="228600"/>
+            <a:ext cx="4953000" cy="4953000"/>
+          </a:xfrm>
+          <a:prstGeom prst="line">
+            <a:avLst/>
+          </a:prstGeom>
+          <a:ln w="12700">
+            <a:solidFill>
+              <a:schemeClr val="tx1"/>
+            </a:solidFill>
+          </a:ln>
+        </p:spPr>
+        <p:style>
+          <a:lnRef idx="2">
+            <a:schemeClr val="accent1"/>
+          </a:lnRef>
+          <a:fillRef idx="0">
+            <a:schemeClr val="accent1"/>
+          </a:fillRef>
+          <a:effectRef idx="1">
+            <a:schemeClr val="accent1"/>
+          </a:effectRef>
+          <a:fontRef idx="minor">
+            <a:schemeClr val="tx1"/>
+          </a:fontRef>
+        </p:style>
+      </p:cxnSp>
+      <p:cxnSp>
+        <p:nvCxnSpPr>
+          <p:cNvPr id="21" name="Straight Connector 20"/>
+          <p:cNvCxnSpPr/>
+          <p:nvPr/>
+        </p:nvCxnSpPr>
+        <p:spPr>
+          <a:xfrm flipH="1">
+            <a:off x="7335837" y="32278"/>
+            <a:ext cx="4852989" cy="4852989"/>
+          </a:xfrm>
+          <a:prstGeom prst="line">
+            <a:avLst/>
+          </a:prstGeom>
+          <a:ln w="31750">
+            <a:solidFill>
+              <a:schemeClr val="tx1"/>
+            </a:solidFill>
+          </a:ln>
+        </p:spPr>
+        <p:style>
+          <a:lnRef idx="2">
+            <a:schemeClr val="accent1"/>
+          </a:lnRef>
+          <a:fillRef idx="0">
+            <a:schemeClr val="accent1"/>
+          </a:fillRef>
+          <a:effectRef idx="1">
+            <a:schemeClr val="accent1"/>
+          </a:effectRef>
+          <a:fontRef idx="minor">
+            <a:schemeClr val="tx1"/>
+          </a:fontRef>
+        </p:style>
+      </p:cxnSp>
+      <p:cxnSp>
+        <p:nvCxnSpPr>
+          <p:cNvPr id="23" name="Straight Connector 22"/>
+          <p:cNvCxnSpPr/>
+          <p:nvPr/>
+        </p:nvCxnSpPr>
+        <p:spPr>
+          <a:xfrm flipH="1">
+            <a:off x="7845426" y="609601"/>
+            <a:ext cx="4343399" cy="4343399"/>
+          </a:xfrm>
+          <a:prstGeom prst="line">
+            <a:avLst/>
+          </a:prstGeom>
+          <a:ln w="31750">
+            <a:solidFill>
+              <a:schemeClr val="tx1"/>
+            </a:solidFill>
+          </a:ln>
+        </p:spPr>
+        <p:style>
+          <a:lnRef idx="2">
+            <a:schemeClr val="accent1"/>
+          </a:lnRef>
+          <a:fillRef idx="0">
+            <a:schemeClr val="accent1"/>
+          </a:fillRef>
+          <a:effectRef idx="1">
+            <a:schemeClr val="accent1"/>
+          </a:effectRef>
+          <a:fontRef idx="minor">
+            <a:schemeClr val="tx1"/>
+          </a:fontRef>
+        </p:style>
+      </p:cxnSp>
     </p:spTree>
     <p:extLst>
       <p:ext uri="{BB962C8B-B14F-4D97-AF65-F5344CB8AC3E}">
-        <p14:creationId xmlns:p14="http://schemas.microsoft.com/office/powerpoint/2010/main" val="3505092292"/>
+        <p14:creationId xmlns:p14="http://schemas.microsoft.com/office/powerpoint/2010/main" val="1856465035"/>
       </p:ext>
     </p:extLst>
   </p:cSld>
@@ -333,6 +541,1812 @@
 </file>
 
 <file path=ppt/slideLayouts/slideLayout10.xml><?xml version="1.0" encoding="utf-8"?>
+<p:sldLayout xmlns:a="http://schemas.openxmlformats.org/drawingml/2006/main" xmlns:r="http://schemas.openxmlformats.org/officeDocument/2006/relationships" xmlns:p="http://schemas.openxmlformats.org/presentationml/2006/main" preserve="1">
+  <p:cSld name="パノラマ写真 (キャプション付き)">
+    <p:spTree>
+      <p:nvGrpSpPr>
+        <p:cNvPr id="1" name=""/>
+        <p:cNvGrpSpPr/>
+        <p:nvPr/>
+      </p:nvGrpSpPr>
+      <p:grpSpPr>
+        <a:xfrm>
+          <a:off x="0" y="0"/>
+          <a:ext cx="0" cy="0"/>
+          <a:chOff x="0" y="0"/>
+          <a:chExt cx="0" cy="0"/>
+        </a:xfrm>
+      </p:grpSpPr>
+      <p:sp>
+        <p:nvSpPr>
+          <p:cNvPr id="2" name="Title 1"/>
+          <p:cNvSpPr>
+            <a:spLocks noGrp="1"/>
+          </p:cNvSpPr>
+          <p:nvPr>
+            <p:ph type="title"/>
+          </p:nvPr>
+        </p:nvSpPr>
+        <p:spPr/>
+        <p:txBody>
+          <a:bodyPr/>
+          <a:lstStyle/>
+          <a:p>
+            <a:r>
+              <a:rPr lang="ja-JP" altLang="en-US"/>
+              <a:t>マスター タイトルの書式設定</a:t>
+            </a:r>
+            <a:endParaRPr lang="en-US" dirty="0"/>
+          </a:p>
+        </p:txBody>
+      </p:sp>
+      <p:sp>
+        <p:nvSpPr>
+          <p:cNvPr id="17" name="Picture Placeholder 2"/>
+          <p:cNvSpPr>
+            <a:spLocks noGrp="1" noChangeAspect="1"/>
+          </p:cNvSpPr>
+          <p:nvPr>
+            <p:ph type="pic" idx="13"/>
+          </p:nvPr>
+        </p:nvSpPr>
+        <p:spPr>
+          <a:xfrm>
+            <a:off x="685800" y="533400"/>
+            <a:ext cx="10818812" cy="3124200"/>
+          </a:xfrm>
+          <a:prstGeom prst="snip2DiagRect">
+            <a:avLst>
+              <a:gd name="adj1" fmla="val 10815"/>
+              <a:gd name="adj2" fmla="val 0"/>
+            </a:avLst>
+          </a:prstGeom>
+          <a:ln w="15875">
+            <a:solidFill>
+              <a:schemeClr val="tx1">
+                <a:alpha val="40000"/>
+              </a:schemeClr>
+            </a:solidFill>
+          </a:ln>
+          <a:effectLst>
+            <a:innerShdw blurRad="57150" dist="38100" dir="14460000">
+              <a:srgbClr val="000000">
+                <a:alpha val="70000"/>
+              </a:srgbClr>
+            </a:innerShdw>
+          </a:effectLst>
+        </p:spPr>
+        <p:txBody>
+          <a:bodyPr anchor="t">
+            <a:normAutofit/>
+          </a:bodyPr>
+          <a:lstStyle>
+            <a:lvl1pPr marL="0" indent="0" algn="ctr">
+              <a:buNone/>
+              <a:defRPr sz="1600"/>
+            </a:lvl1pPr>
+            <a:lvl2pPr marL="457200" indent="0">
+              <a:buNone/>
+              <a:defRPr sz="1600"/>
+            </a:lvl2pPr>
+            <a:lvl3pPr marL="914400" indent="0">
+              <a:buNone/>
+              <a:defRPr sz="1600"/>
+            </a:lvl3pPr>
+            <a:lvl4pPr marL="1371600" indent="0">
+              <a:buNone/>
+              <a:defRPr sz="1600"/>
+            </a:lvl4pPr>
+            <a:lvl5pPr marL="1828800" indent="0">
+              <a:buNone/>
+              <a:defRPr sz="1600"/>
+            </a:lvl5pPr>
+            <a:lvl6pPr marL="2286000" indent="0">
+              <a:buNone/>
+              <a:defRPr sz="1600"/>
+            </a:lvl6pPr>
+            <a:lvl7pPr marL="2743200" indent="0">
+              <a:buNone/>
+              <a:defRPr sz="1600"/>
+            </a:lvl7pPr>
+            <a:lvl8pPr marL="3200400" indent="0">
+              <a:buNone/>
+              <a:defRPr sz="1600"/>
+            </a:lvl8pPr>
+            <a:lvl9pPr marL="3657600" indent="0">
+              <a:buNone/>
+              <a:defRPr sz="1600"/>
+            </a:lvl9pPr>
+          </a:lstStyle>
+          <a:p>
+            <a:r>
+              <a:rPr lang="ja-JP" altLang="en-US"/>
+              <a:t>アイコンをクリックして図を追加</a:t>
+            </a:r>
+            <a:endParaRPr lang="en-US" dirty="0"/>
+          </a:p>
+        </p:txBody>
+      </p:sp>
+      <p:sp>
+        <p:nvSpPr>
+          <p:cNvPr id="16" name="Text Placeholder 9"/>
+          <p:cNvSpPr>
+            <a:spLocks noGrp="1"/>
+          </p:cNvSpPr>
+          <p:nvPr>
+            <p:ph type="body" sz="quarter" idx="14"/>
+          </p:nvPr>
+        </p:nvSpPr>
+        <p:spPr>
+          <a:xfrm>
+            <a:off x="914402" y="3843867"/>
+            <a:ext cx="8304210" cy="457200"/>
+          </a:xfrm>
+        </p:spPr>
+        <p:txBody>
+          <a:bodyPr anchor="t">
+            <a:normAutofit/>
+          </a:bodyPr>
+          <a:lstStyle>
+            <a:lvl1pPr marL="0" indent="0">
+              <a:buFontTx/>
+              <a:buNone/>
+              <a:defRPr sz="1600"/>
+            </a:lvl1pPr>
+            <a:lvl2pPr marL="457200" indent="0">
+              <a:buFontTx/>
+              <a:buNone/>
+              <a:defRPr/>
+            </a:lvl2pPr>
+            <a:lvl3pPr marL="914400" indent="0">
+              <a:buFontTx/>
+              <a:buNone/>
+              <a:defRPr/>
+            </a:lvl3pPr>
+            <a:lvl4pPr marL="1371600" indent="0">
+              <a:buFontTx/>
+              <a:buNone/>
+              <a:defRPr/>
+            </a:lvl4pPr>
+            <a:lvl5pPr marL="1828800" indent="0">
+              <a:buFontTx/>
+              <a:buNone/>
+              <a:defRPr/>
+            </a:lvl5pPr>
+          </a:lstStyle>
+          <a:p>
+            <a:pPr lvl="0"/>
+            <a:r>
+              <a:rPr lang="ja-JP" altLang="en-US"/>
+              <a:t>マスター テキストの書式設定</a:t>
+            </a:r>
+          </a:p>
+        </p:txBody>
+      </p:sp>
+      <p:sp>
+        <p:nvSpPr>
+          <p:cNvPr id="3" name="Date Placeholder 2"/>
+          <p:cNvSpPr>
+            <a:spLocks noGrp="1"/>
+          </p:cNvSpPr>
+          <p:nvPr>
+            <p:ph type="dt" sz="half" idx="10"/>
+          </p:nvPr>
+        </p:nvSpPr>
+        <p:spPr/>
+        <p:txBody>
+          <a:bodyPr/>
+          <a:lstStyle/>
+          <a:p>
+            <a:fld id="{A1DA4EE1-659A-4572-B891-196A0F265FA0}" type="datetimeFigureOut">
+              <a:rPr kumimoji="1" lang="ja-JP" altLang="en-US" smtClean="0"/>
+              <a:t>2022/11/15</a:t>
+            </a:fld>
+            <a:endParaRPr kumimoji="1" lang="ja-JP" altLang="en-US"/>
+          </a:p>
+        </p:txBody>
+      </p:sp>
+      <p:sp>
+        <p:nvSpPr>
+          <p:cNvPr id="4" name="Footer Placeholder 3"/>
+          <p:cNvSpPr>
+            <a:spLocks noGrp="1"/>
+          </p:cNvSpPr>
+          <p:nvPr>
+            <p:ph type="ftr" sz="quarter" idx="11"/>
+          </p:nvPr>
+        </p:nvSpPr>
+        <p:spPr/>
+        <p:txBody>
+          <a:bodyPr/>
+          <a:lstStyle/>
+          <a:p>
+            <a:endParaRPr kumimoji="1" lang="ja-JP" altLang="en-US"/>
+          </a:p>
+        </p:txBody>
+      </p:sp>
+      <p:sp>
+        <p:nvSpPr>
+          <p:cNvPr id="5" name="Slide Number Placeholder 4"/>
+          <p:cNvSpPr>
+            <a:spLocks noGrp="1"/>
+          </p:cNvSpPr>
+          <p:nvPr>
+            <p:ph type="sldNum" sz="quarter" idx="12"/>
+          </p:nvPr>
+        </p:nvSpPr>
+        <p:spPr/>
+        <p:txBody>
+          <a:bodyPr/>
+          <a:lstStyle/>
+          <a:p>
+            <a:fld id="{7CE8C7C4-DDB5-4A5D-88E1-8D26E856DEFE}" type="slidenum">
+              <a:rPr kumimoji="1" lang="ja-JP" altLang="en-US" smtClean="0"/>
+              <a:t>‹#›</a:t>
+            </a:fld>
+            <a:endParaRPr kumimoji="1" lang="ja-JP" altLang="en-US"/>
+          </a:p>
+        </p:txBody>
+      </p:sp>
+    </p:spTree>
+    <p:extLst>
+      <p:ext uri="{BB962C8B-B14F-4D97-AF65-F5344CB8AC3E}">
+        <p14:creationId xmlns:p14="http://schemas.microsoft.com/office/powerpoint/2010/main" val="1398666425"/>
+      </p:ext>
+    </p:extLst>
+  </p:cSld>
+  <p:clrMapOvr>
+    <a:masterClrMapping/>
+  </p:clrMapOvr>
+</p:sldLayout>
+</file>
+
+<file path=ppt/slideLayouts/slideLayout11.xml><?xml version="1.0" encoding="utf-8"?>
+<p:sldLayout xmlns:a="http://schemas.openxmlformats.org/drawingml/2006/main" xmlns:r="http://schemas.openxmlformats.org/officeDocument/2006/relationships" xmlns:p="http://schemas.openxmlformats.org/presentationml/2006/main" preserve="1">
+  <p:cSld name="タイトルとキャプション">
+    <p:spTree>
+      <p:nvGrpSpPr>
+        <p:cNvPr id="1" name=""/>
+        <p:cNvGrpSpPr/>
+        <p:nvPr/>
+      </p:nvGrpSpPr>
+      <p:grpSpPr>
+        <a:xfrm>
+          <a:off x="0" y="0"/>
+          <a:ext cx="0" cy="0"/>
+          <a:chOff x="0" y="0"/>
+          <a:chExt cx="0" cy="0"/>
+        </a:xfrm>
+      </p:grpSpPr>
+      <p:sp>
+        <p:nvSpPr>
+          <p:cNvPr id="2" name="Title 1"/>
+          <p:cNvSpPr>
+            <a:spLocks noGrp="1"/>
+          </p:cNvSpPr>
+          <p:nvPr>
+            <p:ph type="title"/>
+          </p:nvPr>
+        </p:nvSpPr>
+        <p:spPr>
+          <a:xfrm>
+            <a:off x="684213" y="685800"/>
+            <a:ext cx="10058400" cy="2743200"/>
+          </a:xfrm>
+        </p:spPr>
+        <p:txBody>
+          <a:bodyPr anchor="ctr">
+            <a:normAutofit/>
+          </a:bodyPr>
+          <a:lstStyle>
+            <a:lvl1pPr algn="l">
+              <a:defRPr sz="3200" b="0" cap="all"/>
+            </a:lvl1pPr>
+          </a:lstStyle>
+          <a:p>
+            <a:r>
+              <a:rPr lang="ja-JP" altLang="en-US"/>
+              <a:t>マスター タイトルの書式設定</a:t>
+            </a:r>
+            <a:endParaRPr lang="en-US" dirty="0"/>
+          </a:p>
+        </p:txBody>
+      </p:sp>
+      <p:sp>
+        <p:nvSpPr>
+          <p:cNvPr id="3" name="Text Placeholder 2"/>
+          <p:cNvSpPr>
+            <a:spLocks noGrp="1"/>
+          </p:cNvSpPr>
+          <p:nvPr>
+            <p:ph type="body" idx="1"/>
+          </p:nvPr>
+        </p:nvSpPr>
+        <p:spPr>
+          <a:xfrm>
+            <a:off x="684212" y="4114800"/>
+            <a:ext cx="8535988" cy="1879600"/>
+          </a:xfrm>
+        </p:spPr>
+        <p:txBody>
+          <a:bodyPr anchor="ctr">
+            <a:normAutofit/>
+          </a:bodyPr>
+          <a:lstStyle>
+            <a:lvl1pPr marL="0" indent="0" algn="l">
+              <a:buNone/>
+              <a:defRPr sz="2000">
+                <a:solidFill>
+                  <a:schemeClr val="bg2">
+                    <a:lumMod val="75000"/>
+                  </a:schemeClr>
+                </a:solidFill>
+              </a:defRPr>
+            </a:lvl1pPr>
+            <a:lvl2pPr marL="457200" indent="0">
+              <a:buNone/>
+              <a:defRPr sz="1800">
+                <a:solidFill>
+                  <a:schemeClr val="tx1">
+                    <a:tint val="75000"/>
+                  </a:schemeClr>
+                </a:solidFill>
+              </a:defRPr>
+            </a:lvl2pPr>
+            <a:lvl3pPr marL="914400" indent="0">
+              <a:buNone/>
+              <a:defRPr sz="1600">
+                <a:solidFill>
+                  <a:schemeClr val="tx1">
+                    <a:tint val="75000"/>
+                  </a:schemeClr>
+                </a:solidFill>
+              </a:defRPr>
+            </a:lvl3pPr>
+            <a:lvl4pPr marL="1371600" indent="0">
+              <a:buNone/>
+              <a:defRPr sz="1400">
+                <a:solidFill>
+                  <a:schemeClr val="tx1">
+                    <a:tint val="75000"/>
+                  </a:schemeClr>
+                </a:solidFill>
+              </a:defRPr>
+            </a:lvl4pPr>
+            <a:lvl5pPr marL="1828800" indent="0">
+              <a:buNone/>
+              <a:defRPr sz="1400">
+                <a:solidFill>
+                  <a:schemeClr val="tx1">
+                    <a:tint val="75000"/>
+                  </a:schemeClr>
+                </a:solidFill>
+              </a:defRPr>
+            </a:lvl5pPr>
+            <a:lvl6pPr marL="2286000" indent="0">
+              <a:buNone/>
+              <a:defRPr sz="1400">
+                <a:solidFill>
+                  <a:schemeClr val="tx1">
+                    <a:tint val="75000"/>
+                  </a:schemeClr>
+                </a:solidFill>
+              </a:defRPr>
+            </a:lvl6pPr>
+            <a:lvl7pPr marL="2743200" indent="0">
+              <a:buNone/>
+              <a:defRPr sz="1400">
+                <a:solidFill>
+                  <a:schemeClr val="tx1">
+                    <a:tint val="75000"/>
+                  </a:schemeClr>
+                </a:solidFill>
+              </a:defRPr>
+            </a:lvl7pPr>
+            <a:lvl8pPr marL="3200400" indent="0">
+              <a:buNone/>
+              <a:defRPr sz="1400">
+                <a:solidFill>
+                  <a:schemeClr val="tx1">
+                    <a:tint val="75000"/>
+                  </a:schemeClr>
+                </a:solidFill>
+              </a:defRPr>
+            </a:lvl8pPr>
+            <a:lvl9pPr marL="3657600" indent="0">
+              <a:buNone/>
+              <a:defRPr sz="1400">
+                <a:solidFill>
+                  <a:schemeClr val="tx1">
+                    <a:tint val="75000"/>
+                  </a:schemeClr>
+                </a:solidFill>
+              </a:defRPr>
+            </a:lvl9pPr>
+          </a:lstStyle>
+          <a:p>
+            <a:pPr lvl="0"/>
+            <a:r>
+              <a:rPr lang="ja-JP" altLang="en-US"/>
+              <a:t>マスター テキストの書式設定</a:t>
+            </a:r>
+          </a:p>
+        </p:txBody>
+      </p:sp>
+      <p:sp>
+        <p:nvSpPr>
+          <p:cNvPr id="4" name="Date Placeholder 3"/>
+          <p:cNvSpPr>
+            <a:spLocks noGrp="1"/>
+          </p:cNvSpPr>
+          <p:nvPr>
+            <p:ph type="dt" sz="half" idx="10"/>
+          </p:nvPr>
+        </p:nvSpPr>
+        <p:spPr/>
+        <p:txBody>
+          <a:bodyPr/>
+          <a:lstStyle/>
+          <a:p>
+            <a:fld id="{A1DA4EE1-659A-4572-B891-196A0F265FA0}" type="datetimeFigureOut">
+              <a:rPr kumimoji="1" lang="ja-JP" altLang="en-US" smtClean="0"/>
+              <a:t>2022/11/15</a:t>
+            </a:fld>
+            <a:endParaRPr kumimoji="1" lang="ja-JP" altLang="en-US"/>
+          </a:p>
+        </p:txBody>
+      </p:sp>
+      <p:sp>
+        <p:nvSpPr>
+          <p:cNvPr id="5" name="Footer Placeholder 4"/>
+          <p:cNvSpPr>
+            <a:spLocks noGrp="1"/>
+          </p:cNvSpPr>
+          <p:nvPr>
+            <p:ph type="ftr" sz="quarter" idx="11"/>
+          </p:nvPr>
+        </p:nvSpPr>
+        <p:spPr/>
+        <p:txBody>
+          <a:bodyPr/>
+          <a:lstStyle/>
+          <a:p>
+            <a:endParaRPr kumimoji="1" lang="ja-JP" altLang="en-US"/>
+          </a:p>
+        </p:txBody>
+      </p:sp>
+      <p:sp>
+        <p:nvSpPr>
+          <p:cNvPr id="6" name="Slide Number Placeholder 5"/>
+          <p:cNvSpPr>
+            <a:spLocks noGrp="1"/>
+          </p:cNvSpPr>
+          <p:nvPr>
+            <p:ph type="sldNum" sz="quarter" idx="12"/>
+          </p:nvPr>
+        </p:nvSpPr>
+        <p:spPr/>
+        <p:txBody>
+          <a:bodyPr/>
+          <a:lstStyle/>
+          <a:p>
+            <a:fld id="{7CE8C7C4-DDB5-4A5D-88E1-8D26E856DEFE}" type="slidenum">
+              <a:rPr kumimoji="1" lang="ja-JP" altLang="en-US" smtClean="0"/>
+              <a:t>‹#›</a:t>
+            </a:fld>
+            <a:endParaRPr kumimoji="1" lang="ja-JP" altLang="en-US"/>
+          </a:p>
+        </p:txBody>
+      </p:sp>
+    </p:spTree>
+    <p:extLst>
+      <p:ext uri="{BB962C8B-B14F-4D97-AF65-F5344CB8AC3E}">
+        <p14:creationId xmlns:p14="http://schemas.microsoft.com/office/powerpoint/2010/main" val="62769385"/>
+      </p:ext>
+    </p:extLst>
+  </p:cSld>
+  <p:clrMapOvr>
+    <a:masterClrMapping/>
+  </p:clrMapOvr>
+</p:sldLayout>
+</file>
+
+<file path=ppt/slideLayouts/slideLayout12.xml><?xml version="1.0" encoding="utf-8"?>
+<p:sldLayout xmlns:a="http://schemas.openxmlformats.org/drawingml/2006/main" xmlns:r="http://schemas.openxmlformats.org/officeDocument/2006/relationships" xmlns:p="http://schemas.openxmlformats.org/presentationml/2006/main" preserve="1">
+  <p:cSld name="引用 (キャプション付き)">
+    <p:spTree>
+      <p:nvGrpSpPr>
+        <p:cNvPr id="1" name=""/>
+        <p:cNvGrpSpPr/>
+        <p:nvPr/>
+      </p:nvGrpSpPr>
+      <p:grpSpPr>
+        <a:xfrm>
+          <a:off x="0" y="0"/>
+          <a:ext cx="0" cy="0"/>
+          <a:chOff x="0" y="0"/>
+          <a:chExt cx="0" cy="0"/>
+        </a:xfrm>
+      </p:grpSpPr>
+      <p:sp>
+        <p:nvSpPr>
+          <p:cNvPr id="2" name="Title 1"/>
+          <p:cNvSpPr>
+            <a:spLocks noGrp="1"/>
+          </p:cNvSpPr>
+          <p:nvPr>
+            <p:ph type="title"/>
+          </p:nvPr>
+        </p:nvSpPr>
+        <p:spPr>
+          <a:xfrm>
+            <a:off x="1141411" y="685800"/>
+            <a:ext cx="9144001" cy="2743200"/>
+          </a:xfrm>
+        </p:spPr>
+        <p:txBody>
+          <a:bodyPr anchor="ctr">
+            <a:normAutofit/>
+          </a:bodyPr>
+          <a:lstStyle>
+            <a:lvl1pPr algn="l">
+              <a:defRPr sz="3200" b="0" cap="all">
+                <a:solidFill>
+                  <a:schemeClr val="tx1"/>
+                </a:solidFill>
+              </a:defRPr>
+            </a:lvl1pPr>
+          </a:lstStyle>
+          <a:p>
+            <a:r>
+              <a:rPr lang="ja-JP" altLang="en-US"/>
+              <a:t>マスター タイトルの書式設定</a:t>
+            </a:r>
+            <a:endParaRPr lang="en-US" dirty="0"/>
+          </a:p>
+        </p:txBody>
+      </p:sp>
+      <p:sp>
+        <p:nvSpPr>
+          <p:cNvPr id="10" name="Text Placeholder 9"/>
+          <p:cNvSpPr>
+            <a:spLocks noGrp="1"/>
+          </p:cNvSpPr>
+          <p:nvPr>
+            <p:ph type="body" sz="quarter" idx="13"/>
+          </p:nvPr>
+        </p:nvSpPr>
+        <p:spPr>
+          <a:xfrm>
+            <a:off x="1446212" y="3429000"/>
+            <a:ext cx="8534400" cy="381000"/>
+          </a:xfrm>
+        </p:spPr>
+        <p:txBody>
+          <a:bodyPr anchor="ctr"/>
+          <a:lstStyle>
+            <a:lvl1pPr marL="0" indent="0">
+              <a:buFontTx/>
+              <a:buNone/>
+              <a:defRPr/>
+            </a:lvl1pPr>
+            <a:lvl2pPr marL="457200" indent="0">
+              <a:buFontTx/>
+              <a:buNone/>
+              <a:defRPr/>
+            </a:lvl2pPr>
+            <a:lvl3pPr marL="914400" indent="0">
+              <a:buFontTx/>
+              <a:buNone/>
+              <a:defRPr/>
+            </a:lvl3pPr>
+            <a:lvl4pPr marL="1371600" indent="0">
+              <a:buFontTx/>
+              <a:buNone/>
+              <a:defRPr/>
+            </a:lvl4pPr>
+            <a:lvl5pPr marL="1828800" indent="0">
+              <a:buFontTx/>
+              <a:buNone/>
+              <a:defRPr/>
+            </a:lvl5pPr>
+          </a:lstStyle>
+          <a:p>
+            <a:pPr lvl="0"/>
+            <a:r>
+              <a:rPr lang="ja-JP" altLang="en-US"/>
+              <a:t>マスター テキストの書式設定</a:t>
+            </a:r>
+          </a:p>
+        </p:txBody>
+      </p:sp>
+      <p:sp>
+        <p:nvSpPr>
+          <p:cNvPr id="3" name="Text Placeholder 2"/>
+          <p:cNvSpPr>
+            <a:spLocks noGrp="1"/>
+          </p:cNvSpPr>
+          <p:nvPr>
+            <p:ph type="body" idx="1"/>
+          </p:nvPr>
+        </p:nvSpPr>
+        <p:spPr>
+          <a:xfrm>
+            <a:off x="684213" y="4301067"/>
+            <a:ext cx="8534400" cy="1684865"/>
+          </a:xfrm>
+        </p:spPr>
+        <p:txBody>
+          <a:bodyPr anchor="ctr">
+            <a:normAutofit/>
+          </a:bodyPr>
+          <a:lstStyle>
+            <a:lvl1pPr marL="0" indent="0" algn="l">
+              <a:buNone/>
+              <a:defRPr sz="2000">
+                <a:solidFill>
+                  <a:schemeClr val="bg2">
+                    <a:lumMod val="75000"/>
+                  </a:schemeClr>
+                </a:solidFill>
+              </a:defRPr>
+            </a:lvl1pPr>
+            <a:lvl2pPr marL="457200" indent="0">
+              <a:buNone/>
+              <a:defRPr sz="1800">
+                <a:solidFill>
+                  <a:schemeClr val="tx1">
+                    <a:tint val="75000"/>
+                  </a:schemeClr>
+                </a:solidFill>
+              </a:defRPr>
+            </a:lvl2pPr>
+            <a:lvl3pPr marL="914400" indent="0">
+              <a:buNone/>
+              <a:defRPr sz="1600">
+                <a:solidFill>
+                  <a:schemeClr val="tx1">
+                    <a:tint val="75000"/>
+                  </a:schemeClr>
+                </a:solidFill>
+              </a:defRPr>
+            </a:lvl3pPr>
+            <a:lvl4pPr marL="1371600" indent="0">
+              <a:buNone/>
+              <a:defRPr sz="1400">
+                <a:solidFill>
+                  <a:schemeClr val="tx1">
+                    <a:tint val="75000"/>
+                  </a:schemeClr>
+                </a:solidFill>
+              </a:defRPr>
+            </a:lvl4pPr>
+            <a:lvl5pPr marL="1828800" indent="0">
+              <a:buNone/>
+              <a:defRPr sz="1400">
+                <a:solidFill>
+                  <a:schemeClr val="tx1">
+                    <a:tint val="75000"/>
+                  </a:schemeClr>
+                </a:solidFill>
+              </a:defRPr>
+            </a:lvl5pPr>
+            <a:lvl6pPr marL="2286000" indent="0">
+              <a:buNone/>
+              <a:defRPr sz="1400">
+                <a:solidFill>
+                  <a:schemeClr val="tx1">
+                    <a:tint val="75000"/>
+                  </a:schemeClr>
+                </a:solidFill>
+              </a:defRPr>
+            </a:lvl6pPr>
+            <a:lvl7pPr marL="2743200" indent="0">
+              <a:buNone/>
+              <a:defRPr sz="1400">
+                <a:solidFill>
+                  <a:schemeClr val="tx1">
+                    <a:tint val="75000"/>
+                  </a:schemeClr>
+                </a:solidFill>
+              </a:defRPr>
+            </a:lvl7pPr>
+            <a:lvl8pPr marL="3200400" indent="0">
+              <a:buNone/>
+              <a:defRPr sz="1400">
+                <a:solidFill>
+                  <a:schemeClr val="tx1">
+                    <a:tint val="75000"/>
+                  </a:schemeClr>
+                </a:solidFill>
+              </a:defRPr>
+            </a:lvl8pPr>
+            <a:lvl9pPr marL="3657600" indent="0">
+              <a:buNone/>
+              <a:defRPr sz="1400">
+                <a:solidFill>
+                  <a:schemeClr val="tx1">
+                    <a:tint val="75000"/>
+                  </a:schemeClr>
+                </a:solidFill>
+              </a:defRPr>
+            </a:lvl9pPr>
+          </a:lstStyle>
+          <a:p>
+            <a:pPr lvl="0"/>
+            <a:r>
+              <a:rPr lang="ja-JP" altLang="en-US"/>
+              <a:t>マスター テキストの書式設定</a:t>
+            </a:r>
+          </a:p>
+        </p:txBody>
+      </p:sp>
+      <p:sp>
+        <p:nvSpPr>
+          <p:cNvPr id="4" name="Date Placeholder 3"/>
+          <p:cNvSpPr>
+            <a:spLocks noGrp="1"/>
+          </p:cNvSpPr>
+          <p:nvPr>
+            <p:ph type="dt" sz="half" idx="10"/>
+          </p:nvPr>
+        </p:nvSpPr>
+        <p:spPr/>
+        <p:txBody>
+          <a:bodyPr/>
+          <a:lstStyle/>
+          <a:p>
+            <a:fld id="{A1DA4EE1-659A-4572-B891-196A0F265FA0}" type="datetimeFigureOut">
+              <a:rPr kumimoji="1" lang="ja-JP" altLang="en-US" smtClean="0"/>
+              <a:t>2022/11/15</a:t>
+            </a:fld>
+            <a:endParaRPr kumimoji="1" lang="ja-JP" altLang="en-US"/>
+          </a:p>
+        </p:txBody>
+      </p:sp>
+      <p:sp>
+        <p:nvSpPr>
+          <p:cNvPr id="5" name="Footer Placeholder 4"/>
+          <p:cNvSpPr>
+            <a:spLocks noGrp="1"/>
+          </p:cNvSpPr>
+          <p:nvPr>
+            <p:ph type="ftr" sz="quarter" idx="11"/>
+          </p:nvPr>
+        </p:nvSpPr>
+        <p:spPr/>
+        <p:txBody>
+          <a:bodyPr/>
+          <a:lstStyle/>
+          <a:p>
+            <a:endParaRPr kumimoji="1" lang="ja-JP" altLang="en-US"/>
+          </a:p>
+        </p:txBody>
+      </p:sp>
+      <p:sp>
+        <p:nvSpPr>
+          <p:cNvPr id="6" name="Slide Number Placeholder 5"/>
+          <p:cNvSpPr>
+            <a:spLocks noGrp="1"/>
+          </p:cNvSpPr>
+          <p:nvPr>
+            <p:ph type="sldNum" sz="quarter" idx="12"/>
+          </p:nvPr>
+        </p:nvSpPr>
+        <p:spPr/>
+        <p:txBody>
+          <a:bodyPr/>
+          <a:lstStyle/>
+          <a:p>
+            <a:fld id="{7CE8C7C4-DDB5-4A5D-88E1-8D26E856DEFE}" type="slidenum">
+              <a:rPr kumimoji="1" lang="ja-JP" altLang="en-US" smtClean="0"/>
+              <a:t>‹#›</a:t>
+            </a:fld>
+            <a:endParaRPr kumimoji="1" lang="ja-JP" altLang="en-US"/>
+          </a:p>
+        </p:txBody>
+      </p:sp>
+      <p:sp>
+        <p:nvSpPr>
+          <p:cNvPr id="14" name="TextBox 13"/>
+          <p:cNvSpPr txBox="1"/>
+          <p:nvPr/>
+        </p:nvSpPr>
+        <p:spPr>
+          <a:xfrm>
+            <a:off x="531812" y="812222"/>
+            <a:ext cx="609600" cy="584776"/>
+          </a:xfrm>
+          <a:prstGeom prst="rect">
+            <a:avLst/>
+          </a:prstGeom>
+        </p:spPr>
+        <p:txBody>
+          <a:bodyPr vert="horz" lIns="91440" tIns="45720" rIns="91440" bIns="45720" rtlCol="0" anchor="ctr">
+            <a:noAutofit/>
+          </a:bodyPr>
+          <a:lstStyle/>
+          <a:p>
+            <a:pPr lvl="0"/>
+            <a:r>
+              <a:rPr lang="en-US" sz="8000" dirty="0">
+                <a:solidFill>
+                  <a:schemeClr val="tx1"/>
+                </a:solidFill>
+                <a:effectLst/>
+              </a:rPr>
+              <a:t>“</a:t>
+            </a:r>
+          </a:p>
+        </p:txBody>
+      </p:sp>
+      <p:sp>
+        <p:nvSpPr>
+          <p:cNvPr id="15" name="TextBox 14"/>
+          <p:cNvSpPr txBox="1"/>
+          <p:nvPr/>
+        </p:nvSpPr>
+        <p:spPr>
+          <a:xfrm>
+            <a:off x="10285412" y="2768601"/>
+            <a:ext cx="609600" cy="584776"/>
+          </a:xfrm>
+          <a:prstGeom prst="rect">
+            <a:avLst/>
+          </a:prstGeom>
+        </p:spPr>
+        <p:txBody>
+          <a:bodyPr vert="horz" lIns="91440" tIns="45720" rIns="91440" bIns="45720" rtlCol="0" anchor="ctr">
+            <a:noAutofit/>
+          </a:bodyPr>
+          <a:lstStyle/>
+          <a:p>
+            <a:pPr lvl="0" algn="r"/>
+            <a:r>
+              <a:rPr lang="en-US" sz="8000" dirty="0">
+                <a:solidFill>
+                  <a:schemeClr val="tx1"/>
+                </a:solidFill>
+                <a:effectLst/>
+              </a:rPr>
+              <a:t>”</a:t>
+            </a:r>
+          </a:p>
+        </p:txBody>
+      </p:sp>
+    </p:spTree>
+    <p:extLst>
+      <p:ext uri="{BB962C8B-B14F-4D97-AF65-F5344CB8AC3E}">
+        <p14:creationId xmlns:p14="http://schemas.microsoft.com/office/powerpoint/2010/main" val="1959539219"/>
+      </p:ext>
+    </p:extLst>
+  </p:cSld>
+  <p:clrMapOvr>
+    <a:masterClrMapping/>
+  </p:clrMapOvr>
+</p:sldLayout>
+</file>
+
+<file path=ppt/slideLayouts/slideLayout13.xml><?xml version="1.0" encoding="utf-8"?>
+<p:sldLayout xmlns:a="http://schemas.openxmlformats.org/drawingml/2006/main" xmlns:r="http://schemas.openxmlformats.org/officeDocument/2006/relationships" xmlns:p="http://schemas.openxmlformats.org/presentationml/2006/main" preserve="1">
+  <p:cSld name="名札">
+    <p:spTree>
+      <p:nvGrpSpPr>
+        <p:cNvPr id="1" name=""/>
+        <p:cNvGrpSpPr/>
+        <p:nvPr/>
+      </p:nvGrpSpPr>
+      <p:grpSpPr>
+        <a:xfrm>
+          <a:off x="0" y="0"/>
+          <a:ext cx="0" cy="0"/>
+          <a:chOff x="0" y="0"/>
+          <a:chExt cx="0" cy="0"/>
+        </a:xfrm>
+      </p:grpSpPr>
+      <p:sp>
+        <p:nvSpPr>
+          <p:cNvPr id="2" name="Title 1"/>
+          <p:cNvSpPr>
+            <a:spLocks noGrp="1"/>
+          </p:cNvSpPr>
+          <p:nvPr>
+            <p:ph type="title"/>
+          </p:nvPr>
+        </p:nvSpPr>
+        <p:spPr>
+          <a:xfrm>
+            <a:off x="684212" y="3429000"/>
+            <a:ext cx="8534400" cy="1697400"/>
+          </a:xfrm>
+        </p:spPr>
+        <p:txBody>
+          <a:bodyPr anchor="b">
+            <a:normAutofit/>
+          </a:bodyPr>
+          <a:lstStyle>
+            <a:lvl1pPr algn="l">
+              <a:defRPr sz="3200" b="0" cap="all"/>
+            </a:lvl1pPr>
+          </a:lstStyle>
+          <a:p>
+            <a:r>
+              <a:rPr lang="ja-JP" altLang="en-US"/>
+              <a:t>マスター タイトルの書式設定</a:t>
+            </a:r>
+            <a:endParaRPr lang="en-US" dirty="0"/>
+          </a:p>
+        </p:txBody>
+      </p:sp>
+      <p:sp>
+        <p:nvSpPr>
+          <p:cNvPr id="3" name="Text Placeholder 2"/>
+          <p:cNvSpPr>
+            <a:spLocks noGrp="1"/>
+          </p:cNvSpPr>
+          <p:nvPr>
+            <p:ph type="body" idx="1"/>
+          </p:nvPr>
+        </p:nvSpPr>
+        <p:spPr>
+          <a:xfrm>
+            <a:off x="684211" y="5132981"/>
+            <a:ext cx="8535990" cy="860400"/>
+          </a:xfrm>
+        </p:spPr>
+        <p:txBody>
+          <a:bodyPr anchor="t">
+            <a:normAutofit/>
+          </a:bodyPr>
+          <a:lstStyle>
+            <a:lvl1pPr marL="0" indent="0" algn="l">
+              <a:buNone/>
+              <a:defRPr sz="2000">
+                <a:solidFill>
+                  <a:schemeClr val="bg2">
+                    <a:lumMod val="75000"/>
+                  </a:schemeClr>
+                </a:solidFill>
+              </a:defRPr>
+            </a:lvl1pPr>
+            <a:lvl2pPr marL="457200" indent="0">
+              <a:buNone/>
+              <a:defRPr sz="1800">
+                <a:solidFill>
+                  <a:schemeClr val="tx1">
+                    <a:tint val="75000"/>
+                  </a:schemeClr>
+                </a:solidFill>
+              </a:defRPr>
+            </a:lvl2pPr>
+            <a:lvl3pPr marL="914400" indent="0">
+              <a:buNone/>
+              <a:defRPr sz="1600">
+                <a:solidFill>
+                  <a:schemeClr val="tx1">
+                    <a:tint val="75000"/>
+                  </a:schemeClr>
+                </a:solidFill>
+              </a:defRPr>
+            </a:lvl3pPr>
+            <a:lvl4pPr marL="1371600" indent="0">
+              <a:buNone/>
+              <a:defRPr sz="1400">
+                <a:solidFill>
+                  <a:schemeClr val="tx1">
+                    <a:tint val="75000"/>
+                  </a:schemeClr>
+                </a:solidFill>
+              </a:defRPr>
+            </a:lvl4pPr>
+            <a:lvl5pPr marL="1828800" indent="0">
+              <a:buNone/>
+              <a:defRPr sz="1400">
+                <a:solidFill>
+                  <a:schemeClr val="tx1">
+                    <a:tint val="75000"/>
+                  </a:schemeClr>
+                </a:solidFill>
+              </a:defRPr>
+            </a:lvl5pPr>
+            <a:lvl6pPr marL="2286000" indent="0">
+              <a:buNone/>
+              <a:defRPr sz="1400">
+                <a:solidFill>
+                  <a:schemeClr val="tx1">
+                    <a:tint val="75000"/>
+                  </a:schemeClr>
+                </a:solidFill>
+              </a:defRPr>
+            </a:lvl6pPr>
+            <a:lvl7pPr marL="2743200" indent="0">
+              <a:buNone/>
+              <a:defRPr sz="1400">
+                <a:solidFill>
+                  <a:schemeClr val="tx1">
+                    <a:tint val="75000"/>
+                  </a:schemeClr>
+                </a:solidFill>
+              </a:defRPr>
+            </a:lvl7pPr>
+            <a:lvl8pPr marL="3200400" indent="0">
+              <a:buNone/>
+              <a:defRPr sz="1400">
+                <a:solidFill>
+                  <a:schemeClr val="tx1">
+                    <a:tint val="75000"/>
+                  </a:schemeClr>
+                </a:solidFill>
+              </a:defRPr>
+            </a:lvl8pPr>
+            <a:lvl9pPr marL="3657600" indent="0">
+              <a:buNone/>
+              <a:defRPr sz="1400">
+                <a:solidFill>
+                  <a:schemeClr val="tx1">
+                    <a:tint val="75000"/>
+                  </a:schemeClr>
+                </a:solidFill>
+              </a:defRPr>
+            </a:lvl9pPr>
+          </a:lstStyle>
+          <a:p>
+            <a:pPr lvl="0"/>
+            <a:r>
+              <a:rPr lang="ja-JP" altLang="en-US"/>
+              <a:t>マスター テキストの書式設定</a:t>
+            </a:r>
+          </a:p>
+        </p:txBody>
+      </p:sp>
+      <p:sp>
+        <p:nvSpPr>
+          <p:cNvPr id="4" name="Date Placeholder 3"/>
+          <p:cNvSpPr>
+            <a:spLocks noGrp="1"/>
+          </p:cNvSpPr>
+          <p:nvPr>
+            <p:ph type="dt" sz="half" idx="10"/>
+          </p:nvPr>
+        </p:nvSpPr>
+        <p:spPr/>
+        <p:txBody>
+          <a:bodyPr/>
+          <a:lstStyle/>
+          <a:p>
+            <a:fld id="{A1DA4EE1-659A-4572-B891-196A0F265FA0}" type="datetimeFigureOut">
+              <a:rPr kumimoji="1" lang="ja-JP" altLang="en-US" smtClean="0"/>
+              <a:t>2022/11/15</a:t>
+            </a:fld>
+            <a:endParaRPr kumimoji="1" lang="ja-JP" altLang="en-US"/>
+          </a:p>
+        </p:txBody>
+      </p:sp>
+      <p:sp>
+        <p:nvSpPr>
+          <p:cNvPr id="5" name="Footer Placeholder 4"/>
+          <p:cNvSpPr>
+            <a:spLocks noGrp="1"/>
+          </p:cNvSpPr>
+          <p:nvPr>
+            <p:ph type="ftr" sz="quarter" idx="11"/>
+          </p:nvPr>
+        </p:nvSpPr>
+        <p:spPr/>
+        <p:txBody>
+          <a:bodyPr/>
+          <a:lstStyle/>
+          <a:p>
+            <a:endParaRPr kumimoji="1" lang="ja-JP" altLang="en-US"/>
+          </a:p>
+        </p:txBody>
+      </p:sp>
+      <p:sp>
+        <p:nvSpPr>
+          <p:cNvPr id="6" name="Slide Number Placeholder 5"/>
+          <p:cNvSpPr>
+            <a:spLocks noGrp="1"/>
+          </p:cNvSpPr>
+          <p:nvPr>
+            <p:ph type="sldNum" sz="quarter" idx="12"/>
+          </p:nvPr>
+        </p:nvSpPr>
+        <p:spPr/>
+        <p:txBody>
+          <a:bodyPr/>
+          <a:lstStyle/>
+          <a:p>
+            <a:fld id="{7CE8C7C4-DDB5-4A5D-88E1-8D26E856DEFE}" type="slidenum">
+              <a:rPr kumimoji="1" lang="ja-JP" altLang="en-US" smtClean="0"/>
+              <a:t>‹#›</a:t>
+            </a:fld>
+            <a:endParaRPr kumimoji="1" lang="ja-JP" altLang="en-US"/>
+          </a:p>
+        </p:txBody>
+      </p:sp>
+    </p:spTree>
+    <p:extLst>
+      <p:ext uri="{BB962C8B-B14F-4D97-AF65-F5344CB8AC3E}">
+        <p14:creationId xmlns:p14="http://schemas.microsoft.com/office/powerpoint/2010/main" val="1842253384"/>
+      </p:ext>
+    </p:extLst>
+  </p:cSld>
+  <p:clrMapOvr>
+    <a:masterClrMapping/>
+  </p:clrMapOvr>
+</p:sldLayout>
+</file>
+
+<file path=ppt/slideLayouts/slideLayout14.xml><?xml version="1.0" encoding="utf-8"?>
+<p:sldLayout xmlns:a="http://schemas.openxmlformats.org/drawingml/2006/main" xmlns:r="http://schemas.openxmlformats.org/officeDocument/2006/relationships" xmlns:p="http://schemas.openxmlformats.org/presentationml/2006/main" preserve="1">
+  <p:cSld name="引用付きの名札">
+    <p:spTree>
+      <p:nvGrpSpPr>
+        <p:cNvPr id="1" name=""/>
+        <p:cNvGrpSpPr/>
+        <p:nvPr/>
+      </p:nvGrpSpPr>
+      <p:grpSpPr>
+        <a:xfrm>
+          <a:off x="0" y="0"/>
+          <a:ext cx="0" cy="0"/>
+          <a:chOff x="0" y="0"/>
+          <a:chExt cx="0" cy="0"/>
+        </a:xfrm>
+      </p:grpSpPr>
+      <p:sp>
+        <p:nvSpPr>
+          <p:cNvPr id="2" name="Title 1"/>
+          <p:cNvSpPr>
+            <a:spLocks noGrp="1"/>
+          </p:cNvSpPr>
+          <p:nvPr>
+            <p:ph type="title"/>
+          </p:nvPr>
+        </p:nvSpPr>
+        <p:spPr>
+          <a:xfrm>
+            <a:off x="1141413" y="685800"/>
+            <a:ext cx="9144000" cy="2743200"/>
+          </a:xfrm>
+        </p:spPr>
+        <p:txBody>
+          <a:bodyPr anchor="ctr">
+            <a:normAutofit/>
+          </a:bodyPr>
+          <a:lstStyle>
+            <a:lvl1pPr algn="l">
+              <a:defRPr sz="3200" b="0" cap="all">
+                <a:solidFill>
+                  <a:schemeClr val="tx1"/>
+                </a:solidFill>
+              </a:defRPr>
+            </a:lvl1pPr>
+          </a:lstStyle>
+          <a:p>
+            <a:r>
+              <a:rPr lang="ja-JP" altLang="en-US"/>
+              <a:t>マスター タイトルの書式設定</a:t>
+            </a:r>
+            <a:endParaRPr lang="en-US" dirty="0"/>
+          </a:p>
+        </p:txBody>
+      </p:sp>
+      <p:sp>
+        <p:nvSpPr>
+          <p:cNvPr id="10" name="Text Placeholder 9"/>
+          <p:cNvSpPr>
+            <a:spLocks noGrp="1"/>
+          </p:cNvSpPr>
+          <p:nvPr>
+            <p:ph type="body" sz="quarter" idx="13"/>
+          </p:nvPr>
+        </p:nvSpPr>
+        <p:spPr>
+          <a:xfrm>
+            <a:off x="684212" y="3928534"/>
+            <a:ext cx="8534401" cy="1049866"/>
+          </a:xfrm>
+        </p:spPr>
+        <p:txBody>
+          <a:bodyPr vert="horz" lIns="91440" tIns="45720" rIns="91440" bIns="45720" rtlCol="0" anchor="b">
+            <a:normAutofit/>
+          </a:bodyPr>
+          <a:lstStyle>
+            <a:lvl1pPr>
+              <a:buNone/>
+              <a:defRPr lang="en-US" sz="2400" b="0" cap="all" dirty="0">
+                <a:ln w="3175" cmpd="sng">
+                  <a:noFill/>
+                </a:ln>
+                <a:solidFill>
+                  <a:schemeClr val="tx1"/>
+                </a:solidFill>
+                <a:effectLst/>
+              </a:defRPr>
+            </a:lvl1pPr>
+          </a:lstStyle>
+          <a:p>
+            <a:pPr marL="0" lvl="0">
+              <a:spcBef>
+                <a:spcPct val="0"/>
+              </a:spcBef>
+              <a:buNone/>
+            </a:pPr>
+            <a:r>
+              <a:rPr lang="ja-JP" altLang="en-US"/>
+              <a:t>マスター テキストの書式設定</a:t>
+            </a:r>
+          </a:p>
+        </p:txBody>
+      </p:sp>
+      <p:sp>
+        <p:nvSpPr>
+          <p:cNvPr id="3" name="Text Placeholder 2"/>
+          <p:cNvSpPr>
+            <a:spLocks noGrp="1"/>
+          </p:cNvSpPr>
+          <p:nvPr>
+            <p:ph type="body" idx="1"/>
+          </p:nvPr>
+        </p:nvSpPr>
+        <p:spPr>
+          <a:xfrm>
+            <a:off x="684211" y="4978400"/>
+            <a:ext cx="8534401" cy="1016000"/>
+          </a:xfrm>
+        </p:spPr>
+        <p:txBody>
+          <a:bodyPr anchor="t">
+            <a:normAutofit/>
+          </a:bodyPr>
+          <a:lstStyle>
+            <a:lvl1pPr marL="0" indent="0" algn="l">
+              <a:buNone/>
+              <a:defRPr sz="1800">
+                <a:solidFill>
+                  <a:schemeClr val="bg2">
+                    <a:lumMod val="75000"/>
+                  </a:schemeClr>
+                </a:solidFill>
+              </a:defRPr>
+            </a:lvl1pPr>
+            <a:lvl2pPr marL="457200" indent="0">
+              <a:buNone/>
+              <a:defRPr sz="1800">
+                <a:solidFill>
+                  <a:schemeClr val="tx1">
+                    <a:tint val="75000"/>
+                  </a:schemeClr>
+                </a:solidFill>
+              </a:defRPr>
+            </a:lvl2pPr>
+            <a:lvl3pPr marL="914400" indent="0">
+              <a:buNone/>
+              <a:defRPr sz="1600">
+                <a:solidFill>
+                  <a:schemeClr val="tx1">
+                    <a:tint val="75000"/>
+                  </a:schemeClr>
+                </a:solidFill>
+              </a:defRPr>
+            </a:lvl3pPr>
+            <a:lvl4pPr marL="1371600" indent="0">
+              <a:buNone/>
+              <a:defRPr sz="1400">
+                <a:solidFill>
+                  <a:schemeClr val="tx1">
+                    <a:tint val="75000"/>
+                  </a:schemeClr>
+                </a:solidFill>
+              </a:defRPr>
+            </a:lvl4pPr>
+            <a:lvl5pPr marL="1828800" indent="0">
+              <a:buNone/>
+              <a:defRPr sz="1400">
+                <a:solidFill>
+                  <a:schemeClr val="tx1">
+                    <a:tint val="75000"/>
+                  </a:schemeClr>
+                </a:solidFill>
+              </a:defRPr>
+            </a:lvl5pPr>
+            <a:lvl6pPr marL="2286000" indent="0">
+              <a:buNone/>
+              <a:defRPr sz="1400">
+                <a:solidFill>
+                  <a:schemeClr val="tx1">
+                    <a:tint val="75000"/>
+                  </a:schemeClr>
+                </a:solidFill>
+              </a:defRPr>
+            </a:lvl6pPr>
+            <a:lvl7pPr marL="2743200" indent="0">
+              <a:buNone/>
+              <a:defRPr sz="1400">
+                <a:solidFill>
+                  <a:schemeClr val="tx1">
+                    <a:tint val="75000"/>
+                  </a:schemeClr>
+                </a:solidFill>
+              </a:defRPr>
+            </a:lvl7pPr>
+            <a:lvl8pPr marL="3200400" indent="0">
+              <a:buNone/>
+              <a:defRPr sz="1400">
+                <a:solidFill>
+                  <a:schemeClr val="tx1">
+                    <a:tint val="75000"/>
+                  </a:schemeClr>
+                </a:solidFill>
+              </a:defRPr>
+            </a:lvl8pPr>
+            <a:lvl9pPr marL="3657600" indent="0">
+              <a:buNone/>
+              <a:defRPr sz="1400">
+                <a:solidFill>
+                  <a:schemeClr val="tx1">
+                    <a:tint val="75000"/>
+                  </a:schemeClr>
+                </a:solidFill>
+              </a:defRPr>
+            </a:lvl9pPr>
+          </a:lstStyle>
+          <a:p>
+            <a:pPr lvl="0"/>
+            <a:r>
+              <a:rPr lang="ja-JP" altLang="en-US"/>
+              <a:t>マスター テキストの書式設定</a:t>
+            </a:r>
+          </a:p>
+        </p:txBody>
+      </p:sp>
+      <p:sp>
+        <p:nvSpPr>
+          <p:cNvPr id="4" name="Date Placeholder 3"/>
+          <p:cNvSpPr>
+            <a:spLocks noGrp="1"/>
+          </p:cNvSpPr>
+          <p:nvPr>
+            <p:ph type="dt" sz="half" idx="10"/>
+          </p:nvPr>
+        </p:nvSpPr>
+        <p:spPr/>
+        <p:txBody>
+          <a:bodyPr/>
+          <a:lstStyle/>
+          <a:p>
+            <a:fld id="{A1DA4EE1-659A-4572-B891-196A0F265FA0}" type="datetimeFigureOut">
+              <a:rPr kumimoji="1" lang="ja-JP" altLang="en-US" smtClean="0"/>
+              <a:t>2022/11/15</a:t>
+            </a:fld>
+            <a:endParaRPr kumimoji="1" lang="ja-JP" altLang="en-US"/>
+          </a:p>
+        </p:txBody>
+      </p:sp>
+      <p:sp>
+        <p:nvSpPr>
+          <p:cNvPr id="5" name="Footer Placeholder 4"/>
+          <p:cNvSpPr>
+            <a:spLocks noGrp="1"/>
+          </p:cNvSpPr>
+          <p:nvPr>
+            <p:ph type="ftr" sz="quarter" idx="11"/>
+          </p:nvPr>
+        </p:nvSpPr>
+        <p:spPr/>
+        <p:txBody>
+          <a:bodyPr/>
+          <a:lstStyle/>
+          <a:p>
+            <a:endParaRPr kumimoji="1" lang="ja-JP" altLang="en-US"/>
+          </a:p>
+        </p:txBody>
+      </p:sp>
+      <p:sp>
+        <p:nvSpPr>
+          <p:cNvPr id="6" name="Slide Number Placeholder 5"/>
+          <p:cNvSpPr>
+            <a:spLocks noGrp="1"/>
+          </p:cNvSpPr>
+          <p:nvPr>
+            <p:ph type="sldNum" sz="quarter" idx="12"/>
+          </p:nvPr>
+        </p:nvSpPr>
+        <p:spPr/>
+        <p:txBody>
+          <a:bodyPr/>
+          <a:lstStyle/>
+          <a:p>
+            <a:fld id="{7CE8C7C4-DDB5-4A5D-88E1-8D26E856DEFE}" type="slidenum">
+              <a:rPr kumimoji="1" lang="ja-JP" altLang="en-US" smtClean="0"/>
+              <a:t>‹#›</a:t>
+            </a:fld>
+            <a:endParaRPr kumimoji="1" lang="ja-JP" altLang="en-US"/>
+          </a:p>
+        </p:txBody>
+      </p:sp>
+      <p:sp>
+        <p:nvSpPr>
+          <p:cNvPr id="11" name="TextBox 10"/>
+          <p:cNvSpPr txBox="1"/>
+          <p:nvPr/>
+        </p:nvSpPr>
+        <p:spPr>
+          <a:xfrm>
+            <a:off x="531812" y="812222"/>
+            <a:ext cx="609600" cy="584776"/>
+          </a:xfrm>
+          <a:prstGeom prst="rect">
+            <a:avLst/>
+          </a:prstGeom>
+        </p:spPr>
+        <p:txBody>
+          <a:bodyPr vert="horz" lIns="91440" tIns="45720" rIns="91440" bIns="45720" rtlCol="0" anchor="ctr">
+            <a:noAutofit/>
+          </a:bodyPr>
+          <a:lstStyle/>
+          <a:p>
+            <a:pPr lvl="0"/>
+            <a:r>
+              <a:rPr lang="en-US" sz="8000" dirty="0">
+                <a:solidFill>
+                  <a:schemeClr val="tx1"/>
+                </a:solidFill>
+                <a:effectLst/>
+              </a:rPr>
+              <a:t>“</a:t>
+            </a:r>
+          </a:p>
+        </p:txBody>
+      </p:sp>
+      <p:sp>
+        <p:nvSpPr>
+          <p:cNvPr id="12" name="TextBox 11"/>
+          <p:cNvSpPr txBox="1"/>
+          <p:nvPr/>
+        </p:nvSpPr>
+        <p:spPr>
+          <a:xfrm>
+            <a:off x="10285412" y="2768601"/>
+            <a:ext cx="609600" cy="584776"/>
+          </a:xfrm>
+          <a:prstGeom prst="rect">
+            <a:avLst/>
+          </a:prstGeom>
+        </p:spPr>
+        <p:txBody>
+          <a:bodyPr vert="horz" lIns="91440" tIns="45720" rIns="91440" bIns="45720" rtlCol="0" anchor="ctr">
+            <a:noAutofit/>
+          </a:bodyPr>
+          <a:lstStyle/>
+          <a:p>
+            <a:pPr lvl="0" algn="r"/>
+            <a:r>
+              <a:rPr lang="en-US" sz="8000" dirty="0">
+                <a:solidFill>
+                  <a:schemeClr val="tx1"/>
+                </a:solidFill>
+                <a:effectLst/>
+              </a:rPr>
+              <a:t>”</a:t>
+            </a:r>
+          </a:p>
+        </p:txBody>
+      </p:sp>
+    </p:spTree>
+    <p:extLst>
+      <p:ext uri="{BB962C8B-B14F-4D97-AF65-F5344CB8AC3E}">
+        <p14:creationId xmlns:p14="http://schemas.microsoft.com/office/powerpoint/2010/main" val="123252395"/>
+      </p:ext>
+    </p:extLst>
+  </p:cSld>
+  <p:clrMapOvr>
+    <a:masterClrMapping/>
+  </p:clrMapOvr>
+</p:sldLayout>
+</file>
+
+<file path=ppt/slideLayouts/slideLayout15.xml><?xml version="1.0" encoding="utf-8"?>
+<p:sldLayout xmlns:a="http://schemas.openxmlformats.org/drawingml/2006/main" xmlns:r="http://schemas.openxmlformats.org/officeDocument/2006/relationships" xmlns:p="http://schemas.openxmlformats.org/presentationml/2006/main" preserve="1">
+  <p:cSld name="真または偽">
+    <p:spTree>
+      <p:nvGrpSpPr>
+        <p:cNvPr id="1" name=""/>
+        <p:cNvGrpSpPr/>
+        <p:nvPr/>
+      </p:nvGrpSpPr>
+      <p:grpSpPr>
+        <a:xfrm>
+          <a:off x="0" y="0"/>
+          <a:ext cx="0" cy="0"/>
+          <a:chOff x="0" y="0"/>
+          <a:chExt cx="0" cy="0"/>
+        </a:xfrm>
+      </p:grpSpPr>
+      <p:sp>
+        <p:nvSpPr>
+          <p:cNvPr id="2" name="Title 1"/>
+          <p:cNvSpPr>
+            <a:spLocks noGrp="1"/>
+          </p:cNvSpPr>
+          <p:nvPr>
+            <p:ph type="title"/>
+          </p:nvPr>
+        </p:nvSpPr>
+        <p:spPr>
+          <a:xfrm>
+            <a:off x="684213" y="685800"/>
+            <a:ext cx="10058400" cy="2743200"/>
+          </a:xfrm>
+        </p:spPr>
+        <p:txBody>
+          <a:bodyPr vert="horz" lIns="91440" tIns="45720" rIns="91440" bIns="45720" rtlCol="0" anchor="ctr">
+            <a:normAutofit/>
+          </a:bodyPr>
+          <a:lstStyle>
+            <a:lvl1pPr>
+              <a:defRPr lang="en-US" b="0" dirty="0"/>
+            </a:lvl1pPr>
+          </a:lstStyle>
+          <a:p>
+            <a:pPr marL="0" lvl="0"/>
+            <a:r>
+              <a:rPr lang="ja-JP" altLang="en-US"/>
+              <a:t>マスター タイトルの書式設定</a:t>
+            </a:r>
+            <a:endParaRPr lang="en-US" dirty="0"/>
+          </a:p>
+        </p:txBody>
+      </p:sp>
+      <p:sp>
+        <p:nvSpPr>
+          <p:cNvPr id="10" name="Text Placeholder 9"/>
+          <p:cNvSpPr>
+            <a:spLocks noGrp="1"/>
+          </p:cNvSpPr>
+          <p:nvPr>
+            <p:ph type="body" sz="quarter" idx="13"/>
+          </p:nvPr>
+        </p:nvSpPr>
+        <p:spPr>
+          <a:xfrm>
+            <a:off x="684212" y="3928534"/>
+            <a:ext cx="8534400" cy="838200"/>
+          </a:xfrm>
+        </p:spPr>
+        <p:txBody>
+          <a:bodyPr vert="horz" lIns="91440" tIns="45720" rIns="91440" bIns="45720" rtlCol="0" anchor="b">
+            <a:normAutofit/>
+          </a:bodyPr>
+          <a:lstStyle>
+            <a:lvl1pPr>
+              <a:buNone/>
+              <a:defRPr lang="en-US" sz="2400" b="0" cap="all" dirty="0">
+                <a:ln w="3175" cmpd="sng">
+                  <a:noFill/>
+                </a:ln>
+                <a:solidFill>
+                  <a:schemeClr val="tx1"/>
+                </a:solidFill>
+                <a:effectLst/>
+              </a:defRPr>
+            </a:lvl1pPr>
+          </a:lstStyle>
+          <a:p>
+            <a:pPr marL="0" lvl="0">
+              <a:spcBef>
+                <a:spcPct val="0"/>
+              </a:spcBef>
+              <a:buNone/>
+            </a:pPr>
+            <a:r>
+              <a:rPr lang="ja-JP" altLang="en-US"/>
+              <a:t>マスター テキストの書式設定</a:t>
+            </a:r>
+          </a:p>
+        </p:txBody>
+      </p:sp>
+      <p:sp>
+        <p:nvSpPr>
+          <p:cNvPr id="3" name="Text Placeholder 2"/>
+          <p:cNvSpPr>
+            <a:spLocks noGrp="1"/>
+          </p:cNvSpPr>
+          <p:nvPr>
+            <p:ph type="body" idx="1"/>
+          </p:nvPr>
+        </p:nvSpPr>
+        <p:spPr>
+          <a:xfrm>
+            <a:off x="684211" y="4766732"/>
+            <a:ext cx="8534401" cy="1227667"/>
+          </a:xfrm>
+        </p:spPr>
+        <p:txBody>
+          <a:bodyPr anchor="t">
+            <a:normAutofit/>
+          </a:bodyPr>
+          <a:lstStyle>
+            <a:lvl1pPr marL="0" indent="0" algn="l">
+              <a:buNone/>
+              <a:defRPr sz="1800">
+                <a:solidFill>
+                  <a:schemeClr val="bg2">
+                    <a:lumMod val="75000"/>
+                  </a:schemeClr>
+                </a:solidFill>
+              </a:defRPr>
+            </a:lvl1pPr>
+            <a:lvl2pPr marL="457200" indent="0">
+              <a:buNone/>
+              <a:defRPr sz="1800">
+                <a:solidFill>
+                  <a:schemeClr val="tx1">
+                    <a:tint val="75000"/>
+                  </a:schemeClr>
+                </a:solidFill>
+              </a:defRPr>
+            </a:lvl2pPr>
+            <a:lvl3pPr marL="914400" indent="0">
+              <a:buNone/>
+              <a:defRPr sz="1600">
+                <a:solidFill>
+                  <a:schemeClr val="tx1">
+                    <a:tint val="75000"/>
+                  </a:schemeClr>
+                </a:solidFill>
+              </a:defRPr>
+            </a:lvl3pPr>
+            <a:lvl4pPr marL="1371600" indent="0">
+              <a:buNone/>
+              <a:defRPr sz="1400">
+                <a:solidFill>
+                  <a:schemeClr val="tx1">
+                    <a:tint val="75000"/>
+                  </a:schemeClr>
+                </a:solidFill>
+              </a:defRPr>
+            </a:lvl4pPr>
+            <a:lvl5pPr marL="1828800" indent="0">
+              <a:buNone/>
+              <a:defRPr sz="1400">
+                <a:solidFill>
+                  <a:schemeClr val="tx1">
+                    <a:tint val="75000"/>
+                  </a:schemeClr>
+                </a:solidFill>
+              </a:defRPr>
+            </a:lvl5pPr>
+            <a:lvl6pPr marL="2286000" indent="0">
+              <a:buNone/>
+              <a:defRPr sz="1400">
+                <a:solidFill>
+                  <a:schemeClr val="tx1">
+                    <a:tint val="75000"/>
+                  </a:schemeClr>
+                </a:solidFill>
+              </a:defRPr>
+            </a:lvl6pPr>
+            <a:lvl7pPr marL="2743200" indent="0">
+              <a:buNone/>
+              <a:defRPr sz="1400">
+                <a:solidFill>
+                  <a:schemeClr val="tx1">
+                    <a:tint val="75000"/>
+                  </a:schemeClr>
+                </a:solidFill>
+              </a:defRPr>
+            </a:lvl7pPr>
+            <a:lvl8pPr marL="3200400" indent="0">
+              <a:buNone/>
+              <a:defRPr sz="1400">
+                <a:solidFill>
+                  <a:schemeClr val="tx1">
+                    <a:tint val="75000"/>
+                  </a:schemeClr>
+                </a:solidFill>
+              </a:defRPr>
+            </a:lvl8pPr>
+            <a:lvl9pPr marL="3657600" indent="0">
+              <a:buNone/>
+              <a:defRPr sz="1400">
+                <a:solidFill>
+                  <a:schemeClr val="tx1">
+                    <a:tint val="75000"/>
+                  </a:schemeClr>
+                </a:solidFill>
+              </a:defRPr>
+            </a:lvl9pPr>
+          </a:lstStyle>
+          <a:p>
+            <a:pPr lvl="0"/>
+            <a:r>
+              <a:rPr lang="ja-JP" altLang="en-US"/>
+              <a:t>マスター テキストの書式設定</a:t>
+            </a:r>
+          </a:p>
+        </p:txBody>
+      </p:sp>
+      <p:sp>
+        <p:nvSpPr>
+          <p:cNvPr id="4" name="Date Placeholder 3"/>
+          <p:cNvSpPr>
+            <a:spLocks noGrp="1"/>
+          </p:cNvSpPr>
+          <p:nvPr>
+            <p:ph type="dt" sz="half" idx="10"/>
+          </p:nvPr>
+        </p:nvSpPr>
+        <p:spPr/>
+        <p:txBody>
+          <a:bodyPr/>
+          <a:lstStyle/>
+          <a:p>
+            <a:fld id="{A1DA4EE1-659A-4572-B891-196A0F265FA0}" type="datetimeFigureOut">
+              <a:rPr kumimoji="1" lang="ja-JP" altLang="en-US" smtClean="0"/>
+              <a:t>2022/11/15</a:t>
+            </a:fld>
+            <a:endParaRPr kumimoji="1" lang="ja-JP" altLang="en-US"/>
+          </a:p>
+        </p:txBody>
+      </p:sp>
+      <p:sp>
+        <p:nvSpPr>
+          <p:cNvPr id="5" name="Footer Placeholder 4"/>
+          <p:cNvSpPr>
+            <a:spLocks noGrp="1"/>
+          </p:cNvSpPr>
+          <p:nvPr>
+            <p:ph type="ftr" sz="quarter" idx="11"/>
+          </p:nvPr>
+        </p:nvSpPr>
+        <p:spPr/>
+        <p:txBody>
+          <a:bodyPr/>
+          <a:lstStyle/>
+          <a:p>
+            <a:endParaRPr kumimoji="1" lang="ja-JP" altLang="en-US"/>
+          </a:p>
+        </p:txBody>
+      </p:sp>
+      <p:sp>
+        <p:nvSpPr>
+          <p:cNvPr id="6" name="Slide Number Placeholder 5"/>
+          <p:cNvSpPr>
+            <a:spLocks noGrp="1"/>
+          </p:cNvSpPr>
+          <p:nvPr>
+            <p:ph type="sldNum" sz="quarter" idx="12"/>
+          </p:nvPr>
+        </p:nvSpPr>
+        <p:spPr/>
+        <p:txBody>
+          <a:bodyPr/>
+          <a:lstStyle/>
+          <a:p>
+            <a:fld id="{7CE8C7C4-DDB5-4A5D-88E1-8D26E856DEFE}" type="slidenum">
+              <a:rPr kumimoji="1" lang="ja-JP" altLang="en-US" smtClean="0"/>
+              <a:t>‹#›</a:t>
+            </a:fld>
+            <a:endParaRPr kumimoji="1" lang="ja-JP" altLang="en-US"/>
+          </a:p>
+        </p:txBody>
+      </p:sp>
+    </p:spTree>
+    <p:extLst>
+      <p:ext uri="{BB962C8B-B14F-4D97-AF65-F5344CB8AC3E}">
+        <p14:creationId xmlns:p14="http://schemas.microsoft.com/office/powerpoint/2010/main" val="1352701373"/>
+      </p:ext>
+    </p:extLst>
+  </p:cSld>
+  <p:clrMapOvr>
+    <a:masterClrMapping/>
+  </p:clrMapOvr>
+</p:sldLayout>
+</file>
+
+<file path=ppt/slideLayouts/slideLayout16.xml><?xml version="1.0" encoding="utf-8"?>
 <p:sldLayout xmlns:a="http://schemas.openxmlformats.org/drawingml/2006/main" xmlns:r="http://schemas.openxmlformats.org/officeDocument/2006/relationships" xmlns:p="http://schemas.openxmlformats.org/presentationml/2006/main" type="vertTx" preserve="1">
   <p:cSld name="タイトルと縦書きテキスト">
     <p:spTree>
@@ -351,13 +2365,7 @@
       </p:grpSpPr>
       <p:sp>
         <p:nvSpPr>
-          <p:cNvPr id="2" name="タイトル 1">
-            <a:extLst>
-              <a:ext uri="{FF2B5EF4-FFF2-40B4-BE49-F238E27FC236}">
-                <a16:creationId xmlns:a16="http://schemas.microsoft.com/office/drawing/2014/main" id="{93DE172A-B9C4-8A53-0AD8-5947273A335F}"/>
-              </a:ext>
-            </a:extLst>
-          </p:cNvPr>
+          <p:cNvPr id="2" name="Title 1"/>
           <p:cNvSpPr>
             <a:spLocks noGrp="1"/>
           </p:cNvSpPr>
@@ -368,24 +2376,23 @@
         <p:spPr/>
         <p:txBody>
           <a:bodyPr/>
-          <a:lstStyle/>
-          <a:p>
-            <a:r>
-              <a:rPr kumimoji="1" lang="ja-JP" altLang="en-US"/>
+          <a:lstStyle>
+            <a:lvl1pPr algn="l">
+              <a:defRPr/>
+            </a:lvl1pPr>
+          </a:lstStyle>
+          <a:p>
+            <a:r>
+              <a:rPr lang="ja-JP" altLang="en-US"/>
               <a:t>マスター タイトルの書式設定</a:t>
             </a:r>
-          </a:p>
-        </p:txBody>
-      </p:sp>
-      <p:sp>
-        <p:nvSpPr>
-          <p:cNvPr id="3" name="縦書きテキスト プレースホルダー 2">
-            <a:extLst>
-              <a:ext uri="{FF2B5EF4-FFF2-40B4-BE49-F238E27FC236}">
-                <a16:creationId xmlns:a16="http://schemas.microsoft.com/office/drawing/2014/main" id="{346BB213-C9C7-DC7D-6B17-7693840B4129}"/>
-              </a:ext>
-            </a:extLst>
-          </p:cNvPr>
+            <a:endParaRPr lang="en-US" dirty="0"/>
+          </a:p>
+        </p:txBody>
+      </p:sp>
+      <p:sp>
+        <p:nvSpPr>
+          <p:cNvPr id="3" name="Vertical Text Placeholder 2"/>
           <p:cNvSpPr>
             <a:spLocks noGrp="1"/>
           </p:cNvSpPr>
@@ -395,86 +2402,81 @@
         </p:nvSpPr>
         <p:spPr/>
         <p:txBody>
-          <a:bodyPr vert="eaVert"/>
+          <a:bodyPr vert="eaVert" anchor="t"/>
           <a:lstStyle/>
           <a:p>
             <a:pPr lvl="0"/>
             <a:r>
-              <a:rPr kumimoji="1" lang="ja-JP" altLang="en-US"/>
+              <a:rPr lang="ja-JP" altLang="en-US"/>
               <a:t>マスター テキストの書式設定</a:t>
             </a:r>
           </a:p>
           <a:p>
             <a:pPr lvl="1"/>
             <a:r>
-              <a:rPr kumimoji="1" lang="ja-JP" altLang="en-US"/>
+              <a:rPr lang="ja-JP" altLang="en-US"/>
               <a:t>第 </a:t>
             </a:r>
             <a:r>
-              <a:rPr kumimoji="1" lang="en-US" altLang="ja-JP"/>
+              <a:rPr lang="en-US" altLang="ja-JP"/>
               <a:t>2 </a:t>
             </a:r>
             <a:r>
-              <a:rPr kumimoji="1" lang="ja-JP" altLang="en-US"/>
+              <a:rPr lang="ja-JP" altLang="en-US"/>
               <a:t>レベル</a:t>
             </a:r>
           </a:p>
           <a:p>
             <a:pPr lvl="2"/>
             <a:r>
-              <a:rPr kumimoji="1" lang="ja-JP" altLang="en-US"/>
+              <a:rPr lang="ja-JP" altLang="en-US"/>
               <a:t>第 </a:t>
             </a:r>
             <a:r>
-              <a:rPr kumimoji="1" lang="en-US" altLang="ja-JP"/>
+              <a:rPr lang="en-US" altLang="ja-JP"/>
               <a:t>3 </a:t>
             </a:r>
             <a:r>
-              <a:rPr kumimoji="1" lang="ja-JP" altLang="en-US"/>
+              <a:rPr lang="ja-JP" altLang="en-US"/>
               <a:t>レベル</a:t>
             </a:r>
           </a:p>
           <a:p>
             <a:pPr lvl="3"/>
             <a:r>
-              <a:rPr kumimoji="1" lang="ja-JP" altLang="en-US"/>
+              <a:rPr lang="ja-JP" altLang="en-US"/>
               <a:t>第 </a:t>
             </a:r>
             <a:r>
-              <a:rPr kumimoji="1" lang="en-US" altLang="ja-JP"/>
+              <a:rPr lang="en-US" altLang="ja-JP"/>
               <a:t>4 </a:t>
             </a:r>
             <a:r>
-              <a:rPr kumimoji="1" lang="ja-JP" altLang="en-US"/>
+              <a:rPr lang="ja-JP" altLang="en-US"/>
               <a:t>レベル</a:t>
             </a:r>
           </a:p>
           <a:p>
             <a:pPr lvl="4"/>
             <a:r>
-              <a:rPr kumimoji="1" lang="ja-JP" altLang="en-US"/>
+              <a:rPr lang="ja-JP" altLang="en-US"/>
               <a:t>第 </a:t>
             </a:r>
             <a:r>
-              <a:rPr kumimoji="1" lang="en-US" altLang="ja-JP"/>
+              <a:rPr lang="en-US" altLang="ja-JP"/>
               <a:t>5 </a:t>
             </a:r>
             <a:r>
-              <a:rPr kumimoji="1" lang="ja-JP" altLang="en-US"/>
+              <a:rPr lang="ja-JP" altLang="en-US"/>
               <a:t>レベル</a:t>
             </a:r>
-          </a:p>
-        </p:txBody>
-      </p:sp>
-      <p:sp>
-        <p:nvSpPr>
-          <p:cNvPr id="4" name="日付プレースホルダー 3">
-            <a:extLst>
-              <a:ext uri="{FF2B5EF4-FFF2-40B4-BE49-F238E27FC236}">
-                <a16:creationId xmlns:a16="http://schemas.microsoft.com/office/drawing/2014/main" id="{21EF8356-FBEF-B0C7-2AE8-73147A844497}"/>
-              </a:ext>
-            </a:extLst>
-          </p:cNvPr>
+            <a:endParaRPr lang="en-US" dirty="0"/>
+          </a:p>
+        </p:txBody>
+      </p:sp>
+      <p:sp>
+        <p:nvSpPr>
+          <p:cNvPr id="4" name="Date Placeholder 3"/>
           <p:cNvSpPr>
             <a:spLocks noGrp="1"/>
           </p:cNvSpPr>
@@ -497,13 +2499,7 @@
       </p:sp>
       <p:sp>
         <p:nvSpPr>
-          <p:cNvPr id="5" name="フッター プレースホルダー 4">
-            <a:extLst>
-              <a:ext uri="{FF2B5EF4-FFF2-40B4-BE49-F238E27FC236}">
-                <a16:creationId xmlns:a16="http://schemas.microsoft.com/office/drawing/2014/main" id="{FC319B66-F8CE-3EEF-A737-F61F3FBAFFD9}"/>
-              </a:ext>
-            </a:extLst>
-          </p:cNvPr>
+          <p:cNvPr id="5" name="Footer Placeholder 4"/>
           <p:cNvSpPr>
             <a:spLocks noGrp="1"/>
           </p:cNvSpPr>
@@ -522,13 +2518,7 @@
       </p:sp>
       <p:sp>
         <p:nvSpPr>
-          <p:cNvPr id="6" name="スライド番号プレースホルダー 5">
-            <a:extLst>
-              <a:ext uri="{FF2B5EF4-FFF2-40B4-BE49-F238E27FC236}">
-                <a16:creationId xmlns:a16="http://schemas.microsoft.com/office/drawing/2014/main" id="{1369F2D5-92D5-7075-5EC1-6DC9F0534453}"/>
-              </a:ext>
-            </a:extLst>
-          </p:cNvPr>
+          <p:cNvPr id="6" name="Slide Number Placeholder 5"/>
           <p:cNvSpPr>
             <a:spLocks noGrp="1"/>
           </p:cNvSpPr>
@@ -552,7 +2542,7 @@
     </p:spTree>
     <p:extLst>
       <p:ext uri="{BB962C8B-B14F-4D97-AF65-F5344CB8AC3E}">
-        <p14:creationId xmlns:p14="http://schemas.microsoft.com/office/powerpoint/2010/main" val="592531267"/>
+        <p14:creationId xmlns:p14="http://schemas.microsoft.com/office/powerpoint/2010/main" val="654177061"/>
       </p:ext>
     </p:extLst>
   </p:cSld>
@@ -562,7 +2552,7 @@
 </p:sldLayout>
 </file>
 
-<file path=ppt/slideLayouts/slideLayout11.xml><?xml version="1.0" encoding="utf-8"?>
+<file path=ppt/slideLayouts/slideLayout17.xml><?xml version="1.0" encoding="utf-8"?>
 <p:sldLayout xmlns:a="http://schemas.openxmlformats.org/drawingml/2006/main" xmlns:r="http://schemas.openxmlformats.org/officeDocument/2006/relationships" xmlns:p="http://schemas.openxmlformats.org/presentationml/2006/main" type="vertTitleAndTx" preserve="1">
   <p:cSld name="縦書きタイトルと&#10;縦書きテキスト">
     <p:spTree>
@@ -581,13 +2571,7 @@
       </p:grpSpPr>
       <p:sp>
         <p:nvSpPr>
-          <p:cNvPr id="2" name="縦書きタイトル 1">
-            <a:extLst>
-              <a:ext uri="{FF2B5EF4-FFF2-40B4-BE49-F238E27FC236}">
-                <a16:creationId xmlns:a16="http://schemas.microsoft.com/office/drawing/2014/main" id="{09D24540-E836-ADCB-1378-F04F1401D6CD}"/>
-              </a:ext>
-            </a:extLst>
-          </p:cNvPr>
+          <p:cNvPr id="2" name="Vertical Title 1"/>
           <p:cNvSpPr>
             <a:spLocks noGrp="1"/>
           </p:cNvSpPr>
@@ -597,8 +2581,8 @@
         </p:nvSpPr>
         <p:spPr>
           <a:xfrm>
-            <a:off x="8724900" y="365125"/>
-            <a:ext cx="2628900" cy="5811838"/>
+            <a:off x="8685212" y="685800"/>
+            <a:ext cx="2057400" cy="4572000"/>
           </a:xfrm>
         </p:spPr>
         <p:txBody>
@@ -606,21 +2590,16 @@
           <a:lstStyle/>
           <a:p>
             <a:r>
-              <a:rPr kumimoji="1" lang="ja-JP" altLang="en-US"/>
+              <a:rPr lang="ja-JP" altLang="en-US"/>
               <a:t>マスター タイトルの書式設定</a:t>
             </a:r>
-          </a:p>
-        </p:txBody>
-      </p:sp>
-      <p:sp>
-        <p:nvSpPr>
-          <p:cNvPr id="3" name="縦書きテキスト プレースホルダー 2">
-            <a:extLst>
-              <a:ext uri="{FF2B5EF4-FFF2-40B4-BE49-F238E27FC236}">
-                <a16:creationId xmlns:a16="http://schemas.microsoft.com/office/drawing/2014/main" id="{DE493E4D-8583-2831-7E56-05616669AABB}"/>
-              </a:ext>
-            </a:extLst>
-          </p:cNvPr>
+            <a:endParaRPr lang="en-US" dirty="0"/>
+          </a:p>
+        </p:txBody>
+      </p:sp>
+      <p:sp>
+        <p:nvSpPr>
+          <p:cNvPr id="3" name="Vertical Text Placeholder 2"/>
           <p:cNvSpPr>
             <a:spLocks noGrp="1"/>
           </p:cNvSpPr>
@@ -630,91 +2609,86 @@
         </p:nvSpPr>
         <p:spPr>
           <a:xfrm>
-            <a:off x="838200" y="365125"/>
-            <a:ext cx="7734300" cy="5811838"/>
+            <a:off x="685800" y="685800"/>
+            <a:ext cx="7823200" cy="5308600"/>
           </a:xfrm>
         </p:spPr>
         <p:txBody>
-          <a:bodyPr vert="eaVert"/>
+          <a:bodyPr vert="eaVert" anchor="t"/>
           <a:lstStyle/>
           <a:p>
             <a:pPr lvl="0"/>
             <a:r>
-              <a:rPr kumimoji="1" lang="ja-JP" altLang="en-US"/>
+              <a:rPr lang="ja-JP" altLang="en-US"/>
               <a:t>マスター テキストの書式設定</a:t>
             </a:r>
           </a:p>
           <a:p>
             <a:pPr lvl="1"/>
             <a:r>
-              <a:rPr kumimoji="1" lang="ja-JP" altLang="en-US"/>
+              <a:rPr lang="ja-JP" altLang="en-US"/>
               <a:t>第 </a:t>
             </a:r>
             <a:r>
-              <a:rPr kumimoji="1" lang="en-US" altLang="ja-JP"/>
+              <a:rPr lang="en-US" altLang="ja-JP"/>
               <a:t>2 </a:t>
             </a:r>
             <a:r>
-              <a:rPr kumimoji="1" lang="ja-JP" altLang="en-US"/>
+              <a:rPr lang="ja-JP" altLang="en-US"/>
               <a:t>レベル</a:t>
             </a:r>
           </a:p>
           <a:p>
             <a:pPr lvl="2"/>
             <a:r>
-              <a:rPr kumimoji="1" lang="ja-JP" altLang="en-US"/>
+              <a:rPr lang="ja-JP" altLang="en-US"/>
               <a:t>第 </a:t>
             </a:r>
             <a:r>
-              <a:rPr kumimoji="1" lang="en-US" altLang="ja-JP"/>
+              <a:rPr lang="en-US" altLang="ja-JP"/>
               <a:t>3 </a:t>
             </a:r>
             <a:r>
-              <a:rPr kumimoji="1" lang="ja-JP" altLang="en-US"/>
+              <a:rPr lang="ja-JP" altLang="en-US"/>
               <a:t>レベル</a:t>
             </a:r>
           </a:p>
           <a:p>
             <a:pPr lvl="3"/>
             <a:r>
-              <a:rPr kumimoji="1" lang="ja-JP" altLang="en-US"/>
+              <a:rPr lang="ja-JP" altLang="en-US"/>
               <a:t>第 </a:t>
             </a:r>
             <a:r>
-              <a:rPr kumimoji="1" lang="en-US" altLang="ja-JP"/>
+              <a:rPr lang="en-US" altLang="ja-JP"/>
               <a:t>4 </a:t>
             </a:r>
             <a:r>
-              <a:rPr kumimoji="1" lang="ja-JP" altLang="en-US"/>
+              <a:rPr lang="ja-JP" altLang="en-US"/>
               <a:t>レベル</a:t>
             </a:r>
           </a:p>
           <a:p>
             <a:pPr lvl="4"/>
             <a:r>
-              <a:rPr kumimoji="1" lang="ja-JP" altLang="en-US"/>
+              <a:rPr lang="ja-JP" altLang="en-US"/>
               <a:t>第 </a:t>
             </a:r>
             <a:r>
-              <a:rPr kumimoji="1" lang="en-US" altLang="ja-JP"/>
+              <a:rPr lang="en-US" altLang="ja-JP"/>
               <a:t>5 </a:t>
             </a:r>
             <a:r>
-              <a:rPr kumimoji="1" lang="ja-JP" altLang="en-US"/>
+              <a:rPr lang="ja-JP" altLang="en-US"/>
               <a:t>レベル</a:t>
             </a:r>
-          </a:p>
-        </p:txBody>
-      </p:sp>
-      <p:sp>
-        <p:nvSpPr>
-          <p:cNvPr id="4" name="日付プレースホルダー 3">
-            <a:extLst>
-              <a:ext uri="{FF2B5EF4-FFF2-40B4-BE49-F238E27FC236}">
-                <a16:creationId xmlns:a16="http://schemas.microsoft.com/office/drawing/2014/main" id="{7F7368A2-5216-C7B7-A0B4-123ADFBA1F2C}"/>
-              </a:ext>
-            </a:extLst>
-          </p:cNvPr>
+            <a:endParaRPr lang="en-US" dirty="0"/>
+          </a:p>
+        </p:txBody>
+      </p:sp>
+      <p:sp>
+        <p:nvSpPr>
+          <p:cNvPr id="4" name="Date Placeholder 3"/>
           <p:cNvSpPr>
             <a:spLocks noGrp="1"/>
           </p:cNvSpPr>
@@ -737,13 +2711,7 @@
       </p:sp>
       <p:sp>
         <p:nvSpPr>
-          <p:cNvPr id="5" name="フッター プレースホルダー 4">
-            <a:extLst>
-              <a:ext uri="{FF2B5EF4-FFF2-40B4-BE49-F238E27FC236}">
-                <a16:creationId xmlns:a16="http://schemas.microsoft.com/office/drawing/2014/main" id="{EFFDCD6A-79EE-8F8B-A9D0-E9699398946B}"/>
-              </a:ext>
-            </a:extLst>
-          </p:cNvPr>
+          <p:cNvPr id="5" name="Footer Placeholder 4"/>
           <p:cNvSpPr>
             <a:spLocks noGrp="1"/>
           </p:cNvSpPr>
@@ -762,13 +2730,7 @@
       </p:sp>
       <p:sp>
         <p:nvSpPr>
-          <p:cNvPr id="6" name="スライド番号プレースホルダー 5">
-            <a:extLst>
-              <a:ext uri="{FF2B5EF4-FFF2-40B4-BE49-F238E27FC236}">
-                <a16:creationId xmlns:a16="http://schemas.microsoft.com/office/drawing/2014/main" id="{641FB86E-7B44-D0AF-19A6-58D3D59A48E6}"/>
-              </a:ext>
-            </a:extLst>
-          </p:cNvPr>
+          <p:cNvPr id="6" name="Slide Number Placeholder 5"/>
           <p:cNvSpPr>
             <a:spLocks noGrp="1"/>
           </p:cNvSpPr>
@@ -792,7 +2754,7 @@
     </p:spTree>
     <p:extLst>
       <p:ext uri="{BB962C8B-B14F-4D97-AF65-F5344CB8AC3E}">
-        <p14:creationId xmlns:p14="http://schemas.microsoft.com/office/powerpoint/2010/main" val="2202361486"/>
+        <p14:creationId xmlns:p14="http://schemas.microsoft.com/office/powerpoint/2010/main" val="2150644013"/>
       </p:ext>
     </p:extLst>
   </p:cSld>
@@ -821,13 +2783,7 @@
       </p:grpSpPr>
       <p:sp>
         <p:nvSpPr>
-          <p:cNvPr id="2" name="タイトル 1">
-            <a:extLst>
-              <a:ext uri="{FF2B5EF4-FFF2-40B4-BE49-F238E27FC236}">
-                <a16:creationId xmlns:a16="http://schemas.microsoft.com/office/drawing/2014/main" id="{931C1C38-63D4-7ED0-9DA4-32E53430A5A6}"/>
-              </a:ext>
-            </a:extLst>
-          </p:cNvPr>
+          <p:cNvPr id="2" name="Title 1"/>
           <p:cNvSpPr>
             <a:spLocks noGrp="1"/>
           </p:cNvSpPr>
@@ -841,21 +2797,16 @@
           <a:lstStyle/>
           <a:p>
             <a:r>
-              <a:rPr kumimoji="1" lang="ja-JP" altLang="en-US"/>
+              <a:rPr lang="ja-JP" altLang="en-US"/>
               <a:t>マスター タイトルの書式設定</a:t>
             </a:r>
-          </a:p>
-        </p:txBody>
-      </p:sp>
-      <p:sp>
-        <p:nvSpPr>
-          <p:cNvPr id="3" name="コンテンツ プレースホルダー 2">
-            <a:extLst>
-              <a:ext uri="{FF2B5EF4-FFF2-40B4-BE49-F238E27FC236}">
-                <a16:creationId xmlns:a16="http://schemas.microsoft.com/office/drawing/2014/main" id="{33F722B5-4321-78E4-6D0B-15F984188048}"/>
-              </a:ext>
-            </a:extLst>
-          </p:cNvPr>
+            <a:endParaRPr lang="en-US" dirty="0"/>
+          </a:p>
+        </p:txBody>
+      </p:sp>
+      <p:sp>
+        <p:nvSpPr>
+          <p:cNvPr id="3" name="Content Placeholder 2"/>
           <p:cNvSpPr>
             <a:spLocks noGrp="1"/>
           </p:cNvSpPr>
@@ -865,86 +2816,81 @@
         </p:nvSpPr>
         <p:spPr/>
         <p:txBody>
-          <a:bodyPr/>
+          <a:bodyPr anchor="ctr"/>
           <a:lstStyle/>
           <a:p>
             <a:pPr lvl="0"/>
             <a:r>
-              <a:rPr kumimoji="1" lang="ja-JP" altLang="en-US"/>
+              <a:rPr lang="ja-JP" altLang="en-US"/>
               <a:t>マスター テキストの書式設定</a:t>
             </a:r>
           </a:p>
           <a:p>
             <a:pPr lvl="1"/>
             <a:r>
-              <a:rPr kumimoji="1" lang="ja-JP" altLang="en-US"/>
+              <a:rPr lang="ja-JP" altLang="en-US"/>
               <a:t>第 </a:t>
             </a:r>
             <a:r>
-              <a:rPr kumimoji="1" lang="en-US" altLang="ja-JP"/>
+              <a:rPr lang="en-US" altLang="ja-JP"/>
               <a:t>2 </a:t>
             </a:r>
             <a:r>
-              <a:rPr kumimoji="1" lang="ja-JP" altLang="en-US"/>
+              <a:rPr lang="ja-JP" altLang="en-US"/>
               <a:t>レベル</a:t>
             </a:r>
           </a:p>
           <a:p>
             <a:pPr lvl="2"/>
             <a:r>
-              <a:rPr kumimoji="1" lang="ja-JP" altLang="en-US"/>
+              <a:rPr lang="ja-JP" altLang="en-US"/>
               <a:t>第 </a:t>
             </a:r>
             <a:r>
-              <a:rPr kumimoji="1" lang="en-US" altLang="ja-JP"/>
+              <a:rPr lang="en-US" altLang="ja-JP"/>
               <a:t>3 </a:t>
             </a:r>
             <a:r>
-              <a:rPr kumimoji="1" lang="ja-JP" altLang="en-US"/>
+              <a:rPr lang="ja-JP" altLang="en-US"/>
               <a:t>レベル</a:t>
             </a:r>
           </a:p>
           <a:p>
             <a:pPr lvl="3"/>
             <a:r>
-              <a:rPr kumimoji="1" lang="ja-JP" altLang="en-US"/>
+              <a:rPr lang="ja-JP" altLang="en-US"/>
               <a:t>第 </a:t>
             </a:r>
             <a:r>
-              <a:rPr kumimoji="1" lang="en-US" altLang="ja-JP"/>
+              <a:rPr lang="en-US" altLang="ja-JP"/>
               <a:t>4 </a:t>
             </a:r>
             <a:r>
-              <a:rPr kumimoji="1" lang="ja-JP" altLang="en-US"/>
+              <a:rPr lang="ja-JP" altLang="en-US"/>
               <a:t>レベル</a:t>
             </a:r>
           </a:p>
           <a:p>
             <a:pPr lvl="4"/>
             <a:r>
-              <a:rPr kumimoji="1" lang="ja-JP" altLang="en-US"/>
+              <a:rPr lang="ja-JP" altLang="en-US"/>
               <a:t>第 </a:t>
             </a:r>
             <a:r>
-              <a:rPr kumimoji="1" lang="en-US" altLang="ja-JP"/>
+              <a:rPr lang="en-US" altLang="ja-JP"/>
               <a:t>5 </a:t>
             </a:r>
             <a:r>
-              <a:rPr kumimoji="1" lang="ja-JP" altLang="en-US"/>
+              <a:rPr lang="ja-JP" altLang="en-US"/>
               <a:t>レベル</a:t>
             </a:r>
-          </a:p>
-        </p:txBody>
-      </p:sp>
-      <p:sp>
-        <p:nvSpPr>
-          <p:cNvPr id="4" name="日付プレースホルダー 3">
-            <a:extLst>
-              <a:ext uri="{FF2B5EF4-FFF2-40B4-BE49-F238E27FC236}">
-                <a16:creationId xmlns:a16="http://schemas.microsoft.com/office/drawing/2014/main" id="{EE8C2851-0C1B-24E0-C488-FE598E6D18C0}"/>
-              </a:ext>
-            </a:extLst>
-          </p:cNvPr>
+            <a:endParaRPr lang="en-US" dirty="0"/>
+          </a:p>
+        </p:txBody>
+      </p:sp>
+      <p:sp>
+        <p:nvSpPr>
+          <p:cNvPr id="4" name="Date Placeholder 3"/>
           <p:cNvSpPr>
             <a:spLocks noGrp="1"/>
           </p:cNvSpPr>
@@ -967,13 +2913,7 @@
       </p:sp>
       <p:sp>
         <p:nvSpPr>
-          <p:cNvPr id="5" name="フッター プレースホルダー 4">
-            <a:extLst>
-              <a:ext uri="{FF2B5EF4-FFF2-40B4-BE49-F238E27FC236}">
-                <a16:creationId xmlns:a16="http://schemas.microsoft.com/office/drawing/2014/main" id="{76BE0FF7-E531-B91C-AB23-B5E7602182BB}"/>
-              </a:ext>
-            </a:extLst>
-          </p:cNvPr>
+          <p:cNvPr id="5" name="Footer Placeholder 4"/>
           <p:cNvSpPr>
             <a:spLocks noGrp="1"/>
           </p:cNvSpPr>
@@ -992,13 +2932,7 @@
       </p:sp>
       <p:sp>
         <p:nvSpPr>
-          <p:cNvPr id="6" name="スライド番号プレースホルダー 5">
-            <a:extLst>
-              <a:ext uri="{FF2B5EF4-FFF2-40B4-BE49-F238E27FC236}">
-                <a16:creationId xmlns:a16="http://schemas.microsoft.com/office/drawing/2014/main" id="{B538BDAD-758D-79AB-25F4-F72FB9C0A08F}"/>
-              </a:ext>
-            </a:extLst>
-          </p:cNvPr>
+          <p:cNvPr id="6" name="Slide Number Placeholder 5"/>
           <p:cNvSpPr>
             <a:spLocks noGrp="1"/>
           </p:cNvSpPr>
@@ -1022,7 +2956,7 @@
     </p:spTree>
     <p:extLst>
       <p:ext uri="{BB962C8B-B14F-4D97-AF65-F5344CB8AC3E}">
-        <p14:creationId xmlns:p14="http://schemas.microsoft.com/office/powerpoint/2010/main" val="45628937"/>
+        <p14:creationId xmlns:p14="http://schemas.microsoft.com/office/powerpoint/2010/main" val="1926737453"/>
       </p:ext>
     </p:extLst>
   </p:cSld>
@@ -1051,13 +2985,7 @@
       </p:grpSpPr>
       <p:sp>
         <p:nvSpPr>
-          <p:cNvPr id="2" name="タイトル 1">
-            <a:extLst>
-              <a:ext uri="{FF2B5EF4-FFF2-40B4-BE49-F238E27FC236}">
-                <a16:creationId xmlns:a16="http://schemas.microsoft.com/office/drawing/2014/main" id="{B1695434-49D2-62DE-BFC2-417DA2558F7C}"/>
-              </a:ext>
-            </a:extLst>
-          </p:cNvPr>
+          <p:cNvPr id="2" name="Title 1"/>
           <p:cNvSpPr>
             <a:spLocks noGrp="1"/>
           </p:cNvSpPr>
@@ -1067,34 +2995,31 @@
         </p:nvSpPr>
         <p:spPr>
           <a:xfrm>
-            <a:off x="831850" y="1709738"/>
-            <a:ext cx="10515600" cy="2852737"/>
+            <a:off x="684211" y="2006600"/>
+            <a:ext cx="8534401" cy="2281600"/>
           </a:xfrm>
         </p:spPr>
         <p:txBody>
-          <a:bodyPr anchor="b"/>
+          <a:bodyPr anchor="b">
+            <a:normAutofit/>
+          </a:bodyPr>
           <a:lstStyle>
-            <a:lvl1pPr>
-              <a:defRPr sz="6000"/>
+            <a:lvl1pPr algn="l">
+              <a:defRPr sz="3600" b="0" cap="all"/>
             </a:lvl1pPr>
           </a:lstStyle>
           <a:p>
             <a:r>
-              <a:rPr kumimoji="1" lang="ja-JP" altLang="en-US"/>
+              <a:rPr lang="ja-JP" altLang="en-US"/>
               <a:t>マスター タイトルの書式設定</a:t>
             </a:r>
-          </a:p>
-        </p:txBody>
-      </p:sp>
-      <p:sp>
-        <p:nvSpPr>
-          <p:cNvPr id="3" name="テキスト プレースホルダー 2">
-            <a:extLst>
-              <a:ext uri="{FF2B5EF4-FFF2-40B4-BE49-F238E27FC236}">
-                <a16:creationId xmlns:a16="http://schemas.microsoft.com/office/drawing/2014/main" id="{3C99CA82-D893-8814-E318-CE47985D280E}"/>
-              </a:ext>
-            </a:extLst>
-          </p:cNvPr>
+            <a:endParaRPr lang="en-US" dirty="0"/>
+          </a:p>
+        </p:txBody>
+      </p:sp>
+      <p:sp>
+        <p:nvSpPr>
+          <p:cNvPr id="3" name="Text Placeholder 2"/>
           <p:cNvSpPr>
             <a:spLocks noGrp="1"/>
           </p:cNvSpPr>
@@ -1104,108 +3029,110 @@
         </p:nvSpPr>
         <p:spPr>
           <a:xfrm>
-            <a:off x="831850" y="4589463"/>
-            <a:ext cx="10515600" cy="1500187"/>
+            <a:off x="684213" y="4495800"/>
+            <a:ext cx="8534400" cy="1498600"/>
           </a:xfrm>
         </p:spPr>
         <p:txBody>
-          <a:bodyPr/>
+          <a:bodyPr anchor="t">
+            <a:normAutofit/>
+          </a:bodyPr>
           <a:lstStyle>
-            <a:lvl1pPr marL="0" indent="0">
-              <a:buNone/>
-              <a:defRPr sz="2400">
+            <a:lvl1pPr marL="0" indent="0" algn="l">
+              <a:buNone/>
+              <a:defRPr sz="1800">
+                <a:solidFill>
+                  <a:schemeClr val="bg2">
+                    <a:lumMod val="75000"/>
+                  </a:schemeClr>
+                </a:solidFill>
+              </a:defRPr>
+            </a:lvl1pPr>
+            <a:lvl2pPr marL="457200" indent="0">
+              <a:buNone/>
+              <a:defRPr sz="1800">
                 <a:solidFill>
                   <a:schemeClr val="tx1">
                     <a:tint val="75000"/>
                   </a:schemeClr>
                 </a:solidFill>
               </a:defRPr>
-            </a:lvl1pPr>
-            <a:lvl2pPr marL="457200" indent="0">
-              <a:buNone/>
-              <a:defRPr sz="2000">
+            </a:lvl2pPr>
+            <a:lvl3pPr marL="914400" indent="0">
+              <a:buNone/>
+              <a:defRPr sz="1600">
                 <a:solidFill>
                   <a:schemeClr val="tx1">
                     <a:tint val="75000"/>
                   </a:schemeClr>
                 </a:solidFill>
               </a:defRPr>
-            </a:lvl2pPr>
-            <a:lvl3pPr marL="914400" indent="0">
-              <a:buNone/>
-              <a:defRPr sz="1800">
+            </a:lvl3pPr>
+            <a:lvl4pPr marL="1371600" indent="0">
+              <a:buNone/>
+              <a:defRPr sz="1400">
                 <a:solidFill>
                   <a:schemeClr val="tx1">
                     <a:tint val="75000"/>
                   </a:schemeClr>
                 </a:solidFill>
               </a:defRPr>
-            </a:lvl3pPr>
-            <a:lvl4pPr marL="1371600" indent="0">
-              <a:buNone/>
-              <a:defRPr sz="1600">
+            </a:lvl4pPr>
+            <a:lvl5pPr marL="1828800" indent="0">
+              <a:buNone/>
+              <a:defRPr sz="1400">
                 <a:solidFill>
                   <a:schemeClr val="tx1">
                     <a:tint val="75000"/>
                   </a:schemeClr>
                 </a:solidFill>
               </a:defRPr>
-            </a:lvl4pPr>
-            <a:lvl5pPr marL="1828800" indent="0">
-              <a:buNone/>
-              <a:defRPr sz="1600">
+            </a:lvl5pPr>
+            <a:lvl6pPr marL="2286000" indent="0">
+              <a:buNone/>
+              <a:defRPr sz="1400">
                 <a:solidFill>
                   <a:schemeClr val="tx1">
                     <a:tint val="75000"/>
                   </a:schemeClr>
                 </a:solidFill>
               </a:defRPr>
-            </a:lvl5pPr>
-            <a:lvl6pPr marL="2286000" indent="0">
-              <a:buNone/>
-              <a:defRPr sz="1600">
+            </a:lvl6pPr>
+            <a:lvl7pPr marL="2743200" indent="0">
+              <a:buNone/>
+              <a:defRPr sz="1400">
                 <a:solidFill>
                   <a:schemeClr val="tx1">
                     <a:tint val="75000"/>
                   </a:schemeClr>
                 </a:solidFill>
               </a:defRPr>
-            </a:lvl6pPr>
-            <a:lvl7pPr marL="2743200" indent="0">
-              <a:buNone/>
-              <a:defRPr sz="1600">
+            </a:lvl7pPr>
+            <a:lvl8pPr marL="3200400" indent="0">
+              <a:buNone/>
+              <a:defRPr sz="1400">
                 <a:solidFill>
                   <a:schemeClr val="tx1">
                     <a:tint val="75000"/>
                   </a:schemeClr>
                 </a:solidFill>
               </a:defRPr>
-            </a:lvl7pPr>
-            <a:lvl8pPr marL="3200400" indent="0">
-              <a:buNone/>
-              <a:defRPr sz="1600">
+            </a:lvl8pPr>
+            <a:lvl9pPr marL="3657600" indent="0">
+              <a:buNone/>
+              <a:defRPr sz="1400">
                 <a:solidFill>
                   <a:schemeClr val="tx1">
                     <a:tint val="75000"/>
                   </a:schemeClr>
                 </a:solidFill>
               </a:defRPr>
-            </a:lvl8pPr>
-            <a:lvl9pPr marL="3657600" indent="0">
-              <a:buNone/>
-              <a:defRPr sz="1600">
-                <a:solidFill>
-                  <a:schemeClr val="tx1">
-                    <a:tint val="75000"/>
-                  </a:schemeClr>
-                </a:solidFill>
-              </a:defRPr>
             </a:lvl9pPr>
           </a:lstStyle>
           <a:p>
             <a:pPr lvl="0"/>
             <a:r>
-              <a:rPr kumimoji="1" lang="ja-JP" altLang="en-US"/>
+              <a:rPr lang="ja-JP" altLang="en-US"/>
               <a:t>マスター テキストの書式設定</a:t>
             </a:r>
           </a:p>
@@ -1213,13 +3140,7 @@
       </p:sp>
       <p:sp>
         <p:nvSpPr>
-          <p:cNvPr id="4" name="日付プレースホルダー 3">
-            <a:extLst>
-              <a:ext uri="{FF2B5EF4-FFF2-40B4-BE49-F238E27FC236}">
-                <a16:creationId xmlns:a16="http://schemas.microsoft.com/office/drawing/2014/main" id="{A519DFFF-F6CC-3BDD-270E-2EFDD641F816}"/>
-              </a:ext>
-            </a:extLst>
-          </p:cNvPr>
+          <p:cNvPr id="4" name="Date Placeholder 3"/>
           <p:cNvSpPr>
             <a:spLocks noGrp="1"/>
           </p:cNvSpPr>
@@ -1242,13 +3163,7 @@
       </p:sp>
       <p:sp>
         <p:nvSpPr>
-          <p:cNvPr id="5" name="フッター プレースホルダー 4">
-            <a:extLst>
-              <a:ext uri="{FF2B5EF4-FFF2-40B4-BE49-F238E27FC236}">
-                <a16:creationId xmlns:a16="http://schemas.microsoft.com/office/drawing/2014/main" id="{AA728525-71DD-001E-A6D2-F9A14ED95616}"/>
-              </a:ext>
-            </a:extLst>
-          </p:cNvPr>
+          <p:cNvPr id="5" name="Footer Placeholder 4"/>
           <p:cNvSpPr>
             <a:spLocks noGrp="1"/>
           </p:cNvSpPr>
@@ -1267,13 +3182,7 @@
       </p:sp>
       <p:sp>
         <p:nvSpPr>
-          <p:cNvPr id="6" name="スライド番号プレースホルダー 5">
-            <a:extLst>
-              <a:ext uri="{FF2B5EF4-FFF2-40B4-BE49-F238E27FC236}">
-                <a16:creationId xmlns:a16="http://schemas.microsoft.com/office/drawing/2014/main" id="{0B9BE54C-EE2B-49BB-1002-9892A8466016}"/>
-              </a:ext>
-            </a:extLst>
-          </p:cNvPr>
+          <p:cNvPr id="6" name="Slide Number Placeholder 5"/>
           <p:cNvSpPr>
             <a:spLocks noGrp="1"/>
           </p:cNvSpPr>
@@ -1297,7 +3206,7 @@
     </p:spTree>
     <p:extLst>
       <p:ext uri="{BB962C8B-B14F-4D97-AF65-F5344CB8AC3E}">
-        <p14:creationId xmlns:p14="http://schemas.microsoft.com/office/powerpoint/2010/main" val="1611244678"/>
+        <p14:creationId xmlns:p14="http://schemas.microsoft.com/office/powerpoint/2010/main" val="883712283"/>
       </p:ext>
     </p:extLst>
   </p:cSld>
@@ -1326,13 +3235,7 @@
       </p:grpSpPr>
       <p:sp>
         <p:nvSpPr>
-          <p:cNvPr id="2" name="タイトル 1">
-            <a:extLst>
-              <a:ext uri="{FF2B5EF4-FFF2-40B4-BE49-F238E27FC236}">
-                <a16:creationId xmlns:a16="http://schemas.microsoft.com/office/drawing/2014/main" id="{D45F25FC-8D42-F992-2EF3-92CA86D82AEE}"/>
-              </a:ext>
-            </a:extLst>
-          </p:cNvPr>
+          <p:cNvPr id="2" name="Title 1"/>
           <p:cNvSpPr>
             <a:spLocks noGrp="1"/>
           </p:cNvSpPr>
@@ -1346,21 +3249,16 @@
           <a:lstStyle/>
           <a:p>
             <a:r>
-              <a:rPr kumimoji="1" lang="ja-JP" altLang="en-US"/>
+              <a:rPr lang="ja-JP" altLang="en-US"/>
               <a:t>マスター タイトルの書式設定</a:t>
             </a:r>
-          </a:p>
-        </p:txBody>
-      </p:sp>
-      <p:sp>
-        <p:nvSpPr>
-          <p:cNvPr id="3" name="コンテンツ プレースホルダー 2">
-            <a:extLst>
-              <a:ext uri="{FF2B5EF4-FFF2-40B4-BE49-F238E27FC236}">
-                <a16:creationId xmlns:a16="http://schemas.microsoft.com/office/drawing/2014/main" id="{FACA3021-9F2A-1C19-32D8-E8DC9A4F8231}"/>
-              </a:ext>
-            </a:extLst>
-          </p:cNvPr>
+            <a:endParaRPr lang="en-US" dirty="0"/>
+          </a:p>
+        </p:txBody>
+      </p:sp>
+      <p:sp>
+        <p:nvSpPr>
+          <p:cNvPr id="3" name="Content Placeholder 2"/>
           <p:cNvSpPr>
             <a:spLocks noGrp="1"/>
           </p:cNvSpPr>
@@ -1370,91 +3268,88 @@
         </p:nvSpPr>
         <p:spPr>
           <a:xfrm>
-            <a:off x="838200" y="1825625"/>
-            <a:ext cx="5181600" cy="4351338"/>
+            <a:off x="684211" y="685800"/>
+            <a:ext cx="4937655" cy="3615267"/>
           </a:xfrm>
         </p:spPr>
         <p:txBody>
-          <a:bodyPr/>
+          <a:bodyPr>
+            <a:normAutofit/>
+          </a:bodyPr>
           <a:lstStyle/>
           <a:p>
             <a:pPr lvl="0"/>
             <a:r>
-              <a:rPr kumimoji="1" lang="ja-JP" altLang="en-US"/>
+              <a:rPr lang="ja-JP" altLang="en-US"/>
               <a:t>マスター テキストの書式設定</a:t>
             </a:r>
           </a:p>
           <a:p>
             <a:pPr lvl="1"/>
             <a:r>
-              <a:rPr kumimoji="1" lang="ja-JP" altLang="en-US"/>
+              <a:rPr lang="ja-JP" altLang="en-US"/>
               <a:t>第 </a:t>
             </a:r>
             <a:r>
-              <a:rPr kumimoji="1" lang="en-US" altLang="ja-JP"/>
+              <a:rPr lang="en-US" altLang="ja-JP"/>
               <a:t>2 </a:t>
             </a:r>
             <a:r>
-              <a:rPr kumimoji="1" lang="ja-JP" altLang="en-US"/>
+              <a:rPr lang="ja-JP" altLang="en-US"/>
               <a:t>レベル</a:t>
             </a:r>
           </a:p>
           <a:p>
             <a:pPr lvl="2"/>
             <a:r>
-              <a:rPr kumimoji="1" lang="ja-JP" altLang="en-US"/>
+              <a:rPr lang="ja-JP" altLang="en-US"/>
               <a:t>第 </a:t>
             </a:r>
             <a:r>
-              <a:rPr kumimoji="1" lang="en-US" altLang="ja-JP"/>
+              <a:rPr lang="en-US" altLang="ja-JP"/>
               <a:t>3 </a:t>
             </a:r>
             <a:r>
-              <a:rPr kumimoji="1" lang="ja-JP" altLang="en-US"/>
+              <a:rPr lang="ja-JP" altLang="en-US"/>
               <a:t>レベル</a:t>
             </a:r>
           </a:p>
           <a:p>
             <a:pPr lvl="3"/>
             <a:r>
-              <a:rPr kumimoji="1" lang="ja-JP" altLang="en-US"/>
+              <a:rPr lang="ja-JP" altLang="en-US"/>
               <a:t>第 </a:t>
             </a:r>
             <a:r>
-              <a:rPr kumimoji="1" lang="en-US" altLang="ja-JP"/>
+              <a:rPr lang="en-US" altLang="ja-JP"/>
               <a:t>4 </a:t>
             </a:r>
             <a:r>
-              <a:rPr kumimoji="1" lang="ja-JP" altLang="en-US"/>
+              <a:rPr lang="ja-JP" altLang="en-US"/>
               <a:t>レベル</a:t>
             </a:r>
           </a:p>
           <a:p>
             <a:pPr lvl="4"/>
             <a:r>
-              <a:rPr kumimoji="1" lang="ja-JP" altLang="en-US"/>
+              <a:rPr lang="ja-JP" altLang="en-US"/>
               <a:t>第 </a:t>
             </a:r>
             <a:r>
-              <a:rPr kumimoji="1" lang="en-US" altLang="ja-JP"/>
+              <a:rPr lang="en-US" altLang="ja-JP"/>
               <a:t>5 </a:t>
             </a:r>
             <a:r>
-              <a:rPr kumimoji="1" lang="ja-JP" altLang="en-US"/>
+              <a:rPr lang="ja-JP" altLang="en-US"/>
               <a:t>レベル</a:t>
             </a:r>
-          </a:p>
-        </p:txBody>
-      </p:sp>
-      <p:sp>
-        <p:nvSpPr>
-          <p:cNvPr id="4" name="コンテンツ プレースホルダー 3">
-            <a:extLst>
-              <a:ext uri="{FF2B5EF4-FFF2-40B4-BE49-F238E27FC236}">
-                <a16:creationId xmlns:a16="http://schemas.microsoft.com/office/drawing/2014/main" id="{B4C81EBA-8711-2A0E-A179-911B96DD2999}"/>
-              </a:ext>
-            </a:extLst>
-          </p:cNvPr>
+            <a:endParaRPr lang="en-US" dirty="0"/>
+          </a:p>
+        </p:txBody>
+      </p:sp>
+      <p:sp>
+        <p:nvSpPr>
+          <p:cNvPr id="4" name="Content Placeholder 3"/>
           <p:cNvSpPr>
             <a:spLocks noGrp="1"/>
           </p:cNvSpPr>
@@ -1464,91 +3359,88 @@
         </p:nvSpPr>
         <p:spPr>
           <a:xfrm>
-            <a:off x="6172200" y="1825625"/>
-            <a:ext cx="5181600" cy="4351338"/>
+            <a:off x="5808133" y="685801"/>
+            <a:ext cx="4934479" cy="3615266"/>
           </a:xfrm>
         </p:spPr>
         <p:txBody>
-          <a:bodyPr/>
+          <a:bodyPr>
+            <a:normAutofit/>
+          </a:bodyPr>
           <a:lstStyle/>
           <a:p>
             <a:pPr lvl="0"/>
             <a:r>
-              <a:rPr kumimoji="1" lang="ja-JP" altLang="en-US"/>
+              <a:rPr lang="ja-JP" altLang="en-US"/>
               <a:t>マスター テキストの書式設定</a:t>
             </a:r>
           </a:p>
           <a:p>
             <a:pPr lvl="1"/>
             <a:r>
-              <a:rPr kumimoji="1" lang="ja-JP" altLang="en-US"/>
+              <a:rPr lang="ja-JP" altLang="en-US"/>
               <a:t>第 </a:t>
             </a:r>
             <a:r>
-              <a:rPr kumimoji="1" lang="en-US" altLang="ja-JP"/>
+              <a:rPr lang="en-US" altLang="ja-JP"/>
               <a:t>2 </a:t>
             </a:r>
             <a:r>
-              <a:rPr kumimoji="1" lang="ja-JP" altLang="en-US"/>
+              <a:rPr lang="ja-JP" altLang="en-US"/>
               <a:t>レベル</a:t>
             </a:r>
           </a:p>
           <a:p>
             <a:pPr lvl="2"/>
             <a:r>
-              <a:rPr kumimoji="1" lang="ja-JP" altLang="en-US"/>
+              <a:rPr lang="ja-JP" altLang="en-US"/>
               <a:t>第 </a:t>
             </a:r>
             <a:r>
-              <a:rPr kumimoji="1" lang="en-US" altLang="ja-JP"/>
+              <a:rPr lang="en-US" altLang="ja-JP"/>
               <a:t>3 </a:t>
             </a:r>
             <a:r>
-              <a:rPr kumimoji="1" lang="ja-JP" altLang="en-US"/>
+              <a:rPr lang="ja-JP" altLang="en-US"/>
               <a:t>レベル</a:t>
             </a:r>
           </a:p>
           <a:p>
             <a:pPr lvl="3"/>
             <a:r>
-              <a:rPr kumimoji="1" lang="ja-JP" altLang="en-US"/>
+              <a:rPr lang="ja-JP" altLang="en-US"/>
               <a:t>第 </a:t>
             </a:r>
             <a:r>
-              <a:rPr kumimoji="1" lang="en-US" altLang="ja-JP"/>
+              <a:rPr lang="en-US" altLang="ja-JP"/>
               <a:t>4 </a:t>
             </a:r>
             <a:r>
-              <a:rPr kumimoji="1" lang="ja-JP" altLang="en-US"/>
+              <a:rPr lang="ja-JP" altLang="en-US"/>
               <a:t>レベル</a:t>
             </a:r>
           </a:p>
           <a:p>
             <a:pPr lvl="4"/>
             <a:r>
-              <a:rPr kumimoji="1" lang="ja-JP" altLang="en-US"/>
+              <a:rPr lang="ja-JP" altLang="en-US"/>
               <a:t>第 </a:t>
             </a:r>
             <a:r>
-              <a:rPr kumimoji="1" lang="en-US" altLang="ja-JP"/>
+              <a:rPr lang="en-US" altLang="ja-JP"/>
               <a:t>5 </a:t>
             </a:r>
             <a:r>
-              <a:rPr kumimoji="1" lang="ja-JP" altLang="en-US"/>
+              <a:rPr lang="ja-JP" altLang="en-US"/>
               <a:t>レベル</a:t>
             </a:r>
-          </a:p>
-        </p:txBody>
-      </p:sp>
-      <p:sp>
-        <p:nvSpPr>
-          <p:cNvPr id="5" name="日付プレースホルダー 4">
-            <a:extLst>
-              <a:ext uri="{FF2B5EF4-FFF2-40B4-BE49-F238E27FC236}">
-                <a16:creationId xmlns:a16="http://schemas.microsoft.com/office/drawing/2014/main" id="{1E6311C5-E00C-11C3-4273-86C19EF7297C}"/>
-              </a:ext>
-            </a:extLst>
-          </p:cNvPr>
+            <a:endParaRPr lang="en-US" dirty="0"/>
+          </a:p>
+        </p:txBody>
+      </p:sp>
+      <p:sp>
+        <p:nvSpPr>
+          <p:cNvPr id="5" name="Date Placeholder 4"/>
           <p:cNvSpPr>
             <a:spLocks noGrp="1"/>
           </p:cNvSpPr>
@@ -1571,13 +3463,7 @@
       </p:sp>
       <p:sp>
         <p:nvSpPr>
-          <p:cNvPr id="6" name="フッター プレースホルダー 5">
-            <a:extLst>
-              <a:ext uri="{FF2B5EF4-FFF2-40B4-BE49-F238E27FC236}">
-                <a16:creationId xmlns:a16="http://schemas.microsoft.com/office/drawing/2014/main" id="{6121E7BC-A048-E546-AE57-288DB84F9EDD}"/>
-              </a:ext>
-            </a:extLst>
-          </p:cNvPr>
+          <p:cNvPr id="6" name="Footer Placeholder 5"/>
           <p:cNvSpPr>
             <a:spLocks noGrp="1"/>
           </p:cNvSpPr>
@@ -1596,13 +3482,7 @@
       </p:sp>
       <p:sp>
         <p:nvSpPr>
-          <p:cNvPr id="7" name="スライド番号プレースホルダー 6">
-            <a:extLst>
-              <a:ext uri="{FF2B5EF4-FFF2-40B4-BE49-F238E27FC236}">
-                <a16:creationId xmlns:a16="http://schemas.microsoft.com/office/drawing/2014/main" id="{CC157BB8-3A6E-B83F-2F97-706145FC720C}"/>
-              </a:ext>
-            </a:extLst>
-          </p:cNvPr>
+          <p:cNvPr id="7" name="Slide Number Placeholder 6"/>
           <p:cNvSpPr>
             <a:spLocks noGrp="1"/>
           </p:cNvSpPr>
@@ -1626,7 +3506,7 @@
     </p:spTree>
     <p:extLst>
       <p:ext uri="{BB962C8B-B14F-4D97-AF65-F5344CB8AC3E}">
-        <p14:creationId xmlns:p14="http://schemas.microsoft.com/office/powerpoint/2010/main" val="1680868007"/>
+        <p14:creationId xmlns:p14="http://schemas.microsoft.com/office/powerpoint/2010/main" val="1882683442"/>
       </p:ext>
     </p:extLst>
   </p:cSld>
@@ -1655,65 +3535,59 @@
       </p:grpSpPr>
       <p:sp>
         <p:nvSpPr>
-          <p:cNvPr id="2" name="タイトル 1">
-            <a:extLst>
-              <a:ext uri="{FF2B5EF4-FFF2-40B4-BE49-F238E27FC236}">
-                <a16:creationId xmlns:a16="http://schemas.microsoft.com/office/drawing/2014/main" id="{2900489E-6D1E-6A5E-3090-D6C59434F6C1}"/>
-              </a:ext>
-            </a:extLst>
-          </p:cNvPr>
+          <p:cNvPr id="2" name="Title 1"/>
           <p:cNvSpPr>
             <a:spLocks noGrp="1"/>
           </p:cNvSpPr>
           <p:nvPr>
             <p:ph type="title"/>
+          </p:nvPr>
+        </p:nvSpPr>
+        <p:spPr/>
+        <p:txBody>
+          <a:bodyPr/>
+          <a:lstStyle>
+            <a:lvl1pPr>
+              <a:defRPr/>
+            </a:lvl1pPr>
+          </a:lstStyle>
+          <a:p>
+            <a:r>
+              <a:rPr lang="ja-JP" altLang="en-US"/>
+              <a:t>マスター タイトルの書式設定</a:t>
+            </a:r>
+            <a:endParaRPr lang="en-US" dirty="0"/>
+          </a:p>
+        </p:txBody>
+      </p:sp>
+      <p:sp>
+        <p:nvSpPr>
+          <p:cNvPr id="3" name="Text Placeholder 2"/>
+          <p:cNvSpPr>
+            <a:spLocks noGrp="1"/>
+          </p:cNvSpPr>
+          <p:nvPr>
+            <p:ph type="body" idx="1"/>
           </p:nvPr>
         </p:nvSpPr>
         <p:spPr>
           <a:xfrm>
-            <a:off x="839788" y="365125"/>
-            <a:ext cx="10515600" cy="1325563"/>
+            <a:off x="972080" y="685800"/>
+            <a:ext cx="4649787" cy="576262"/>
           </a:xfrm>
         </p:spPr>
         <p:txBody>
-          <a:bodyPr/>
-          <a:lstStyle/>
-          <a:p>
-            <a:r>
-              <a:rPr kumimoji="1" lang="ja-JP" altLang="en-US"/>
-              <a:t>マスター タイトルの書式設定</a:t>
-            </a:r>
-          </a:p>
-        </p:txBody>
-      </p:sp>
-      <p:sp>
-        <p:nvSpPr>
-          <p:cNvPr id="3" name="テキスト プレースホルダー 2">
-            <a:extLst>
-              <a:ext uri="{FF2B5EF4-FFF2-40B4-BE49-F238E27FC236}">
-                <a16:creationId xmlns:a16="http://schemas.microsoft.com/office/drawing/2014/main" id="{96B9703F-4068-1DA1-657C-2E8E119CC8C4}"/>
-              </a:ext>
-            </a:extLst>
-          </p:cNvPr>
-          <p:cNvSpPr>
-            <a:spLocks noGrp="1"/>
-          </p:cNvSpPr>
-          <p:nvPr>
-            <p:ph type="body" idx="1"/>
-          </p:nvPr>
-        </p:nvSpPr>
-        <p:spPr>
-          <a:xfrm>
-            <a:off x="839788" y="1681163"/>
-            <a:ext cx="5157787" cy="823912"/>
-          </a:xfrm>
-        </p:spPr>
-        <p:txBody>
-          <a:bodyPr anchor="b"/>
+          <a:bodyPr anchor="b">
+            <a:noAutofit/>
+          </a:bodyPr>
           <a:lstStyle>
             <a:lvl1pPr marL="0" indent="0">
               <a:buNone/>
-              <a:defRPr sz="2400" b="1"/>
+              <a:defRPr sz="2800" b="0">
+                <a:solidFill>
+                  <a:schemeClr val="tx1"/>
+                </a:solidFill>
+              </a:defRPr>
             </a:lvl1pPr>
             <a:lvl2pPr marL="457200" indent="0">
               <a:buNone/>
@@ -1751,7 +3625,7 @@
           <a:p>
             <a:pPr lvl="0"/>
             <a:r>
-              <a:rPr kumimoji="1" lang="ja-JP" altLang="en-US"/>
+              <a:rPr lang="ja-JP" altLang="en-US"/>
               <a:t>マスター テキストの書式設定</a:t>
             </a:r>
           </a:p>
@@ -1759,13 +3633,7 @@
       </p:sp>
       <p:sp>
         <p:nvSpPr>
-          <p:cNvPr id="4" name="コンテンツ プレースホルダー 3">
-            <a:extLst>
-              <a:ext uri="{FF2B5EF4-FFF2-40B4-BE49-F238E27FC236}">
-                <a16:creationId xmlns:a16="http://schemas.microsoft.com/office/drawing/2014/main" id="{CB0908AC-14B9-E21A-7B66-2D355F827316}"/>
-              </a:ext>
-            </a:extLst>
-          </p:cNvPr>
+          <p:cNvPr id="4" name="Content Placeholder 3"/>
           <p:cNvSpPr>
             <a:spLocks noGrp="1"/>
           </p:cNvSpPr>
@@ -1775,91 +3643,88 @@
         </p:nvSpPr>
         <p:spPr>
           <a:xfrm>
-            <a:off x="839788" y="2505075"/>
-            <a:ext cx="5157787" cy="3684588"/>
+            <a:off x="684211" y="1270529"/>
+            <a:ext cx="4937655" cy="3030538"/>
           </a:xfrm>
         </p:spPr>
         <p:txBody>
-          <a:bodyPr/>
+          <a:bodyPr anchor="t">
+            <a:normAutofit/>
+          </a:bodyPr>
           <a:lstStyle/>
           <a:p>
             <a:pPr lvl="0"/>
             <a:r>
-              <a:rPr kumimoji="1" lang="ja-JP" altLang="en-US"/>
+              <a:rPr lang="ja-JP" altLang="en-US"/>
               <a:t>マスター テキストの書式設定</a:t>
             </a:r>
           </a:p>
           <a:p>
             <a:pPr lvl="1"/>
             <a:r>
-              <a:rPr kumimoji="1" lang="ja-JP" altLang="en-US"/>
+              <a:rPr lang="ja-JP" altLang="en-US"/>
               <a:t>第 </a:t>
             </a:r>
             <a:r>
-              <a:rPr kumimoji="1" lang="en-US" altLang="ja-JP"/>
+              <a:rPr lang="en-US" altLang="ja-JP"/>
               <a:t>2 </a:t>
             </a:r>
             <a:r>
-              <a:rPr kumimoji="1" lang="ja-JP" altLang="en-US"/>
+              <a:rPr lang="ja-JP" altLang="en-US"/>
               <a:t>レベル</a:t>
             </a:r>
           </a:p>
           <a:p>
             <a:pPr lvl="2"/>
             <a:r>
-              <a:rPr kumimoji="1" lang="ja-JP" altLang="en-US"/>
+              <a:rPr lang="ja-JP" altLang="en-US"/>
               <a:t>第 </a:t>
             </a:r>
             <a:r>
-              <a:rPr kumimoji="1" lang="en-US" altLang="ja-JP"/>
+              <a:rPr lang="en-US" altLang="ja-JP"/>
               <a:t>3 </a:t>
             </a:r>
             <a:r>
-              <a:rPr kumimoji="1" lang="ja-JP" altLang="en-US"/>
+              <a:rPr lang="ja-JP" altLang="en-US"/>
               <a:t>レベル</a:t>
             </a:r>
           </a:p>
           <a:p>
             <a:pPr lvl="3"/>
             <a:r>
-              <a:rPr kumimoji="1" lang="ja-JP" altLang="en-US"/>
+              <a:rPr lang="ja-JP" altLang="en-US"/>
               <a:t>第 </a:t>
             </a:r>
             <a:r>
-              <a:rPr kumimoji="1" lang="en-US" altLang="ja-JP"/>
+              <a:rPr lang="en-US" altLang="ja-JP"/>
               <a:t>4 </a:t>
             </a:r>
             <a:r>
-              <a:rPr kumimoji="1" lang="ja-JP" altLang="en-US"/>
+              <a:rPr lang="ja-JP" altLang="en-US"/>
               <a:t>レベル</a:t>
             </a:r>
           </a:p>
           <a:p>
             <a:pPr lvl="4"/>
             <a:r>
-              <a:rPr kumimoji="1" lang="ja-JP" altLang="en-US"/>
+              <a:rPr lang="ja-JP" altLang="en-US"/>
               <a:t>第 </a:t>
             </a:r>
             <a:r>
-              <a:rPr kumimoji="1" lang="en-US" altLang="ja-JP"/>
+              <a:rPr lang="en-US" altLang="ja-JP"/>
               <a:t>5 </a:t>
             </a:r>
             <a:r>
-              <a:rPr kumimoji="1" lang="ja-JP" altLang="en-US"/>
+              <a:rPr lang="ja-JP" altLang="en-US"/>
               <a:t>レベル</a:t>
             </a:r>
-          </a:p>
-        </p:txBody>
-      </p:sp>
-      <p:sp>
-        <p:nvSpPr>
-          <p:cNvPr id="5" name="テキスト プレースホルダー 4">
-            <a:extLst>
-              <a:ext uri="{FF2B5EF4-FFF2-40B4-BE49-F238E27FC236}">
-                <a16:creationId xmlns:a16="http://schemas.microsoft.com/office/drawing/2014/main" id="{7C43EC2C-B36E-BF9D-A397-7113BD800A6C}"/>
-              </a:ext>
-            </a:extLst>
-          </p:cNvPr>
+            <a:endParaRPr lang="en-US" dirty="0"/>
+          </a:p>
+        </p:txBody>
+      </p:sp>
+      <p:sp>
+        <p:nvSpPr>
+          <p:cNvPr id="5" name="Text Placeholder 4"/>
           <p:cNvSpPr>
             <a:spLocks noGrp="1"/>
           </p:cNvSpPr>
@@ -1869,16 +3734,22 @@
         </p:nvSpPr>
         <p:spPr>
           <a:xfrm>
-            <a:off x="6172200" y="1681163"/>
-            <a:ext cx="5183188" cy="823912"/>
+            <a:off x="6079066" y="685800"/>
+            <a:ext cx="4665134" cy="576262"/>
           </a:xfrm>
         </p:spPr>
         <p:txBody>
-          <a:bodyPr anchor="b"/>
+          <a:bodyPr anchor="b">
+            <a:noAutofit/>
+          </a:bodyPr>
           <a:lstStyle>
             <a:lvl1pPr marL="0" indent="0">
               <a:buNone/>
-              <a:defRPr sz="2400" b="1"/>
+              <a:defRPr sz="2800" b="0">
+                <a:solidFill>
+                  <a:schemeClr val="tx1"/>
+                </a:solidFill>
+              </a:defRPr>
             </a:lvl1pPr>
             <a:lvl2pPr marL="457200" indent="0">
               <a:buNone/>
@@ -1916,7 +3787,7 @@
           <a:p>
             <a:pPr lvl="0"/>
             <a:r>
-              <a:rPr kumimoji="1" lang="ja-JP" altLang="en-US"/>
+              <a:rPr lang="ja-JP" altLang="en-US"/>
               <a:t>マスター テキストの書式設定</a:t>
             </a:r>
           </a:p>
@@ -1924,13 +3795,7 @@
       </p:sp>
       <p:sp>
         <p:nvSpPr>
-          <p:cNvPr id="6" name="コンテンツ プレースホルダー 5">
-            <a:extLst>
-              <a:ext uri="{FF2B5EF4-FFF2-40B4-BE49-F238E27FC236}">
-                <a16:creationId xmlns:a16="http://schemas.microsoft.com/office/drawing/2014/main" id="{DA5DD9F4-9ED9-E777-F71E-A5F1D4D87C3E}"/>
-              </a:ext>
-            </a:extLst>
-          </p:cNvPr>
+          <p:cNvPr id="6" name="Content Placeholder 5"/>
           <p:cNvSpPr>
             <a:spLocks noGrp="1"/>
           </p:cNvSpPr>
@@ -1940,91 +3805,88 @@
         </p:nvSpPr>
         <p:spPr>
           <a:xfrm>
-            <a:off x="6172200" y="2505075"/>
-            <a:ext cx="5183188" cy="3684588"/>
+            <a:off x="5806545" y="1262062"/>
+            <a:ext cx="4929188" cy="3030538"/>
           </a:xfrm>
         </p:spPr>
         <p:txBody>
-          <a:bodyPr/>
+          <a:bodyPr anchor="t">
+            <a:normAutofit/>
+          </a:bodyPr>
           <a:lstStyle/>
           <a:p>
             <a:pPr lvl="0"/>
             <a:r>
-              <a:rPr kumimoji="1" lang="ja-JP" altLang="en-US"/>
+              <a:rPr lang="ja-JP" altLang="en-US"/>
               <a:t>マスター テキストの書式設定</a:t>
             </a:r>
           </a:p>
           <a:p>
             <a:pPr lvl="1"/>
             <a:r>
-              <a:rPr kumimoji="1" lang="ja-JP" altLang="en-US"/>
+              <a:rPr lang="ja-JP" altLang="en-US"/>
               <a:t>第 </a:t>
             </a:r>
             <a:r>
-              <a:rPr kumimoji="1" lang="en-US" altLang="ja-JP"/>
+              <a:rPr lang="en-US" altLang="ja-JP"/>
               <a:t>2 </a:t>
             </a:r>
             <a:r>
-              <a:rPr kumimoji="1" lang="ja-JP" altLang="en-US"/>
+              <a:rPr lang="ja-JP" altLang="en-US"/>
               <a:t>レベル</a:t>
             </a:r>
           </a:p>
           <a:p>
             <a:pPr lvl="2"/>
             <a:r>
-              <a:rPr kumimoji="1" lang="ja-JP" altLang="en-US"/>
+              <a:rPr lang="ja-JP" altLang="en-US"/>
               <a:t>第 </a:t>
             </a:r>
             <a:r>
-              <a:rPr kumimoji="1" lang="en-US" altLang="ja-JP"/>
+              <a:rPr lang="en-US" altLang="ja-JP"/>
               <a:t>3 </a:t>
             </a:r>
             <a:r>
-              <a:rPr kumimoji="1" lang="ja-JP" altLang="en-US"/>
+              <a:rPr lang="ja-JP" altLang="en-US"/>
               <a:t>レベル</a:t>
             </a:r>
           </a:p>
           <a:p>
             <a:pPr lvl="3"/>
             <a:r>
-              <a:rPr kumimoji="1" lang="ja-JP" altLang="en-US"/>
+              <a:rPr lang="ja-JP" altLang="en-US"/>
               <a:t>第 </a:t>
             </a:r>
             <a:r>
-              <a:rPr kumimoji="1" lang="en-US" altLang="ja-JP"/>
+              <a:rPr lang="en-US" altLang="ja-JP"/>
               <a:t>4 </a:t>
             </a:r>
             <a:r>
-              <a:rPr kumimoji="1" lang="ja-JP" altLang="en-US"/>
+              <a:rPr lang="ja-JP" altLang="en-US"/>
               <a:t>レベル</a:t>
             </a:r>
           </a:p>
           <a:p>
             <a:pPr lvl="4"/>
             <a:r>
-              <a:rPr kumimoji="1" lang="ja-JP" altLang="en-US"/>
+              <a:rPr lang="ja-JP" altLang="en-US"/>
               <a:t>第 </a:t>
             </a:r>
             <a:r>
-              <a:rPr kumimoji="1" lang="en-US" altLang="ja-JP"/>
+              <a:rPr lang="en-US" altLang="ja-JP"/>
               <a:t>5 </a:t>
             </a:r>
             <a:r>
-              <a:rPr kumimoji="1" lang="ja-JP" altLang="en-US"/>
+              <a:rPr lang="ja-JP" altLang="en-US"/>
               <a:t>レベル</a:t>
             </a:r>
-          </a:p>
-        </p:txBody>
-      </p:sp>
-      <p:sp>
-        <p:nvSpPr>
-          <p:cNvPr id="7" name="日付プレースホルダー 6">
-            <a:extLst>
-              <a:ext uri="{FF2B5EF4-FFF2-40B4-BE49-F238E27FC236}">
-                <a16:creationId xmlns:a16="http://schemas.microsoft.com/office/drawing/2014/main" id="{4E09E19D-2280-EB50-6668-3A69E3676EFE}"/>
-              </a:ext>
-            </a:extLst>
-          </p:cNvPr>
+            <a:endParaRPr lang="en-US" dirty="0"/>
+          </a:p>
+        </p:txBody>
+      </p:sp>
+      <p:sp>
+        <p:nvSpPr>
+          <p:cNvPr id="7" name="Date Placeholder 6"/>
           <p:cNvSpPr>
             <a:spLocks noGrp="1"/>
           </p:cNvSpPr>
@@ -2047,13 +3909,7 @@
       </p:sp>
       <p:sp>
         <p:nvSpPr>
-          <p:cNvPr id="8" name="フッター プレースホルダー 7">
-            <a:extLst>
-              <a:ext uri="{FF2B5EF4-FFF2-40B4-BE49-F238E27FC236}">
-                <a16:creationId xmlns:a16="http://schemas.microsoft.com/office/drawing/2014/main" id="{5FC84623-7EB8-469C-8D50-D0A30C22B63E}"/>
-              </a:ext>
-            </a:extLst>
-          </p:cNvPr>
+          <p:cNvPr id="8" name="Footer Placeholder 7"/>
           <p:cNvSpPr>
             <a:spLocks noGrp="1"/>
           </p:cNvSpPr>
@@ -2072,13 +3928,7 @@
       </p:sp>
       <p:sp>
         <p:nvSpPr>
-          <p:cNvPr id="9" name="スライド番号プレースホルダー 8">
-            <a:extLst>
-              <a:ext uri="{FF2B5EF4-FFF2-40B4-BE49-F238E27FC236}">
-                <a16:creationId xmlns:a16="http://schemas.microsoft.com/office/drawing/2014/main" id="{ACBFF062-9B5B-F597-6BAA-97FAFA7F7C56}"/>
-              </a:ext>
-            </a:extLst>
-          </p:cNvPr>
+          <p:cNvPr id="9" name="Slide Number Placeholder 8"/>
           <p:cNvSpPr>
             <a:spLocks noGrp="1"/>
           </p:cNvSpPr>
@@ -2102,7 +3952,7 @@
     </p:spTree>
     <p:extLst>
       <p:ext uri="{BB962C8B-B14F-4D97-AF65-F5344CB8AC3E}">
-        <p14:creationId xmlns:p14="http://schemas.microsoft.com/office/powerpoint/2010/main" val="999077593"/>
+        <p14:creationId xmlns:p14="http://schemas.microsoft.com/office/powerpoint/2010/main" val="2523965695"/>
       </p:ext>
     </p:extLst>
   </p:cSld>
@@ -2131,13 +3981,7 @@
       </p:grpSpPr>
       <p:sp>
         <p:nvSpPr>
-          <p:cNvPr id="2" name="タイトル 1">
-            <a:extLst>
-              <a:ext uri="{FF2B5EF4-FFF2-40B4-BE49-F238E27FC236}">
-                <a16:creationId xmlns:a16="http://schemas.microsoft.com/office/drawing/2014/main" id="{95637AFB-A26B-357B-E33F-26CFF2E0403D}"/>
-              </a:ext>
-            </a:extLst>
-          </p:cNvPr>
+          <p:cNvPr id="2" name="Title 1"/>
           <p:cNvSpPr>
             <a:spLocks noGrp="1"/>
           </p:cNvSpPr>
@@ -2151,21 +3995,16 @@
           <a:lstStyle/>
           <a:p>
             <a:r>
-              <a:rPr kumimoji="1" lang="ja-JP" altLang="en-US"/>
+              <a:rPr lang="ja-JP" altLang="en-US"/>
               <a:t>マスター タイトルの書式設定</a:t>
             </a:r>
-          </a:p>
-        </p:txBody>
-      </p:sp>
-      <p:sp>
-        <p:nvSpPr>
-          <p:cNvPr id="3" name="日付プレースホルダー 2">
-            <a:extLst>
-              <a:ext uri="{FF2B5EF4-FFF2-40B4-BE49-F238E27FC236}">
-                <a16:creationId xmlns:a16="http://schemas.microsoft.com/office/drawing/2014/main" id="{8F44819A-404C-3B91-712C-B0B744C68725}"/>
-              </a:ext>
-            </a:extLst>
-          </p:cNvPr>
+            <a:endParaRPr lang="en-US" dirty="0"/>
+          </a:p>
+        </p:txBody>
+      </p:sp>
+      <p:sp>
+        <p:nvSpPr>
+          <p:cNvPr id="3" name="Date Placeholder 2"/>
           <p:cNvSpPr>
             <a:spLocks noGrp="1"/>
           </p:cNvSpPr>
@@ -2188,13 +4027,7 @@
       </p:sp>
       <p:sp>
         <p:nvSpPr>
-          <p:cNvPr id="4" name="フッター プレースホルダー 3">
-            <a:extLst>
-              <a:ext uri="{FF2B5EF4-FFF2-40B4-BE49-F238E27FC236}">
-                <a16:creationId xmlns:a16="http://schemas.microsoft.com/office/drawing/2014/main" id="{F12D9A1E-8042-C06E-73DC-494D57D92498}"/>
-              </a:ext>
-            </a:extLst>
-          </p:cNvPr>
+          <p:cNvPr id="4" name="Footer Placeholder 3"/>
           <p:cNvSpPr>
             <a:spLocks noGrp="1"/>
           </p:cNvSpPr>
@@ -2213,13 +4046,7 @@
       </p:sp>
       <p:sp>
         <p:nvSpPr>
-          <p:cNvPr id="5" name="スライド番号プレースホルダー 4">
-            <a:extLst>
-              <a:ext uri="{FF2B5EF4-FFF2-40B4-BE49-F238E27FC236}">
-                <a16:creationId xmlns:a16="http://schemas.microsoft.com/office/drawing/2014/main" id="{1EBE8A32-36EA-DB02-A9D7-764FDC331F71}"/>
-              </a:ext>
-            </a:extLst>
-          </p:cNvPr>
+          <p:cNvPr id="5" name="Slide Number Placeholder 4"/>
           <p:cNvSpPr>
             <a:spLocks noGrp="1"/>
           </p:cNvSpPr>
@@ -2243,7 +4070,7 @@
     </p:spTree>
     <p:extLst>
       <p:ext uri="{BB962C8B-B14F-4D97-AF65-F5344CB8AC3E}">
-        <p14:creationId xmlns:p14="http://schemas.microsoft.com/office/powerpoint/2010/main" val="1354031104"/>
+        <p14:creationId xmlns:p14="http://schemas.microsoft.com/office/powerpoint/2010/main" val="2590795897"/>
       </p:ext>
     </p:extLst>
   </p:cSld>
@@ -2272,13 +4099,7 @@
       </p:grpSpPr>
       <p:sp>
         <p:nvSpPr>
-          <p:cNvPr id="2" name="日付プレースホルダー 1">
-            <a:extLst>
-              <a:ext uri="{FF2B5EF4-FFF2-40B4-BE49-F238E27FC236}">
-                <a16:creationId xmlns:a16="http://schemas.microsoft.com/office/drawing/2014/main" id="{CED7EE28-32C4-3543-4A67-9D87DC7F08EE}"/>
-              </a:ext>
-            </a:extLst>
-          </p:cNvPr>
+          <p:cNvPr id="2" name="Date Placeholder 1"/>
           <p:cNvSpPr>
             <a:spLocks noGrp="1"/>
           </p:cNvSpPr>
@@ -2301,13 +4122,7 @@
       </p:sp>
       <p:sp>
         <p:nvSpPr>
-          <p:cNvPr id="3" name="フッター プレースホルダー 2">
-            <a:extLst>
-              <a:ext uri="{FF2B5EF4-FFF2-40B4-BE49-F238E27FC236}">
-                <a16:creationId xmlns:a16="http://schemas.microsoft.com/office/drawing/2014/main" id="{B32C1B85-1B13-79ED-9B3B-12FA0B3010CF}"/>
-              </a:ext>
-            </a:extLst>
-          </p:cNvPr>
+          <p:cNvPr id="3" name="Footer Placeholder 2"/>
           <p:cNvSpPr>
             <a:spLocks noGrp="1"/>
           </p:cNvSpPr>
@@ -2326,13 +4141,7 @@
       </p:sp>
       <p:sp>
         <p:nvSpPr>
-          <p:cNvPr id="4" name="スライド番号プレースホルダー 3">
-            <a:extLst>
-              <a:ext uri="{FF2B5EF4-FFF2-40B4-BE49-F238E27FC236}">
-                <a16:creationId xmlns:a16="http://schemas.microsoft.com/office/drawing/2014/main" id="{0BC24EF1-B443-48AE-2B25-3300193109E7}"/>
-              </a:ext>
-            </a:extLst>
-          </p:cNvPr>
+          <p:cNvPr id="4" name="Slide Number Placeholder 3"/>
           <p:cNvSpPr>
             <a:spLocks noGrp="1"/>
           </p:cNvSpPr>
@@ -2356,7 +4165,7 @@
     </p:spTree>
     <p:extLst>
       <p:ext uri="{BB962C8B-B14F-4D97-AF65-F5344CB8AC3E}">
-        <p14:creationId xmlns:p14="http://schemas.microsoft.com/office/powerpoint/2010/main" val="253951650"/>
+        <p14:creationId xmlns:p14="http://schemas.microsoft.com/office/powerpoint/2010/main" val="1650531670"/>
       </p:ext>
     </p:extLst>
   </p:cSld>
@@ -2385,13 +4194,7 @@
       </p:grpSpPr>
       <p:sp>
         <p:nvSpPr>
-          <p:cNvPr id="2" name="タイトル 1">
-            <a:extLst>
-              <a:ext uri="{FF2B5EF4-FFF2-40B4-BE49-F238E27FC236}">
-                <a16:creationId xmlns:a16="http://schemas.microsoft.com/office/drawing/2014/main" id="{F5C629C3-BBF5-46B6-3972-6752648B9123}"/>
-              </a:ext>
-            </a:extLst>
-          </p:cNvPr>
+          <p:cNvPr id="2" name="Title 1"/>
           <p:cNvSpPr>
             <a:spLocks noGrp="1"/>
           </p:cNvSpPr>
@@ -2401,34 +4204,31 @@
         </p:nvSpPr>
         <p:spPr>
           <a:xfrm>
-            <a:off x="839788" y="457200"/>
-            <a:ext cx="3932237" cy="1600200"/>
+            <a:off x="7085012" y="685800"/>
+            <a:ext cx="3657600" cy="1371600"/>
           </a:xfrm>
         </p:spPr>
         <p:txBody>
-          <a:bodyPr anchor="b"/>
+          <a:bodyPr anchor="b">
+            <a:normAutofit/>
+          </a:bodyPr>
           <a:lstStyle>
-            <a:lvl1pPr>
-              <a:defRPr sz="3200"/>
+            <a:lvl1pPr algn="l">
+              <a:defRPr sz="2400" b="0"/>
             </a:lvl1pPr>
           </a:lstStyle>
           <a:p>
             <a:r>
-              <a:rPr kumimoji="1" lang="ja-JP" altLang="en-US"/>
+              <a:rPr lang="ja-JP" altLang="en-US"/>
               <a:t>マスター タイトルの書式設定</a:t>
             </a:r>
-          </a:p>
-        </p:txBody>
-      </p:sp>
-      <p:sp>
-        <p:nvSpPr>
-          <p:cNvPr id="3" name="コンテンツ プレースホルダー 2">
-            <a:extLst>
-              <a:ext uri="{FF2B5EF4-FFF2-40B4-BE49-F238E27FC236}">
-                <a16:creationId xmlns:a16="http://schemas.microsoft.com/office/drawing/2014/main" id="{CE667603-9EEF-DAB6-001C-7A077BA069D7}"/>
-              </a:ext>
-            </a:extLst>
-          </p:cNvPr>
+            <a:endParaRPr lang="en-US" dirty="0"/>
+          </a:p>
+        </p:txBody>
+      </p:sp>
+      <p:sp>
+        <p:nvSpPr>
+          <p:cNvPr id="3" name="Content Placeholder 2"/>
           <p:cNvSpPr>
             <a:spLocks noGrp="1"/>
           </p:cNvSpPr>
@@ -2438,119 +4238,88 @@
         </p:nvSpPr>
         <p:spPr>
           <a:xfrm>
-            <a:off x="5183188" y="987425"/>
-            <a:ext cx="6172200" cy="4873625"/>
+            <a:off x="684212" y="685800"/>
+            <a:ext cx="5943601" cy="5308600"/>
           </a:xfrm>
         </p:spPr>
         <p:txBody>
-          <a:bodyPr/>
-          <a:lstStyle>
-            <a:lvl1pPr>
-              <a:defRPr sz="3200"/>
-            </a:lvl1pPr>
-            <a:lvl2pPr>
-              <a:defRPr sz="2800"/>
-            </a:lvl2pPr>
-            <a:lvl3pPr>
-              <a:defRPr sz="2400"/>
-            </a:lvl3pPr>
-            <a:lvl4pPr>
-              <a:defRPr sz="2000"/>
-            </a:lvl4pPr>
-            <a:lvl5pPr>
-              <a:defRPr sz="2000"/>
-            </a:lvl5pPr>
-            <a:lvl6pPr>
-              <a:defRPr sz="2000"/>
-            </a:lvl6pPr>
-            <a:lvl7pPr>
-              <a:defRPr sz="2000"/>
-            </a:lvl7pPr>
-            <a:lvl8pPr>
-              <a:defRPr sz="2000"/>
-            </a:lvl8pPr>
-            <a:lvl9pPr>
-              <a:defRPr sz="2000"/>
-            </a:lvl9pPr>
-          </a:lstStyle>
+          <a:bodyPr anchor="ctr">
+            <a:normAutofit/>
+          </a:bodyPr>
+          <a:lstStyle/>
           <a:p>
             <a:pPr lvl="0"/>
             <a:r>
-              <a:rPr kumimoji="1" lang="ja-JP" altLang="en-US"/>
+              <a:rPr lang="ja-JP" altLang="en-US"/>
               <a:t>マスター テキストの書式設定</a:t>
             </a:r>
           </a:p>
           <a:p>
             <a:pPr lvl="1"/>
             <a:r>
-              <a:rPr kumimoji="1" lang="ja-JP" altLang="en-US"/>
+              <a:rPr lang="ja-JP" altLang="en-US"/>
               <a:t>第 </a:t>
             </a:r>
             <a:r>
-              <a:rPr kumimoji="1" lang="en-US" altLang="ja-JP"/>
+              <a:rPr lang="en-US" altLang="ja-JP"/>
               <a:t>2 </a:t>
             </a:r>
             <a:r>
-              <a:rPr kumimoji="1" lang="ja-JP" altLang="en-US"/>
+              <a:rPr lang="ja-JP" altLang="en-US"/>
               <a:t>レベル</a:t>
             </a:r>
           </a:p>
           <a:p>
             <a:pPr lvl="2"/>
             <a:r>
-              <a:rPr kumimoji="1" lang="ja-JP" altLang="en-US"/>
+              <a:rPr lang="ja-JP" altLang="en-US"/>
               <a:t>第 </a:t>
             </a:r>
             <a:r>
-              <a:rPr kumimoji="1" lang="en-US" altLang="ja-JP"/>
+              <a:rPr lang="en-US" altLang="ja-JP"/>
               <a:t>3 </a:t>
             </a:r>
             <a:r>
-              <a:rPr kumimoji="1" lang="ja-JP" altLang="en-US"/>
+              <a:rPr lang="ja-JP" altLang="en-US"/>
               <a:t>レベル</a:t>
             </a:r>
           </a:p>
           <a:p>
             <a:pPr lvl="3"/>
             <a:r>
-              <a:rPr kumimoji="1" lang="ja-JP" altLang="en-US"/>
+              <a:rPr lang="ja-JP" altLang="en-US"/>
               <a:t>第 </a:t>
             </a:r>
             <a:r>
-              <a:rPr kumimoji="1" lang="en-US" altLang="ja-JP"/>
+              <a:rPr lang="en-US" altLang="ja-JP"/>
               <a:t>4 </a:t>
             </a:r>
             <a:r>
-              <a:rPr kumimoji="1" lang="ja-JP" altLang="en-US"/>
+              <a:rPr lang="ja-JP" altLang="en-US"/>
               <a:t>レベル</a:t>
             </a:r>
           </a:p>
           <a:p>
             <a:pPr lvl="4"/>
             <a:r>
-              <a:rPr kumimoji="1" lang="ja-JP" altLang="en-US"/>
+              <a:rPr lang="ja-JP" altLang="en-US"/>
               <a:t>第 </a:t>
             </a:r>
             <a:r>
-              <a:rPr kumimoji="1" lang="en-US" altLang="ja-JP"/>
+              <a:rPr lang="en-US" altLang="ja-JP"/>
               <a:t>5 </a:t>
             </a:r>
             <a:r>
-              <a:rPr kumimoji="1" lang="ja-JP" altLang="en-US"/>
+              <a:rPr lang="ja-JP" altLang="en-US"/>
               <a:t>レベル</a:t>
             </a:r>
-          </a:p>
-        </p:txBody>
-      </p:sp>
-      <p:sp>
-        <p:nvSpPr>
-          <p:cNvPr id="4" name="テキスト プレースホルダー 3">
-            <a:extLst>
-              <a:ext uri="{FF2B5EF4-FFF2-40B4-BE49-F238E27FC236}">
-                <a16:creationId xmlns:a16="http://schemas.microsoft.com/office/drawing/2014/main" id="{438289D6-ACFB-228F-5B00-DFBDD41A3EAB}"/>
-              </a:ext>
-            </a:extLst>
-          </p:cNvPr>
+            <a:endParaRPr lang="en-US" dirty="0"/>
+          </a:p>
+        </p:txBody>
+      </p:sp>
+      <p:sp>
+        <p:nvSpPr>
+          <p:cNvPr id="4" name="Text Placeholder 3"/>
           <p:cNvSpPr>
             <a:spLocks noGrp="1"/>
           </p:cNvSpPr>
@@ -2560,12 +4329,14 @@
         </p:nvSpPr>
         <p:spPr>
           <a:xfrm>
-            <a:off x="839788" y="2057400"/>
-            <a:ext cx="3932237" cy="3811588"/>
+            <a:off x="7085012" y="2209799"/>
+            <a:ext cx="3657600" cy="2091267"/>
           </a:xfrm>
         </p:spPr>
         <p:txBody>
-          <a:bodyPr/>
+          <a:bodyPr anchor="t">
+            <a:normAutofit/>
+          </a:bodyPr>
           <a:lstStyle>
             <a:lvl1pPr marL="0" indent="0">
               <a:buNone/>
@@ -2573,41 +4344,41 @@
             </a:lvl1pPr>
             <a:lvl2pPr marL="457200" indent="0">
               <a:buNone/>
-              <a:defRPr sz="1400"/>
+              <a:defRPr sz="1200"/>
             </a:lvl2pPr>
             <a:lvl3pPr marL="914400" indent="0">
               <a:buNone/>
-              <a:defRPr sz="1200"/>
+              <a:defRPr sz="1000"/>
             </a:lvl3pPr>
             <a:lvl4pPr marL="1371600" indent="0">
               <a:buNone/>
-              <a:defRPr sz="1000"/>
+              <a:defRPr sz="900"/>
             </a:lvl4pPr>
             <a:lvl5pPr marL="1828800" indent="0">
               <a:buNone/>
-              <a:defRPr sz="1000"/>
+              <a:defRPr sz="900"/>
             </a:lvl5pPr>
             <a:lvl6pPr marL="2286000" indent="0">
               <a:buNone/>
-              <a:defRPr sz="1000"/>
+              <a:defRPr sz="900"/>
             </a:lvl6pPr>
             <a:lvl7pPr marL="2743200" indent="0">
               <a:buNone/>
-              <a:defRPr sz="1000"/>
+              <a:defRPr sz="900"/>
             </a:lvl7pPr>
             <a:lvl8pPr marL="3200400" indent="0">
               <a:buNone/>
-              <a:defRPr sz="1000"/>
+              <a:defRPr sz="900"/>
             </a:lvl8pPr>
             <a:lvl9pPr marL="3657600" indent="0">
               <a:buNone/>
-              <a:defRPr sz="1000"/>
+              <a:defRPr sz="900"/>
             </a:lvl9pPr>
           </a:lstStyle>
           <a:p>
             <a:pPr lvl="0"/>
             <a:r>
-              <a:rPr kumimoji="1" lang="ja-JP" altLang="en-US"/>
+              <a:rPr lang="ja-JP" altLang="en-US"/>
               <a:t>マスター テキストの書式設定</a:t>
             </a:r>
           </a:p>
@@ -2615,13 +4386,7 @@
       </p:sp>
       <p:sp>
         <p:nvSpPr>
-          <p:cNvPr id="5" name="日付プレースホルダー 4">
-            <a:extLst>
-              <a:ext uri="{FF2B5EF4-FFF2-40B4-BE49-F238E27FC236}">
-                <a16:creationId xmlns:a16="http://schemas.microsoft.com/office/drawing/2014/main" id="{4ED5AD68-9C00-2619-FAA2-16ECBCCB1A30}"/>
-              </a:ext>
-            </a:extLst>
-          </p:cNvPr>
+          <p:cNvPr id="5" name="Date Placeholder 4"/>
           <p:cNvSpPr>
             <a:spLocks noGrp="1"/>
           </p:cNvSpPr>
@@ -2644,13 +4409,7 @@
       </p:sp>
       <p:sp>
         <p:nvSpPr>
-          <p:cNvPr id="6" name="フッター プレースホルダー 5">
-            <a:extLst>
-              <a:ext uri="{FF2B5EF4-FFF2-40B4-BE49-F238E27FC236}">
-                <a16:creationId xmlns:a16="http://schemas.microsoft.com/office/drawing/2014/main" id="{00431706-48C1-AB77-D405-03C91E11E49D}"/>
-              </a:ext>
-            </a:extLst>
-          </p:cNvPr>
+          <p:cNvPr id="6" name="Footer Placeholder 5"/>
           <p:cNvSpPr>
             <a:spLocks noGrp="1"/>
           </p:cNvSpPr>
@@ -2669,13 +4428,7 @@
       </p:sp>
       <p:sp>
         <p:nvSpPr>
-          <p:cNvPr id="7" name="スライド番号プレースホルダー 6">
-            <a:extLst>
-              <a:ext uri="{FF2B5EF4-FFF2-40B4-BE49-F238E27FC236}">
-                <a16:creationId xmlns:a16="http://schemas.microsoft.com/office/drawing/2014/main" id="{27E86EAD-CB2D-4D70-A80C-8DD75199E538}"/>
-              </a:ext>
-            </a:extLst>
-          </p:cNvPr>
+          <p:cNvPr id="7" name="Slide Number Placeholder 6"/>
           <p:cNvSpPr>
             <a:spLocks noGrp="1"/>
           </p:cNvSpPr>
@@ -2699,7 +4452,7 @@
     </p:spTree>
     <p:extLst>
       <p:ext uri="{BB962C8B-B14F-4D97-AF65-F5344CB8AC3E}">
-        <p14:creationId xmlns:p14="http://schemas.microsoft.com/office/powerpoint/2010/main" val="1035718362"/>
+        <p14:creationId xmlns:p14="http://schemas.microsoft.com/office/powerpoint/2010/main" val="2395947061"/>
       </p:ext>
     </p:extLst>
   </p:cSld>
@@ -2728,13 +4481,7 @@
       </p:grpSpPr>
       <p:sp>
         <p:nvSpPr>
-          <p:cNvPr id="2" name="タイトル 1">
-            <a:extLst>
-              <a:ext uri="{FF2B5EF4-FFF2-40B4-BE49-F238E27FC236}">
-                <a16:creationId xmlns:a16="http://schemas.microsoft.com/office/drawing/2014/main" id="{DFAE3473-363B-81D8-FCBE-F39023872E96}"/>
-              </a:ext>
-            </a:extLst>
-          </p:cNvPr>
+          <p:cNvPr id="2" name="Title 1"/>
           <p:cNvSpPr>
             <a:spLocks noGrp="1"/>
           </p:cNvSpPr>
@@ -2744,36 +4491,33 @@
         </p:nvSpPr>
         <p:spPr>
           <a:xfrm>
-            <a:off x="839788" y="457200"/>
-            <a:ext cx="3932237" cy="1600200"/>
+            <a:off x="4722812" y="1447800"/>
+            <a:ext cx="6019800" cy="1143000"/>
           </a:xfrm>
         </p:spPr>
         <p:txBody>
-          <a:bodyPr anchor="b"/>
+          <a:bodyPr anchor="b">
+            <a:normAutofit/>
+          </a:bodyPr>
           <a:lstStyle>
-            <a:lvl1pPr>
-              <a:defRPr sz="3200"/>
+            <a:lvl1pPr algn="l">
+              <a:defRPr sz="2800" b="0"/>
             </a:lvl1pPr>
           </a:lstStyle>
           <a:p>
             <a:r>
-              <a:rPr kumimoji="1" lang="ja-JP" altLang="en-US"/>
+              <a:rPr lang="ja-JP" altLang="en-US"/>
               <a:t>マスター タイトルの書式設定</a:t>
             </a:r>
-          </a:p>
-        </p:txBody>
-      </p:sp>
-      <p:sp>
-        <p:nvSpPr>
-          <p:cNvPr id="3" name="図プレースホルダー 2">
-            <a:extLst>
-              <a:ext uri="{FF2B5EF4-FFF2-40B4-BE49-F238E27FC236}">
-                <a16:creationId xmlns:a16="http://schemas.microsoft.com/office/drawing/2014/main" id="{AF9CA6BE-F204-3CF1-4DBD-FC16EA07E6E3}"/>
-              </a:ext>
-            </a:extLst>
-          </p:cNvPr>
-          <p:cNvSpPr>
-            <a:spLocks noGrp="1"/>
+            <a:endParaRPr lang="en-US" dirty="0"/>
+          </a:p>
+        </p:txBody>
+      </p:sp>
+      <p:sp>
+        <p:nvSpPr>
+          <p:cNvPr id="14" name="Picture Placeholder 2"/>
+          <p:cNvSpPr>
+            <a:spLocks noGrp="1" noChangeAspect="1"/>
           </p:cNvSpPr>
           <p:nvPr>
             <p:ph type="pic" idx="1"/>
@@ -2781,121 +4525,143 @@
         </p:nvSpPr>
         <p:spPr>
           <a:xfrm>
-            <a:off x="5183188" y="987425"/>
-            <a:ext cx="6172200" cy="4873625"/>
+            <a:off x="989012" y="914400"/>
+            <a:ext cx="3280974" cy="4572000"/>
           </a:xfrm>
+          <a:prstGeom prst="snip2DiagRect">
+            <a:avLst>
+              <a:gd name="adj1" fmla="val 10815"/>
+              <a:gd name="adj2" fmla="val 0"/>
+            </a:avLst>
+          </a:prstGeom>
+          <a:ln w="15875">
+            <a:solidFill>
+              <a:schemeClr val="tx1">
+                <a:alpha val="40000"/>
+              </a:schemeClr>
+            </a:solidFill>
+          </a:ln>
+          <a:effectLst>
+            <a:innerShdw blurRad="57150" dist="38100" dir="14460000">
+              <a:srgbClr val="000000">
+                <a:alpha val="70000"/>
+              </a:srgbClr>
+            </a:innerShdw>
+          </a:effectLst>
         </p:spPr>
         <p:txBody>
-          <a:bodyPr/>
+          <a:bodyPr anchor="t">
+            <a:normAutofit/>
+          </a:bodyPr>
           <a:lstStyle>
-            <a:lvl1pPr marL="0" indent="0">
-              <a:buNone/>
-              <a:defRPr sz="3200"/>
-            </a:lvl1pPr>
-            <a:lvl2pPr marL="457200" indent="0">
-              <a:buNone/>
-              <a:defRPr sz="2800"/>
-            </a:lvl2pPr>
-            <a:lvl3pPr marL="914400" indent="0">
-              <a:buNone/>
-              <a:defRPr sz="2400"/>
-            </a:lvl3pPr>
-            <a:lvl4pPr marL="1371600" indent="0">
-              <a:buNone/>
-              <a:defRPr sz="2000"/>
-            </a:lvl4pPr>
-            <a:lvl5pPr marL="1828800" indent="0">
-              <a:buNone/>
-              <a:defRPr sz="2000"/>
-            </a:lvl5pPr>
-            <a:lvl6pPr marL="2286000" indent="0">
-              <a:buNone/>
-              <a:defRPr sz="2000"/>
-            </a:lvl6pPr>
-            <a:lvl7pPr marL="2743200" indent="0">
-              <a:buNone/>
-              <a:defRPr sz="2000"/>
-            </a:lvl7pPr>
-            <a:lvl8pPr marL="3200400" indent="0">
-              <a:buNone/>
-              <a:defRPr sz="2000"/>
-            </a:lvl8pPr>
-            <a:lvl9pPr marL="3657600" indent="0">
-              <a:buNone/>
-              <a:defRPr sz="2000"/>
-            </a:lvl9pPr>
-          </a:lstStyle>
-          <a:p>
-            <a:endParaRPr kumimoji="1" lang="ja-JP" altLang="en-US"/>
-          </a:p>
-        </p:txBody>
-      </p:sp>
-      <p:sp>
-        <p:nvSpPr>
-          <p:cNvPr id="4" name="テキスト プレースホルダー 3">
-            <a:extLst>
-              <a:ext uri="{FF2B5EF4-FFF2-40B4-BE49-F238E27FC236}">
-                <a16:creationId xmlns:a16="http://schemas.microsoft.com/office/drawing/2014/main" id="{BF7DC61F-7CE7-FAC9-5548-7222FA6DA574}"/>
-              </a:ext>
-            </a:extLst>
-          </p:cNvPr>
-          <p:cNvSpPr>
-            <a:spLocks noGrp="1"/>
-          </p:cNvSpPr>
-          <p:nvPr>
-            <p:ph type="body" sz="half" idx="2"/>
-          </p:nvPr>
-        </p:nvSpPr>
-        <p:spPr>
-          <a:xfrm>
-            <a:off x="839788" y="2057400"/>
-            <a:ext cx="3932237" cy="3811588"/>
-          </a:xfrm>
-        </p:spPr>
-        <p:txBody>
-          <a:bodyPr/>
-          <a:lstStyle>
-            <a:lvl1pPr marL="0" indent="0">
+            <a:lvl1pPr marL="0" indent="0" algn="ctr">
               <a:buNone/>
               <a:defRPr sz="1600"/>
             </a:lvl1pPr>
             <a:lvl2pPr marL="457200" indent="0">
               <a:buNone/>
-              <a:defRPr sz="1400"/>
+              <a:defRPr sz="1600"/>
             </a:lvl2pPr>
             <a:lvl3pPr marL="914400" indent="0">
               <a:buNone/>
-              <a:defRPr sz="1200"/>
+              <a:defRPr sz="1600"/>
             </a:lvl3pPr>
             <a:lvl4pPr marL="1371600" indent="0">
               <a:buNone/>
-              <a:defRPr sz="1000"/>
+              <a:defRPr sz="1600"/>
             </a:lvl4pPr>
             <a:lvl5pPr marL="1828800" indent="0">
               <a:buNone/>
-              <a:defRPr sz="1000"/>
+              <a:defRPr sz="1600"/>
             </a:lvl5pPr>
             <a:lvl6pPr marL="2286000" indent="0">
               <a:buNone/>
-              <a:defRPr sz="1000"/>
+              <a:defRPr sz="1600"/>
             </a:lvl6pPr>
             <a:lvl7pPr marL="2743200" indent="0">
               <a:buNone/>
-              <a:defRPr sz="1000"/>
+              <a:defRPr sz="1600"/>
             </a:lvl7pPr>
             <a:lvl8pPr marL="3200400" indent="0">
               <a:buNone/>
-              <a:defRPr sz="1000"/>
+              <a:defRPr sz="1600"/>
             </a:lvl8pPr>
             <a:lvl9pPr marL="3657600" indent="0">
               <a:buNone/>
-              <a:defRPr sz="1000"/>
+              <a:defRPr sz="1600"/>
             </a:lvl9pPr>
           </a:lstStyle>
           <a:p>
+            <a:r>
+              <a:rPr lang="ja-JP" altLang="en-US"/>
+              <a:t>アイコンをクリックして図を追加</a:t>
+            </a:r>
+            <a:endParaRPr lang="en-US" dirty="0"/>
+          </a:p>
+        </p:txBody>
+      </p:sp>
+      <p:sp>
+        <p:nvSpPr>
+          <p:cNvPr id="4" name="Text Placeholder 3"/>
+          <p:cNvSpPr>
+            <a:spLocks noGrp="1"/>
+          </p:cNvSpPr>
+          <p:nvPr>
+            <p:ph type="body" sz="half" idx="2"/>
+          </p:nvPr>
+        </p:nvSpPr>
+        <p:spPr>
+          <a:xfrm>
+            <a:off x="4722812" y="2777066"/>
+            <a:ext cx="6021388" cy="2048933"/>
+          </a:xfrm>
+        </p:spPr>
+        <p:txBody>
+          <a:bodyPr anchor="t">
+            <a:normAutofit/>
+          </a:bodyPr>
+          <a:lstStyle>
+            <a:lvl1pPr marL="0" indent="0">
+              <a:buNone/>
+              <a:defRPr sz="1800"/>
+            </a:lvl1pPr>
+            <a:lvl2pPr marL="457200" indent="0">
+              <a:buNone/>
+              <a:defRPr sz="1200"/>
+            </a:lvl2pPr>
+            <a:lvl3pPr marL="914400" indent="0">
+              <a:buNone/>
+              <a:defRPr sz="1000"/>
+            </a:lvl3pPr>
+            <a:lvl4pPr marL="1371600" indent="0">
+              <a:buNone/>
+              <a:defRPr sz="900"/>
+            </a:lvl4pPr>
+            <a:lvl5pPr marL="1828800" indent="0">
+              <a:buNone/>
+              <a:defRPr sz="900"/>
+            </a:lvl5pPr>
+            <a:lvl6pPr marL="2286000" indent="0">
+              <a:buNone/>
+              <a:defRPr sz="900"/>
+            </a:lvl6pPr>
+            <a:lvl7pPr marL="2743200" indent="0">
+              <a:buNone/>
+              <a:defRPr sz="900"/>
+            </a:lvl7pPr>
+            <a:lvl8pPr marL="3200400" indent="0">
+              <a:buNone/>
+              <a:defRPr sz="900"/>
+            </a:lvl8pPr>
+            <a:lvl9pPr marL="3657600" indent="0">
+              <a:buNone/>
+              <a:defRPr sz="900"/>
+            </a:lvl9pPr>
+          </a:lstStyle>
+          <a:p>
             <a:pPr lvl="0"/>
             <a:r>
-              <a:rPr kumimoji="1" lang="ja-JP" altLang="en-US"/>
+              <a:rPr lang="ja-JP" altLang="en-US"/>
               <a:t>マスター テキストの書式設定</a:t>
             </a:r>
           </a:p>
@@ -2903,13 +4669,7 @@
       </p:sp>
       <p:sp>
         <p:nvSpPr>
-          <p:cNvPr id="5" name="日付プレースホルダー 4">
-            <a:extLst>
-              <a:ext uri="{FF2B5EF4-FFF2-40B4-BE49-F238E27FC236}">
-                <a16:creationId xmlns:a16="http://schemas.microsoft.com/office/drawing/2014/main" id="{FF78ACE9-C943-7C52-53A5-B9932462AED0}"/>
-              </a:ext>
-            </a:extLst>
-          </p:cNvPr>
+          <p:cNvPr id="5" name="Date Placeholder 4"/>
           <p:cNvSpPr>
             <a:spLocks noGrp="1"/>
           </p:cNvSpPr>
@@ -2932,13 +4692,7 @@
       </p:sp>
       <p:sp>
         <p:nvSpPr>
-          <p:cNvPr id="6" name="フッター プレースホルダー 5">
-            <a:extLst>
-              <a:ext uri="{FF2B5EF4-FFF2-40B4-BE49-F238E27FC236}">
-                <a16:creationId xmlns:a16="http://schemas.microsoft.com/office/drawing/2014/main" id="{6BF99967-069C-7381-E7CC-686FB62A532F}"/>
-              </a:ext>
-            </a:extLst>
-          </p:cNvPr>
+          <p:cNvPr id="6" name="Footer Placeholder 5"/>
           <p:cNvSpPr>
             <a:spLocks noGrp="1"/>
           </p:cNvSpPr>
@@ -2957,13 +4711,7 @@
       </p:sp>
       <p:sp>
         <p:nvSpPr>
-          <p:cNvPr id="7" name="スライド番号プレースホルダー 6">
-            <a:extLst>
-              <a:ext uri="{FF2B5EF4-FFF2-40B4-BE49-F238E27FC236}">
-                <a16:creationId xmlns:a16="http://schemas.microsoft.com/office/drawing/2014/main" id="{E4186FE3-429B-8721-7C61-C2DB3B1A2F95}"/>
-              </a:ext>
-            </a:extLst>
-          </p:cNvPr>
+          <p:cNvPr id="7" name="Slide Number Placeholder 6"/>
           <p:cNvSpPr>
             <a:spLocks noGrp="1"/>
           </p:cNvSpPr>
@@ -2987,7 +4735,7 @@
     </p:spTree>
     <p:extLst>
       <p:ext uri="{BB962C8B-B14F-4D97-AF65-F5344CB8AC3E}">
-        <p14:creationId xmlns:p14="http://schemas.microsoft.com/office/powerpoint/2010/main" val="238504505"/>
+        <p14:creationId xmlns:p14="http://schemas.microsoft.com/office/powerpoint/2010/main" val="1521415534"/>
       </p:ext>
     </p:extLst>
   </p:cSld>
@@ -3001,8 +4749,8 @@
 <p:sldMaster xmlns:a="http://schemas.openxmlformats.org/drawingml/2006/main" xmlns:r="http://schemas.openxmlformats.org/officeDocument/2006/relationships" xmlns:p="http://schemas.openxmlformats.org/presentationml/2006/main">
   <p:cSld>
     <p:bg>
-      <p:bgRef idx="1001">
-        <a:schemeClr val="bg1"/>
+      <p:bgRef idx="1002">
+        <a:schemeClr val="bg2"/>
       </p:bgRef>
     </p:bg>
     <p:spTree>
@@ -3019,15 +4767,199 @@
           <a:chExt cx="0" cy="0"/>
         </a:xfrm>
       </p:grpSpPr>
-      <p:sp>
-        <p:nvSpPr>
-          <p:cNvPr id="2" name="タイトル プレースホルダー 1">
-            <a:extLst>
-              <a:ext uri="{FF2B5EF4-FFF2-40B4-BE49-F238E27FC236}">
-                <a16:creationId xmlns:a16="http://schemas.microsoft.com/office/drawing/2014/main" id="{51FA4F0C-801D-737D-5179-350E94829540}"/>
-              </a:ext>
-            </a:extLst>
-          </p:cNvPr>
+      <p:grpSp>
+        <p:nvGrpSpPr>
+          <p:cNvPr id="7" name="Group 6"/>
+          <p:cNvGrpSpPr/>
+          <p:nvPr/>
+        </p:nvGrpSpPr>
+        <p:grpSpPr>
+          <a:xfrm>
+            <a:off x="9206969" y="2963333"/>
+            <a:ext cx="2981858" cy="3208867"/>
+            <a:chOff x="9206969" y="2963333"/>
+            <a:chExt cx="2981858" cy="3208867"/>
+          </a:xfrm>
+        </p:grpSpPr>
+        <p:cxnSp>
+          <p:nvCxnSpPr>
+            <p:cNvPr id="8" name="Straight Connector 7"/>
+            <p:cNvCxnSpPr/>
+            <p:nvPr/>
+          </p:nvCxnSpPr>
+          <p:spPr>
+            <a:xfrm flipH="1">
+              <a:off x="11276012" y="2963333"/>
+              <a:ext cx="912814" cy="912812"/>
+            </a:xfrm>
+            <a:prstGeom prst="line">
+              <a:avLst/>
+            </a:prstGeom>
+            <a:ln w="9525">
+              <a:solidFill>
+                <a:schemeClr val="tx1"/>
+              </a:solidFill>
+            </a:ln>
+          </p:spPr>
+          <p:style>
+            <a:lnRef idx="2">
+              <a:schemeClr val="accent1"/>
+            </a:lnRef>
+            <a:fillRef idx="0">
+              <a:schemeClr val="accent1"/>
+            </a:fillRef>
+            <a:effectRef idx="1">
+              <a:schemeClr val="accent1"/>
+            </a:effectRef>
+            <a:fontRef idx="minor">
+              <a:schemeClr val="tx1"/>
+            </a:fontRef>
+          </p:style>
+        </p:cxnSp>
+        <p:cxnSp>
+          <p:nvCxnSpPr>
+            <p:cNvPr id="9" name="Straight Connector 8"/>
+            <p:cNvCxnSpPr/>
+            <p:nvPr/>
+          </p:nvCxnSpPr>
+          <p:spPr>
+            <a:xfrm flipH="1">
+              <a:off x="9206969" y="3190344"/>
+              <a:ext cx="2981857" cy="2981856"/>
+            </a:xfrm>
+            <a:prstGeom prst="line">
+              <a:avLst/>
+            </a:prstGeom>
+            <a:ln w="9525">
+              <a:solidFill>
+                <a:schemeClr val="tx1"/>
+              </a:solidFill>
+            </a:ln>
+          </p:spPr>
+          <p:style>
+            <a:lnRef idx="2">
+              <a:schemeClr val="accent1"/>
+            </a:lnRef>
+            <a:fillRef idx="0">
+              <a:schemeClr val="accent1"/>
+            </a:fillRef>
+            <a:effectRef idx="1">
+              <a:schemeClr val="accent1"/>
+            </a:effectRef>
+            <a:fontRef idx="minor">
+              <a:schemeClr val="tx1"/>
+            </a:fontRef>
+          </p:style>
+        </p:cxnSp>
+        <p:cxnSp>
+          <p:nvCxnSpPr>
+            <p:cNvPr id="10" name="Straight Connector 9"/>
+            <p:cNvCxnSpPr/>
+            <p:nvPr/>
+          </p:nvCxnSpPr>
+          <p:spPr>
+            <a:xfrm flipH="1">
+              <a:off x="10292292" y="3285067"/>
+              <a:ext cx="1896534" cy="1896533"/>
+            </a:xfrm>
+            <a:prstGeom prst="line">
+              <a:avLst/>
+            </a:prstGeom>
+            <a:ln w="9525">
+              <a:solidFill>
+                <a:schemeClr val="tx1"/>
+              </a:solidFill>
+            </a:ln>
+          </p:spPr>
+          <p:style>
+            <a:lnRef idx="2">
+              <a:schemeClr val="accent1"/>
+            </a:lnRef>
+            <a:fillRef idx="0">
+              <a:schemeClr val="accent1"/>
+            </a:fillRef>
+            <a:effectRef idx="1">
+              <a:schemeClr val="accent1"/>
+            </a:effectRef>
+            <a:fontRef idx="minor">
+              <a:schemeClr val="tx1"/>
+            </a:fontRef>
+          </p:style>
+        </p:cxnSp>
+        <p:cxnSp>
+          <p:nvCxnSpPr>
+            <p:cNvPr id="11" name="Straight Connector 10"/>
+            <p:cNvCxnSpPr/>
+            <p:nvPr/>
+          </p:nvCxnSpPr>
+          <p:spPr>
+            <a:xfrm flipH="1">
+              <a:off x="10443103" y="3131080"/>
+              <a:ext cx="1745722" cy="1745720"/>
+            </a:xfrm>
+            <a:prstGeom prst="line">
+              <a:avLst/>
+            </a:prstGeom>
+            <a:ln w="28575">
+              <a:solidFill>
+                <a:schemeClr val="tx1"/>
+              </a:solidFill>
+            </a:ln>
+          </p:spPr>
+          <p:style>
+            <a:lnRef idx="2">
+              <a:schemeClr val="accent1"/>
+            </a:lnRef>
+            <a:fillRef idx="0">
+              <a:schemeClr val="accent1"/>
+            </a:fillRef>
+            <a:effectRef idx="1">
+              <a:schemeClr val="accent1"/>
+            </a:effectRef>
+            <a:fontRef idx="minor">
+              <a:schemeClr val="tx1"/>
+            </a:fontRef>
+          </p:style>
+        </p:cxnSp>
+        <p:cxnSp>
+          <p:nvCxnSpPr>
+            <p:cNvPr id="12" name="Straight Connector 11"/>
+            <p:cNvCxnSpPr/>
+            <p:nvPr/>
+          </p:nvCxnSpPr>
+          <p:spPr>
+            <a:xfrm flipH="1">
+              <a:off x="10918826" y="3683001"/>
+              <a:ext cx="1270001" cy="1269999"/>
+            </a:xfrm>
+            <a:prstGeom prst="line">
+              <a:avLst/>
+            </a:prstGeom>
+            <a:ln w="28575">
+              <a:solidFill>
+                <a:schemeClr val="tx1"/>
+              </a:solidFill>
+            </a:ln>
+          </p:spPr>
+          <p:style>
+            <a:lnRef idx="2">
+              <a:schemeClr val="accent1"/>
+            </a:lnRef>
+            <a:fillRef idx="0">
+              <a:schemeClr val="accent1"/>
+            </a:fillRef>
+            <a:effectRef idx="1">
+              <a:schemeClr val="accent1"/>
+            </a:effectRef>
+            <a:fontRef idx="minor">
+              <a:schemeClr val="tx1"/>
+            </a:fontRef>
+          </p:style>
+        </p:cxnSp>
+      </p:grpSp>
+      <p:sp>
+        <p:nvSpPr>
+          <p:cNvPr id="2" name="Title Placeholder 1"/>
           <p:cNvSpPr>
             <a:spLocks noGrp="1"/>
           </p:cNvSpPr>
@@ -3037,8 +4969,42 @@
         </p:nvSpPr>
         <p:spPr>
           <a:xfrm>
-            <a:off x="838200" y="365125"/>
-            <a:ext cx="10515600" cy="1325563"/>
+            <a:off x="684212" y="4487332"/>
+            <a:ext cx="8534400" cy="1507067"/>
+          </a:xfrm>
+          <a:prstGeom prst="rect">
+            <a:avLst/>
+          </a:prstGeom>
+          <a:effectLst/>
+        </p:spPr>
+        <p:txBody>
+          <a:bodyPr vert="horz" lIns="91440" tIns="45720" rIns="91440" bIns="45720" rtlCol="0" anchor="ctr">
+            <a:normAutofit/>
+          </a:bodyPr>
+          <a:lstStyle/>
+          <a:p>
+            <a:r>
+              <a:rPr lang="ja-JP" altLang="en-US"/>
+              <a:t>マスター タイトルの書式設定</a:t>
+            </a:r>
+            <a:endParaRPr lang="en-US" dirty="0"/>
+          </a:p>
+        </p:txBody>
+      </p:sp>
+      <p:sp>
+        <p:nvSpPr>
+          <p:cNvPr id="3" name="Text Placeholder 2"/>
+          <p:cNvSpPr>
+            <a:spLocks noGrp="1"/>
+          </p:cNvSpPr>
+          <p:nvPr>
+            <p:ph type="body" idx="1"/>
+          </p:nvPr>
+        </p:nvSpPr>
+        <p:spPr>
+          <a:xfrm>
+            <a:off x="684212" y="685800"/>
+            <a:ext cx="8534400" cy="3615267"/>
           </a:xfrm>
           <a:prstGeom prst="rect">
             <a:avLst/>
@@ -3050,237 +5016,188 @@
           </a:bodyPr>
           <a:lstStyle/>
           <a:p>
-            <a:r>
-              <a:rPr kumimoji="1" lang="ja-JP" altLang="en-US"/>
-              <a:t>マスター タイトルの書式設定</a:t>
-            </a:r>
-          </a:p>
-        </p:txBody>
-      </p:sp>
-      <p:sp>
-        <p:nvSpPr>
-          <p:cNvPr id="3" name="テキスト プレースホルダー 2">
-            <a:extLst>
-              <a:ext uri="{FF2B5EF4-FFF2-40B4-BE49-F238E27FC236}">
-                <a16:creationId xmlns:a16="http://schemas.microsoft.com/office/drawing/2014/main" id="{EA42EFF2-9DFA-934D-CF64-216FA8EF5D87}"/>
-              </a:ext>
-            </a:extLst>
-          </p:cNvPr>
-          <p:cNvSpPr>
-            <a:spLocks noGrp="1"/>
-          </p:cNvSpPr>
-          <p:nvPr>
-            <p:ph type="body" idx="1"/>
+            <a:pPr lvl="0"/>
+            <a:r>
+              <a:rPr lang="ja-JP" altLang="en-US"/>
+              <a:t>マスター テキストの書式設定</a:t>
+            </a:r>
+          </a:p>
+          <a:p>
+            <a:pPr lvl="1"/>
+            <a:r>
+              <a:rPr lang="ja-JP" altLang="en-US"/>
+              <a:t>第 </a:t>
+            </a:r>
+            <a:r>
+              <a:rPr lang="en-US" altLang="ja-JP"/>
+              <a:t>2 </a:t>
+            </a:r>
+            <a:r>
+              <a:rPr lang="ja-JP" altLang="en-US"/>
+              <a:t>レベル</a:t>
+            </a:r>
+          </a:p>
+          <a:p>
+            <a:pPr lvl="2"/>
+            <a:r>
+              <a:rPr lang="ja-JP" altLang="en-US"/>
+              <a:t>第 </a:t>
+            </a:r>
+            <a:r>
+              <a:rPr lang="en-US" altLang="ja-JP"/>
+              <a:t>3 </a:t>
+            </a:r>
+            <a:r>
+              <a:rPr lang="ja-JP" altLang="en-US"/>
+              <a:t>レベル</a:t>
+            </a:r>
+          </a:p>
+          <a:p>
+            <a:pPr lvl="3"/>
+            <a:r>
+              <a:rPr lang="ja-JP" altLang="en-US"/>
+              <a:t>第 </a:t>
+            </a:r>
+            <a:r>
+              <a:rPr lang="en-US" altLang="ja-JP"/>
+              <a:t>4 </a:t>
+            </a:r>
+            <a:r>
+              <a:rPr lang="ja-JP" altLang="en-US"/>
+              <a:t>レベル</a:t>
+            </a:r>
+          </a:p>
+          <a:p>
+            <a:pPr lvl="4"/>
+            <a:r>
+              <a:rPr lang="ja-JP" altLang="en-US"/>
+              <a:t>第 </a:t>
+            </a:r>
+            <a:r>
+              <a:rPr lang="en-US" altLang="ja-JP"/>
+              <a:t>5 </a:t>
+            </a:r>
+            <a:r>
+              <a:rPr lang="ja-JP" altLang="en-US"/>
+              <a:t>レベル</a:t>
+            </a:r>
+            <a:endParaRPr lang="en-US" dirty="0"/>
+          </a:p>
+        </p:txBody>
+      </p:sp>
+      <p:sp>
+        <p:nvSpPr>
+          <p:cNvPr id="4" name="Date Placeholder 3"/>
+          <p:cNvSpPr>
+            <a:spLocks noGrp="1"/>
+          </p:cNvSpPr>
+          <p:nvPr>
+            <p:ph type="dt" sz="half" idx="2"/>
           </p:nvPr>
         </p:nvSpPr>
         <p:spPr>
           <a:xfrm>
-            <a:off x="838200" y="1825625"/>
-            <a:ext cx="10515600" cy="4351338"/>
+            <a:off x="9904412" y="6172200"/>
+            <a:ext cx="1600200" cy="365125"/>
           </a:xfrm>
           <a:prstGeom prst="rect">
             <a:avLst/>
           </a:prstGeom>
         </p:spPr>
         <p:txBody>
-          <a:bodyPr vert="horz" lIns="91440" tIns="45720" rIns="91440" bIns="45720" rtlCol="0">
-            <a:normAutofit/>
-          </a:bodyPr>
-          <a:lstStyle/>
-          <a:p>
-            <a:pPr lvl="0"/>
-            <a:r>
-              <a:rPr kumimoji="1" lang="ja-JP" altLang="en-US"/>
-              <a:t>マスター テキストの書式設定</a:t>
-            </a:r>
-          </a:p>
-          <a:p>
-            <a:pPr lvl="1"/>
-            <a:r>
-              <a:rPr kumimoji="1" lang="ja-JP" altLang="en-US"/>
-              <a:t>第 </a:t>
-            </a:r>
-            <a:r>
-              <a:rPr kumimoji="1" lang="en-US" altLang="ja-JP"/>
-              <a:t>2 </a:t>
-            </a:r>
-            <a:r>
-              <a:rPr kumimoji="1" lang="ja-JP" altLang="en-US"/>
-              <a:t>レベル</a:t>
-            </a:r>
-          </a:p>
-          <a:p>
-            <a:pPr lvl="2"/>
-            <a:r>
-              <a:rPr kumimoji="1" lang="ja-JP" altLang="en-US"/>
-              <a:t>第 </a:t>
-            </a:r>
-            <a:r>
-              <a:rPr kumimoji="1" lang="en-US" altLang="ja-JP"/>
-              <a:t>3 </a:t>
-            </a:r>
-            <a:r>
-              <a:rPr kumimoji="1" lang="ja-JP" altLang="en-US"/>
-              <a:t>レベル</a:t>
-            </a:r>
-          </a:p>
-          <a:p>
-            <a:pPr lvl="3"/>
-            <a:r>
-              <a:rPr kumimoji="1" lang="ja-JP" altLang="en-US"/>
-              <a:t>第 </a:t>
-            </a:r>
-            <a:r>
-              <a:rPr kumimoji="1" lang="en-US" altLang="ja-JP"/>
-              <a:t>4 </a:t>
-            </a:r>
-            <a:r>
-              <a:rPr kumimoji="1" lang="ja-JP" altLang="en-US"/>
-              <a:t>レベル</a:t>
-            </a:r>
-          </a:p>
-          <a:p>
-            <a:pPr lvl="4"/>
-            <a:r>
-              <a:rPr kumimoji="1" lang="ja-JP" altLang="en-US"/>
-              <a:t>第 </a:t>
-            </a:r>
-            <a:r>
-              <a:rPr kumimoji="1" lang="en-US" altLang="ja-JP"/>
-              <a:t>5 </a:t>
-            </a:r>
-            <a:r>
-              <a:rPr kumimoji="1" lang="ja-JP" altLang="en-US"/>
-              <a:t>レベル</a:t>
-            </a:r>
-          </a:p>
-        </p:txBody>
-      </p:sp>
-      <p:sp>
-        <p:nvSpPr>
-          <p:cNvPr id="4" name="日付プレースホルダー 3">
-            <a:extLst>
-              <a:ext uri="{FF2B5EF4-FFF2-40B4-BE49-F238E27FC236}">
-                <a16:creationId xmlns:a16="http://schemas.microsoft.com/office/drawing/2014/main" id="{0A3B6F17-71CF-C8F6-A5E6-15DFE9360AE1}"/>
-              </a:ext>
-            </a:extLst>
-          </p:cNvPr>
-          <p:cNvSpPr>
-            <a:spLocks noGrp="1"/>
-          </p:cNvSpPr>
-          <p:nvPr>
-            <p:ph type="dt" sz="half" idx="2"/>
+          <a:bodyPr vert="horz" lIns="91440" tIns="45720" rIns="91440" bIns="45720" rtlCol="0" anchor="t"/>
+          <a:lstStyle>
+            <a:lvl1pPr algn="r">
+              <a:defRPr sz="1000" b="0" i="0">
+                <a:solidFill>
+                  <a:schemeClr val="bg2">
+                    <a:lumMod val="50000"/>
+                  </a:schemeClr>
+                </a:solidFill>
+                <a:effectLst/>
+                <a:latin typeface="+mn-lt"/>
+              </a:defRPr>
+            </a:lvl1pPr>
+          </a:lstStyle>
+          <a:p>
+            <a:fld id="{A1DA4EE1-659A-4572-B891-196A0F265FA0}" type="datetimeFigureOut">
+              <a:rPr kumimoji="1" lang="ja-JP" altLang="en-US" smtClean="0"/>
+              <a:t>2022/11/15</a:t>
+            </a:fld>
+            <a:endParaRPr kumimoji="1" lang="ja-JP" altLang="en-US"/>
+          </a:p>
+        </p:txBody>
+      </p:sp>
+      <p:sp>
+        <p:nvSpPr>
+          <p:cNvPr id="5" name="Footer Placeholder 4"/>
+          <p:cNvSpPr>
+            <a:spLocks noGrp="1"/>
+          </p:cNvSpPr>
+          <p:nvPr>
+            <p:ph type="ftr" sz="quarter" idx="3"/>
           </p:nvPr>
         </p:nvSpPr>
         <p:spPr>
           <a:xfrm>
-            <a:off x="838200" y="6356350"/>
-            <a:ext cx="2743200" cy="365125"/>
+            <a:off x="684212" y="6172200"/>
+            <a:ext cx="7543800" cy="365125"/>
           </a:xfrm>
           <a:prstGeom prst="rect">
             <a:avLst/>
           </a:prstGeom>
         </p:spPr>
         <p:txBody>
-          <a:bodyPr vert="horz" lIns="91440" tIns="45720" rIns="91440" bIns="45720" rtlCol="0" anchor="ctr"/>
+          <a:bodyPr vert="horz" lIns="91440" tIns="45720" rIns="91440" bIns="45720" rtlCol="0" anchor="t"/>
           <a:lstStyle>
             <a:lvl1pPr algn="l">
-              <a:defRPr sz="1200">
-                <a:solidFill>
-                  <a:schemeClr val="tx1">
-                    <a:tint val="75000"/>
-                  </a:schemeClr>
-                </a:solidFill>
+              <a:defRPr sz="1000" b="0" i="0">
+                <a:solidFill>
+                  <a:schemeClr val="bg2">
+                    <a:lumMod val="50000"/>
+                  </a:schemeClr>
+                </a:solidFill>
+                <a:effectLst/>
+                <a:latin typeface="+mn-lt"/>
               </a:defRPr>
             </a:lvl1pPr>
           </a:lstStyle>
           <a:p>
-            <a:fld id="{A1DA4EE1-659A-4572-B891-196A0F265FA0}" type="datetimeFigureOut">
-              <a:rPr kumimoji="1" lang="ja-JP" altLang="en-US" smtClean="0"/>
-              <a:t>2022/11/15</a:t>
-            </a:fld>
             <a:endParaRPr kumimoji="1" lang="ja-JP" altLang="en-US"/>
           </a:p>
         </p:txBody>
       </p:sp>
       <p:sp>
         <p:nvSpPr>
-          <p:cNvPr id="5" name="フッター プレースホルダー 4">
-            <a:extLst>
-              <a:ext uri="{FF2B5EF4-FFF2-40B4-BE49-F238E27FC236}">
-                <a16:creationId xmlns:a16="http://schemas.microsoft.com/office/drawing/2014/main" id="{9C2BC887-FCCD-F82C-4889-1D3A00CDB16F}"/>
-              </a:ext>
-            </a:extLst>
-          </p:cNvPr>
-          <p:cNvSpPr>
-            <a:spLocks noGrp="1"/>
-          </p:cNvSpPr>
-          <p:nvPr>
-            <p:ph type="ftr" sz="quarter" idx="3"/>
+          <p:cNvPr id="6" name="Slide Number Placeholder 5"/>
+          <p:cNvSpPr>
+            <a:spLocks noGrp="1"/>
+          </p:cNvSpPr>
+          <p:nvPr>
+            <p:ph type="sldNum" sz="quarter" idx="4"/>
           </p:nvPr>
         </p:nvSpPr>
         <p:spPr>
           <a:xfrm>
-            <a:off x="4038600" y="6356350"/>
-            <a:ext cx="4114800" cy="365125"/>
+            <a:off x="10363200" y="5578475"/>
+            <a:ext cx="1142245" cy="669925"/>
           </a:xfrm>
           <a:prstGeom prst="rect">
             <a:avLst/>
           </a:prstGeom>
         </p:spPr>
         <p:txBody>
-          <a:bodyPr vert="horz" lIns="91440" tIns="45720" rIns="91440" bIns="45720" rtlCol="0" anchor="ctr"/>
-          <a:lstStyle>
-            <a:lvl1pPr algn="ctr">
-              <a:defRPr sz="1200">
-                <a:solidFill>
-                  <a:schemeClr val="tx1">
-                    <a:tint val="75000"/>
-                  </a:schemeClr>
-                </a:solidFill>
-              </a:defRPr>
-            </a:lvl1pPr>
-          </a:lstStyle>
-          <a:p>
-            <a:endParaRPr kumimoji="1" lang="ja-JP" altLang="en-US"/>
-          </a:p>
-        </p:txBody>
-      </p:sp>
-      <p:sp>
-        <p:nvSpPr>
-          <p:cNvPr id="6" name="スライド番号プレースホルダー 5">
-            <a:extLst>
-              <a:ext uri="{FF2B5EF4-FFF2-40B4-BE49-F238E27FC236}">
-                <a16:creationId xmlns:a16="http://schemas.microsoft.com/office/drawing/2014/main" id="{EBD00204-D015-1C2B-4FF9-A844D9C668F7}"/>
-              </a:ext>
-            </a:extLst>
-          </p:cNvPr>
-          <p:cNvSpPr>
-            <a:spLocks noGrp="1"/>
-          </p:cNvSpPr>
-          <p:nvPr>
-            <p:ph type="sldNum" sz="quarter" idx="4"/>
-          </p:nvPr>
-        </p:nvSpPr>
-        <p:spPr>
-          <a:xfrm>
-            <a:off x="8610600" y="6356350"/>
-            <a:ext cx="2743200" cy="365125"/>
-          </a:xfrm>
-          <a:prstGeom prst="rect">
-            <a:avLst/>
-          </a:prstGeom>
-        </p:spPr>
-        <p:txBody>
-          <a:bodyPr vert="horz" lIns="91440" tIns="45720" rIns="91440" bIns="45720" rtlCol="0" anchor="ctr"/>
+          <a:bodyPr vert="horz" lIns="91440" tIns="45720" rIns="91440" bIns="45720" rtlCol="0" anchor="b"/>
           <a:lstStyle>
             <a:lvl1pPr algn="r">
-              <a:defRPr sz="1200">
-                <a:solidFill>
-                  <a:schemeClr val="tx1">
-                    <a:tint val="75000"/>
-                  </a:schemeClr>
-                </a:solidFill>
+              <a:defRPr sz="3200" b="0" i="0">
+                <a:solidFill>
+                  <a:schemeClr val="bg2">
+                    <a:lumMod val="50000"/>
+                  </a:schemeClr>
+                </a:solidFill>
+                <a:effectLst/>
+                <a:latin typeface="+mn-lt"/>
               </a:defRPr>
             </a:lvl1pPr>
           </a:lstStyle>
@@ -3296,55 +5213,340 @@
     </p:spTree>
     <p:extLst>
       <p:ext uri="{BB962C8B-B14F-4D97-AF65-F5344CB8AC3E}">
-        <p14:creationId xmlns:p14="http://schemas.microsoft.com/office/powerpoint/2010/main" val="1966629190"/>
+        <p14:creationId xmlns:p14="http://schemas.microsoft.com/office/powerpoint/2010/main" val="3920700078"/>
       </p:ext>
     </p:extLst>
   </p:cSld>
-  <p:clrMap bg1="lt1" tx1="dk1" bg2="lt2" tx2="dk2" accent1="accent1" accent2="accent2" accent3="accent3" accent4="accent4" accent5="accent5" accent6="accent6" hlink="hlink" folHlink="folHlink"/>
+  <p:clrMap bg1="dk1" tx1="lt1" bg2="dk2" tx2="lt2" accent1="accent1" accent2="accent2" accent3="accent3" accent4="accent4" accent5="accent5" accent6="accent6" hlink="hlink" folHlink="folHlink"/>
   <p:sldLayoutIdLst>
-    <p:sldLayoutId id="2147483649" r:id="rId1"/>
-    <p:sldLayoutId id="2147483650" r:id="rId2"/>
-    <p:sldLayoutId id="2147483651" r:id="rId3"/>
-    <p:sldLayoutId id="2147483652" r:id="rId4"/>
-    <p:sldLayoutId id="2147483653" r:id="rId5"/>
-    <p:sldLayoutId id="2147483654" r:id="rId6"/>
-    <p:sldLayoutId id="2147483655" r:id="rId7"/>
-    <p:sldLayoutId id="2147483656" r:id="rId8"/>
-    <p:sldLayoutId id="2147483657" r:id="rId9"/>
-    <p:sldLayoutId id="2147483658" r:id="rId10"/>
-    <p:sldLayoutId id="2147483659" r:id="rId11"/>
+    <p:sldLayoutId id="2147483661" r:id="rId1"/>
+    <p:sldLayoutId id="2147483662" r:id="rId2"/>
+    <p:sldLayoutId id="2147483663" r:id="rId3"/>
+    <p:sldLayoutId id="2147483664" r:id="rId4"/>
+    <p:sldLayoutId id="2147483665" r:id="rId5"/>
+    <p:sldLayoutId id="2147483666" r:id="rId6"/>
+    <p:sldLayoutId id="2147483667" r:id="rId7"/>
+    <p:sldLayoutId id="2147483668" r:id="rId8"/>
+    <p:sldLayoutId id="2147483669" r:id="rId9"/>
+    <p:sldLayoutId id="2147483670" r:id="rId10"/>
+    <p:sldLayoutId id="2147483671" r:id="rId11"/>
+    <p:sldLayoutId id="2147483672" r:id="rId12"/>
+    <p:sldLayoutId id="2147483673" r:id="rId13"/>
+    <p:sldLayoutId id="2147483674" r:id="rId14"/>
+    <p:sldLayoutId id="2147483675" r:id="rId15"/>
+    <p:sldLayoutId id="2147483676" r:id="rId16"/>
+    <p:sldLayoutId id="2147483677" r:id="rId17"/>
   </p:sldLayoutIdLst>
   <p:txStyles>
     <p:titleStyle>
-      <a:lvl1pPr algn="l" defTabSz="914400" rtl="0" eaLnBrk="1" latinLnBrk="0" hangingPunct="1">
-        <a:lnSpc>
-          <a:spcPct val="90000"/>
-        </a:lnSpc>
+      <a:lvl1pPr algn="l" defTabSz="457200" rtl="0" eaLnBrk="1" latinLnBrk="0" hangingPunct="1">
         <a:spcBef>
           <a:spcPct val="0"/>
         </a:spcBef>
         <a:buNone/>
-        <a:defRPr kumimoji="1" sz="4400" kern="1200">
+        <a:defRPr kumimoji="1" sz="3600" kern="1200" cap="all">
+          <a:ln w="3175" cmpd="sng">
+            <a:noFill/>
+          </a:ln>
           <a:solidFill>
             <a:schemeClr val="tx1"/>
           </a:solidFill>
+          <a:effectLst/>
           <a:latin typeface="+mj-lt"/>
           <a:ea typeface="+mj-ea"/>
           <a:cs typeface="+mj-cs"/>
         </a:defRPr>
       </a:lvl1pPr>
+      <a:lvl2pPr eaLnBrk="1" hangingPunct="1">
+        <a:defRPr kumimoji="1">
+          <a:solidFill>
+            <a:schemeClr val="tx2"/>
+          </a:solidFill>
+        </a:defRPr>
+      </a:lvl2pPr>
+      <a:lvl3pPr eaLnBrk="1" hangingPunct="1">
+        <a:defRPr kumimoji="1">
+          <a:solidFill>
+            <a:schemeClr val="tx2"/>
+          </a:solidFill>
+        </a:defRPr>
+      </a:lvl3pPr>
+      <a:lvl4pPr eaLnBrk="1" hangingPunct="1">
+        <a:defRPr kumimoji="1">
+          <a:solidFill>
+            <a:schemeClr val="tx2"/>
+          </a:solidFill>
+        </a:defRPr>
+      </a:lvl4pPr>
+      <a:lvl5pPr eaLnBrk="1" hangingPunct="1">
+        <a:defRPr kumimoji="1">
+          <a:solidFill>
+            <a:schemeClr val="tx2"/>
+          </a:solidFill>
+        </a:defRPr>
+      </a:lvl5pPr>
+      <a:lvl6pPr eaLnBrk="1" hangingPunct="1">
+        <a:defRPr kumimoji="1">
+          <a:solidFill>
+            <a:schemeClr val="tx2"/>
+          </a:solidFill>
+        </a:defRPr>
+      </a:lvl6pPr>
+      <a:lvl7pPr eaLnBrk="1" hangingPunct="1">
+        <a:defRPr kumimoji="1">
+          <a:solidFill>
+            <a:schemeClr val="tx2"/>
+          </a:solidFill>
+        </a:defRPr>
+      </a:lvl7pPr>
+      <a:lvl8pPr eaLnBrk="1" hangingPunct="1">
+        <a:defRPr kumimoji="1">
+          <a:solidFill>
+            <a:schemeClr val="tx2"/>
+          </a:solidFill>
+        </a:defRPr>
+      </a:lvl8pPr>
+      <a:lvl9pPr eaLnBrk="1" hangingPunct="1">
+        <a:defRPr kumimoji="1">
+          <a:solidFill>
+            <a:schemeClr val="tx2"/>
+          </a:solidFill>
+        </a:defRPr>
+      </a:lvl9pPr>
     </p:titleStyle>
     <p:bodyStyle>
-      <a:lvl1pPr marL="228600" indent="-228600" algn="l" defTabSz="914400" rtl="0" eaLnBrk="1" latinLnBrk="0" hangingPunct="1">
-        <a:lnSpc>
-          <a:spcPct val="90000"/>
-        </a:lnSpc>
+      <a:lvl1pPr marL="285750" indent="-285750" algn="l" defTabSz="457200" rtl="0" eaLnBrk="1" latinLnBrk="0" hangingPunct="1">
         <a:spcBef>
-          <a:spcPts val="1000"/>
+          <a:spcPct val="20000"/>
         </a:spcBef>
-        <a:buFont typeface="Arial" panose="020B0604020202020204" pitchFamily="34" charset="0"/>
-        <a:buChar char="•"/>
-        <a:defRPr kumimoji="1" sz="2800" kern="1200">
+        <a:spcAft>
+          <a:spcPts val="600"/>
+        </a:spcAft>
+        <a:buClr>
+          <a:schemeClr val="tx1"/>
+        </a:buClr>
+        <a:buSzPct val="80000"/>
+        <a:buFont typeface="Wingdings 3" panose="05040102010807070707" pitchFamily="18" charset="2"/>
+        <a:buChar char=""/>
+        <a:defRPr kumimoji="1" sz="2000" kern="1200" cap="none">
+          <a:solidFill>
+            <a:schemeClr val="bg2">
+              <a:lumMod val="75000"/>
+            </a:schemeClr>
+          </a:solidFill>
+          <a:effectLst/>
+          <a:latin typeface="+mn-lt"/>
+          <a:ea typeface="+mn-ea"/>
+          <a:cs typeface="+mn-cs"/>
+        </a:defRPr>
+      </a:lvl1pPr>
+      <a:lvl2pPr marL="742950" indent="-285750" algn="l" defTabSz="457200" rtl="0" eaLnBrk="1" latinLnBrk="0" hangingPunct="1">
+        <a:spcBef>
+          <a:spcPct val="20000"/>
+        </a:spcBef>
+        <a:spcAft>
+          <a:spcPts val="600"/>
+        </a:spcAft>
+        <a:buClr>
+          <a:schemeClr val="tx1"/>
+        </a:buClr>
+        <a:buSzPct val="80000"/>
+        <a:buFont typeface="Wingdings 3" panose="05040102010807070707" pitchFamily="18" charset="2"/>
+        <a:buChar char=""/>
+        <a:defRPr kumimoji="1" sz="1800" kern="1200" cap="none">
+          <a:solidFill>
+            <a:schemeClr val="bg2">
+              <a:lumMod val="75000"/>
+            </a:schemeClr>
+          </a:solidFill>
+          <a:effectLst/>
+          <a:latin typeface="+mn-lt"/>
+          <a:ea typeface="+mn-ea"/>
+          <a:cs typeface="+mn-cs"/>
+        </a:defRPr>
+      </a:lvl2pPr>
+      <a:lvl3pPr marL="1200150" indent="-285750" algn="l" defTabSz="457200" rtl="0" eaLnBrk="1" latinLnBrk="0" hangingPunct="1">
+        <a:spcBef>
+          <a:spcPct val="20000"/>
+        </a:spcBef>
+        <a:spcAft>
+          <a:spcPts val="600"/>
+        </a:spcAft>
+        <a:buClr>
+          <a:schemeClr val="tx1"/>
+        </a:buClr>
+        <a:buSzPct val="80000"/>
+        <a:buFont typeface="Wingdings 3" panose="05040102010807070707" pitchFamily="18" charset="2"/>
+        <a:buChar char=""/>
+        <a:defRPr kumimoji="1" sz="1600" kern="1200" cap="none">
+          <a:solidFill>
+            <a:schemeClr val="bg2">
+              <a:lumMod val="75000"/>
+            </a:schemeClr>
+          </a:solidFill>
+          <a:effectLst/>
+          <a:latin typeface="+mn-lt"/>
+          <a:ea typeface="+mn-ea"/>
+          <a:cs typeface="+mn-cs"/>
+        </a:defRPr>
+      </a:lvl3pPr>
+      <a:lvl4pPr marL="1543050" indent="-171450" algn="l" defTabSz="457200" rtl="0" eaLnBrk="1" latinLnBrk="0" hangingPunct="1">
+        <a:spcBef>
+          <a:spcPct val="20000"/>
+        </a:spcBef>
+        <a:spcAft>
+          <a:spcPts val="600"/>
+        </a:spcAft>
+        <a:buClr>
+          <a:schemeClr val="tx1"/>
+        </a:buClr>
+        <a:buSzPct val="80000"/>
+        <a:buFont typeface="Wingdings 3" panose="05040102010807070707" pitchFamily="18" charset="2"/>
+        <a:buChar char=""/>
+        <a:defRPr kumimoji="1" sz="1400" kern="1200" cap="none">
+          <a:solidFill>
+            <a:schemeClr val="bg2">
+              <a:lumMod val="75000"/>
+            </a:schemeClr>
+          </a:solidFill>
+          <a:effectLst/>
+          <a:latin typeface="+mn-lt"/>
+          <a:ea typeface="+mn-ea"/>
+          <a:cs typeface="+mn-cs"/>
+        </a:defRPr>
+      </a:lvl4pPr>
+      <a:lvl5pPr marL="2000250" indent="-171450" algn="l" defTabSz="457200" rtl="0" eaLnBrk="1" latinLnBrk="0" hangingPunct="1">
+        <a:spcBef>
+          <a:spcPct val="20000"/>
+        </a:spcBef>
+        <a:spcAft>
+          <a:spcPts val="600"/>
+        </a:spcAft>
+        <a:buClr>
+          <a:schemeClr val="tx1"/>
+        </a:buClr>
+        <a:buSzPct val="80000"/>
+        <a:buFont typeface="Wingdings 3" panose="05040102010807070707" pitchFamily="18" charset="2"/>
+        <a:buChar char=""/>
+        <a:defRPr kumimoji="1" sz="1400" kern="1200" cap="none">
+          <a:solidFill>
+            <a:schemeClr val="bg2">
+              <a:lumMod val="75000"/>
+            </a:schemeClr>
+          </a:solidFill>
+          <a:effectLst/>
+          <a:latin typeface="+mn-lt"/>
+          <a:ea typeface="+mn-ea"/>
+          <a:cs typeface="+mn-cs"/>
+        </a:defRPr>
+      </a:lvl5pPr>
+      <a:lvl6pPr marL="2514600" indent="-228600" algn="l" defTabSz="457200" rtl="0" eaLnBrk="1" latinLnBrk="0" hangingPunct="1">
+        <a:spcBef>
+          <a:spcPct val="20000"/>
+        </a:spcBef>
+        <a:spcAft>
+          <a:spcPts val="600"/>
+        </a:spcAft>
+        <a:buClr>
+          <a:schemeClr val="tx1"/>
+        </a:buClr>
+        <a:buSzPct val="80000"/>
+        <a:buFont typeface="Wingdings 3" panose="05040102010807070707" pitchFamily="18" charset="2"/>
+        <a:buChar char=""/>
+        <a:defRPr kumimoji="1" sz="1400" kern="1200" cap="none">
+          <a:solidFill>
+            <a:schemeClr val="bg2">
+              <a:lumMod val="75000"/>
+            </a:schemeClr>
+          </a:solidFill>
+          <a:effectLst/>
+          <a:latin typeface="+mn-lt"/>
+          <a:ea typeface="+mn-ea"/>
+          <a:cs typeface="+mn-cs"/>
+        </a:defRPr>
+      </a:lvl6pPr>
+      <a:lvl7pPr marL="2971800" indent="-228600" algn="l" defTabSz="457200" rtl="0" eaLnBrk="1" latinLnBrk="0" hangingPunct="1">
+        <a:spcBef>
+          <a:spcPct val="20000"/>
+        </a:spcBef>
+        <a:spcAft>
+          <a:spcPts val="600"/>
+        </a:spcAft>
+        <a:buClr>
+          <a:schemeClr val="tx1"/>
+        </a:buClr>
+        <a:buSzPct val="80000"/>
+        <a:buFont typeface="Wingdings 3" panose="05040102010807070707" pitchFamily="18" charset="2"/>
+        <a:buChar char=""/>
+        <a:defRPr kumimoji="1" sz="1400" kern="1200" cap="none">
+          <a:solidFill>
+            <a:schemeClr val="bg2">
+              <a:lumMod val="75000"/>
+            </a:schemeClr>
+          </a:solidFill>
+          <a:effectLst/>
+          <a:latin typeface="+mn-lt"/>
+          <a:ea typeface="+mn-ea"/>
+          <a:cs typeface="+mn-cs"/>
+        </a:defRPr>
+      </a:lvl7pPr>
+      <a:lvl8pPr marL="3429000" indent="-228600" algn="l" defTabSz="457200" rtl="0" eaLnBrk="1" latinLnBrk="0" hangingPunct="1">
+        <a:spcBef>
+          <a:spcPct val="20000"/>
+        </a:spcBef>
+        <a:spcAft>
+          <a:spcPts val="600"/>
+        </a:spcAft>
+        <a:buClr>
+          <a:schemeClr val="tx1"/>
+        </a:buClr>
+        <a:buSzPct val="80000"/>
+        <a:buFont typeface="Wingdings 3" panose="05040102010807070707" pitchFamily="18" charset="2"/>
+        <a:buChar char=""/>
+        <a:defRPr kumimoji="1" sz="1400" kern="1200" cap="none">
+          <a:solidFill>
+            <a:schemeClr val="bg2">
+              <a:lumMod val="75000"/>
+            </a:schemeClr>
+          </a:solidFill>
+          <a:effectLst/>
+          <a:latin typeface="+mn-lt"/>
+          <a:ea typeface="+mn-ea"/>
+          <a:cs typeface="+mn-cs"/>
+        </a:defRPr>
+      </a:lvl8pPr>
+      <a:lvl9pPr marL="3886200" indent="-228600" algn="l" defTabSz="457200" rtl="0" eaLnBrk="1" latinLnBrk="0" hangingPunct="1">
+        <a:spcBef>
+          <a:spcPct val="20000"/>
+        </a:spcBef>
+        <a:spcAft>
+          <a:spcPts val="600"/>
+        </a:spcAft>
+        <a:buClr>
+          <a:schemeClr val="tx1"/>
+        </a:buClr>
+        <a:buSzPct val="80000"/>
+        <a:buFont typeface="Wingdings 3" panose="05040102010807070707" pitchFamily="18" charset="2"/>
+        <a:buChar char=""/>
+        <a:defRPr kumimoji="1" sz="1400" kern="1200" cap="none">
+          <a:solidFill>
+            <a:schemeClr val="bg2">
+              <a:lumMod val="75000"/>
+            </a:schemeClr>
+          </a:solidFill>
+          <a:effectLst/>
+          <a:latin typeface="+mn-lt"/>
+          <a:ea typeface="+mn-ea"/>
+          <a:cs typeface="+mn-cs"/>
+        </a:defRPr>
+      </a:lvl9pPr>
+    </p:bodyStyle>
+    <p:otherStyle>
+      <a:defPPr>
+        <a:defRPr lang="en-US"/>
+      </a:defPPr>
+      <a:lvl1pPr marL="0" algn="l" defTabSz="457200" rtl="0" eaLnBrk="1" latinLnBrk="0" hangingPunct="1">
+        <a:defRPr kumimoji="1" sz="1800" kern="1200">
           <a:solidFill>
             <a:schemeClr val="tx1"/>
           </a:solidFill>
@@ -3353,16 +5555,8 @@
           <a:cs typeface="+mn-cs"/>
         </a:defRPr>
       </a:lvl1pPr>
-      <a:lvl2pPr marL="685800" indent="-228600" algn="l" defTabSz="914400" rtl="0" eaLnBrk="1" latinLnBrk="0" hangingPunct="1">
-        <a:lnSpc>
-          <a:spcPct val="90000"/>
-        </a:lnSpc>
-        <a:spcBef>
-          <a:spcPts val="500"/>
-        </a:spcBef>
-        <a:buFont typeface="Arial" panose="020B0604020202020204" pitchFamily="34" charset="0"/>
-        <a:buChar char="•"/>
-        <a:defRPr kumimoji="1" sz="2400" kern="1200">
+      <a:lvl2pPr marL="457200" algn="l" defTabSz="457200" rtl="0" eaLnBrk="1" latinLnBrk="0" hangingPunct="1">
+        <a:defRPr kumimoji="1" sz="1800" kern="1200">
           <a:solidFill>
             <a:schemeClr val="tx1"/>
           </a:solidFill>
@@ -3371,16 +5565,8 @@
           <a:cs typeface="+mn-cs"/>
         </a:defRPr>
       </a:lvl2pPr>
-      <a:lvl3pPr marL="1143000" indent="-228600" algn="l" defTabSz="914400" rtl="0" eaLnBrk="1" latinLnBrk="0" hangingPunct="1">
-        <a:lnSpc>
-          <a:spcPct val="90000"/>
-        </a:lnSpc>
-        <a:spcBef>
-          <a:spcPts val="500"/>
-        </a:spcBef>
-        <a:buFont typeface="Arial" panose="020B0604020202020204" pitchFamily="34" charset="0"/>
-        <a:buChar char="•"/>
-        <a:defRPr kumimoji="1" sz="2000" kern="1200">
+      <a:lvl3pPr marL="914400" algn="l" defTabSz="457200" rtl="0" eaLnBrk="1" latinLnBrk="0" hangingPunct="1">
+        <a:defRPr kumimoji="1" sz="1800" kern="1200">
           <a:solidFill>
             <a:schemeClr val="tx1"/>
           </a:solidFill>
@@ -3389,15 +5575,7 @@
           <a:cs typeface="+mn-cs"/>
         </a:defRPr>
       </a:lvl3pPr>
-      <a:lvl4pPr marL="1600200" indent="-228600" algn="l" defTabSz="914400" rtl="0" eaLnBrk="1" latinLnBrk="0" hangingPunct="1">
-        <a:lnSpc>
-          <a:spcPct val="90000"/>
-        </a:lnSpc>
-        <a:spcBef>
-          <a:spcPts val="500"/>
-        </a:spcBef>
-        <a:buFont typeface="Arial" panose="020B0604020202020204" pitchFamily="34" charset="0"/>
-        <a:buChar char="•"/>
+      <a:lvl4pPr marL="1371600" algn="l" defTabSz="457200" rtl="0" eaLnBrk="1" latinLnBrk="0" hangingPunct="1">
         <a:defRPr kumimoji="1" sz="1800" kern="1200">
           <a:solidFill>
             <a:schemeClr val="tx1"/>
@@ -3407,15 +5585,7 @@
           <a:cs typeface="+mn-cs"/>
         </a:defRPr>
       </a:lvl4pPr>
-      <a:lvl5pPr marL="2057400" indent="-228600" algn="l" defTabSz="914400" rtl="0" eaLnBrk="1" latinLnBrk="0" hangingPunct="1">
-        <a:lnSpc>
-          <a:spcPct val="90000"/>
-        </a:lnSpc>
-        <a:spcBef>
-          <a:spcPts val="500"/>
-        </a:spcBef>
-        <a:buFont typeface="Arial" panose="020B0604020202020204" pitchFamily="34" charset="0"/>
-        <a:buChar char="•"/>
+      <a:lvl5pPr marL="1828800" algn="l" defTabSz="457200" rtl="0" eaLnBrk="1" latinLnBrk="0" hangingPunct="1">
         <a:defRPr kumimoji="1" sz="1800" kern="1200">
           <a:solidFill>
             <a:schemeClr val="tx1"/>
@@ -3425,15 +5595,7 @@
           <a:cs typeface="+mn-cs"/>
         </a:defRPr>
       </a:lvl5pPr>
-      <a:lvl6pPr marL="2514600" indent="-228600" algn="l" defTabSz="914400" rtl="0" eaLnBrk="1" latinLnBrk="0" hangingPunct="1">
-        <a:lnSpc>
-          <a:spcPct val="90000"/>
-        </a:lnSpc>
-        <a:spcBef>
-          <a:spcPts val="500"/>
-        </a:spcBef>
-        <a:buFont typeface="Arial" panose="020B0604020202020204" pitchFamily="34" charset="0"/>
-        <a:buChar char="•"/>
+      <a:lvl6pPr marL="2286000" algn="l" defTabSz="457200" rtl="0" eaLnBrk="1" latinLnBrk="0" hangingPunct="1">
         <a:defRPr kumimoji="1" sz="1800" kern="1200">
           <a:solidFill>
             <a:schemeClr val="tx1"/>
@@ -3443,15 +5605,7 @@
           <a:cs typeface="+mn-cs"/>
         </a:defRPr>
       </a:lvl6pPr>
-      <a:lvl7pPr marL="2971800" indent="-228600" algn="l" defTabSz="914400" rtl="0" eaLnBrk="1" latinLnBrk="0" hangingPunct="1">
-        <a:lnSpc>
-          <a:spcPct val="90000"/>
-        </a:lnSpc>
-        <a:spcBef>
-          <a:spcPts val="500"/>
-        </a:spcBef>
-        <a:buFont typeface="Arial" panose="020B0604020202020204" pitchFamily="34" charset="0"/>
-        <a:buChar char="•"/>
+      <a:lvl7pPr marL="2743200" algn="l" defTabSz="457200" rtl="0" eaLnBrk="1" latinLnBrk="0" hangingPunct="1">
         <a:defRPr kumimoji="1" sz="1800" kern="1200">
           <a:solidFill>
             <a:schemeClr val="tx1"/>
@@ -3461,15 +5615,7 @@
           <a:cs typeface="+mn-cs"/>
         </a:defRPr>
       </a:lvl7pPr>
-      <a:lvl8pPr marL="3429000" indent="-228600" algn="l" defTabSz="914400" rtl="0" eaLnBrk="1" latinLnBrk="0" hangingPunct="1">
-        <a:lnSpc>
-          <a:spcPct val="90000"/>
-        </a:lnSpc>
-        <a:spcBef>
-          <a:spcPts val="500"/>
-        </a:spcBef>
-        <a:buFont typeface="Arial" panose="020B0604020202020204" pitchFamily="34" charset="0"/>
-        <a:buChar char="•"/>
+      <a:lvl8pPr marL="3200400" algn="l" defTabSz="457200" rtl="0" eaLnBrk="1" latinLnBrk="0" hangingPunct="1">
         <a:defRPr kumimoji="1" sz="1800" kern="1200">
           <a:solidFill>
             <a:schemeClr val="tx1"/>
@@ -3479,110 +5625,7 @@
           <a:cs typeface="+mn-cs"/>
         </a:defRPr>
       </a:lvl8pPr>
-      <a:lvl9pPr marL="3886200" indent="-228600" algn="l" defTabSz="914400" rtl="0" eaLnBrk="1" latinLnBrk="0" hangingPunct="1">
-        <a:lnSpc>
-          <a:spcPct val="90000"/>
-        </a:lnSpc>
-        <a:spcBef>
-          <a:spcPts val="500"/>
-        </a:spcBef>
-        <a:buFont typeface="Arial" panose="020B0604020202020204" pitchFamily="34" charset="0"/>
-        <a:buChar char="•"/>
-        <a:defRPr kumimoji="1" sz="1800" kern="1200">
-          <a:solidFill>
-            <a:schemeClr val="tx1"/>
-          </a:solidFill>
-          <a:latin typeface="+mn-lt"/>
-          <a:ea typeface="+mn-ea"/>
-          <a:cs typeface="+mn-cs"/>
-        </a:defRPr>
-      </a:lvl9pPr>
-    </p:bodyStyle>
-    <p:otherStyle>
-      <a:defPPr>
-        <a:defRPr lang="ja-JP"/>
-      </a:defPPr>
-      <a:lvl1pPr marL="0" algn="l" defTabSz="914400" rtl="0" eaLnBrk="1" latinLnBrk="0" hangingPunct="1">
-        <a:defRPr kumimoji="1" sz="1800" kern="1200">
-          <a:solidFill>
-            <a:schemeClr val="tx1"/>
-          </a:solidFill>
-          <a:latin typeface="+mn-lt"/>
-          <a:ea typeface="+mn-ea"/>
-          <a:cs typeface="+mn-cs"/>
-        </a:defRPr>
-      </a:lvl1pPr>
-      <a:lvl2pPr marL="457200" algn="l" defTabSz="914400" rtl="0" eaLnBrk="1" latinLnBrk="0" hangingPunct="1">
-        <a:defRPr kumimoji="1" sz="1800" kern="1200">
-          <a:solidFill>
-            <a:schemeClr val="tx1"/>
-          </a:solidFill>
-          <a:latin typeface="+mn-lt"/>
-          <a:ea typeface="+mn-ea"/>
-          <a:cs typeface="+mn-cs"/>
-        </a:defRPr>
-      </a:lvl2pPr>
-      <a:lvl3pPr marL="914400" algn="l" defTabSz="914400" rtl="0" eaLnBrk="1" latinLnBrk="0" hangingPunct="1">
-        <a:defRPr kumimoji="1" sz="1800" kern="1200">
-          <a:solidFill>
-            <a:schemeClr val="tx1"/>
-          </a:solidFill>
-          <a:latin typeface="+mn-lt"/>
-          <a:ea typeface="+mn-ea"/>
-          <a:cs typeface="+mn-cs"/>
-        </a:defRPr>
-      </a:lvl3pPr>
-      <a:lvl4pPr marL="1371600" algn="l" defTabSz="914400" rtl="0" eaLnBrk="1" latinLnBrk="0" hangingPunct="1">
-        <a:defRPr kumimoji="1" sz="1800" kern="1200">
-          <a:solidFill>
-            <a:schemeClr val="tx1"/>
-          </a:solidFill>
-          <a:latin typeface="+mn-lt"/>
-          <a:ea typeface="+mn-ea"/>
-          <a:cs typeface="+mn-cs"/>
-        </a:defRPr>
-      </a:lvl4pPr>
-      <a:lvl5pPr marL="1828800" algn="l" defTabSz="914400" rtl="0" eaLnBrk="1" latinLnBrk="0" hangingPunct="1">
-        <a:defRPr kumimoji="1" sz="1800" kern="1200">
-          <a:solidFill>
-            <a:schemeClr val="tx1"/>
-          </a:solidFill>
-          <a:latin typeface="+mn-lt"/>
-          <a:ea typeface="+mn-ea"/>
-          <a:cs typeface="+mn-cs"/>
-        </a:defRPr>
-      </a:lvl5pPr>
-      <a:lvl6pPr marL="2286000" algn="l" defTabSz="914400" rtl="0" eaLnBrk="1" latinLnBrk="0" hangingPunct="1">
-        <a:defRPr kumimoji="1" sz="1800" kern="1200">
-          <a:solidFill>
-            <a:schemeClr val="tx1"/>
-          </a:solidFill>
-          <a:latin typeface="+mn-lt"/>
-          <a:ea typeface="+mn-ea"/>
-          <a:cs typeface="+mn-cs"/>
-        </a:defRPr>
-      </a:lvl6pPr>
-      <a:lvl7pPr marL="2743200" algn="l" defTabSz="914400" rtl="0" eaLnBrk="1" latinLnBrk="0" hangingPunct="1">
-        <a:defRPr kumimoji="1" sz="1800" kern="1200">
-          <a:solidFill>
-            <a:schemeClr val="tx1"/>
-          </a:solidFill>
-          <a:latin typeface="+mn-lt"/>
-          <a:ea typeface="+mn-ea"/>
-          <a:cs typeface="+mn-cs"/>
-        </a:defRPr>
-      </a:lvl7pPr>
-      <a:lvl8pPr marL="3200400" algn="l" defTabSz="914400" rtl="0" eaLnBrk="1" latinLnBrk="0" hangingPunct="1">
-        <a:defRPr kumimoji="1" sz="1800" kern="1200">
-          <a:solidFill>
-            <a:schemeClr val="tx1"/>
-          </a:solidFill>
-          <a:latin typeface="+mn-lt"/>
-          <a:ea typeface="+mn-ea"/>
-          <a:cs typeface="+mn-cs"/>
-        </a:defRPr>
-      </a:lvl8pPr>
-      <a:lvl9pPr marL="3657600" algn="l" defTabSz="914400" rtl="0" eaLnBrk="1" latinLnBrk="0" hangingPunct="1">
+      <a:lvl9pPr marL="3657600" algn="l" defTabSz="457200" rtl="0" eaLnBrk="1" latinLnBrk="0" hangingPunct="1">
         <a:defRPr kumimoji="1" sz="1800" kern="1200">
           <a:solidFill>
             <a:schemeClr val="tx1"/>
@@ -3600,6 +5643,20 @@
 <file path=ppt/slides/slide1.xml><?xml version="1.0" encoding="utf-8"?>
 <p:sld xmlns:a="http://schemas.openxmlformats.org/drawingml/2006/main" xmlns:r="http://schemas.openxmlformats.org/officeDocument/2006/relationships" xmlns:p="http://schemas.openxmlformats.org/presentationml/2006/main">
   <p:cSld>
+    <p:bg>
+      <p:bgPr>
+        <a:blipFill dpi="0" rotWithShape="1">
+          <a:blip r:embed="rId2">
+            <a:lum/>
+          </a:blip>
+          <a:srcRect/>
+          <a:stretch>
+            <a:fillRect t="-9000" b="-9000"/>
+          </a:stretch>
+        </a:blipFill>
+        <a:effectLst/>
+      </p:bgPr>
+    </p:bg>
     <p:spTree>
       <p:nvGrpSpPr>
         <p:cNvPr id="1" name=""/>
@@ -3630,20 +5687,45 @@
             <p:ph type="ctrTitle"/>
           </p:nvPr>
         </p:nvSpPr>
-        <p:spPr/>
-        <p:txBody>
-          <a:bodyPr/>
-          <a:lstStyle/>
-          <a:p>
-            <a:r>
-              <a:rPr lang="ja-JP" altLang="en-US"/>
-              <a:t>うううううううううう</a:t>
-            </a:r>
-            <a:r>
-              <a:rPr kumimoji="1" lang="ja-JP" altLang="en-US"/>
-              <a:t>あああ</a:t>
-            </a:r>
-            <a:endParaRPr kumimoji="1" lang="ja-JP" altLang="en-US" dirty="0"/>
+        <p:spPr>
+          <a:xfrm>
+            <a:off x="299803" y="722026"/>
+            <a:ext cx="10393519" cy="1618938"/>
+          </a:xfrm>
+        </p:spPr>
+        <p:txBody>
+          <a:bodyPr>
+            <a:normAutofit/>
+          </a:bodyPr>
+          <a:lstStyle/>
+          <a:p>
+            <a:r>
+              <a:rPr kumimoji="1" lang="ja-JP" altLang="en-US" sz="9600" dirty="0">
+                <a:solidFill>
+                  <a:schemeClr val="tx2">
+                    <a:lumMod val="75000"/>
+                  </a:schemeClr>
+                </a:solidFill>
+              </a:rPr>
+              <a:t>おみず</a:t>
+            </a:r>
+            <a:r>
+              <a:rPr kumimoji="1" lang="en-US" altLang="ja-JP" sz="9600" dirty="0">
+                <a:solidFill>
+                  <a:schemeClr val="tx2">
+                    <a:lumMod val="75000"/>
+                  </a:schemeClr>
+                </a:solidFill>
+              </a:rPr>
+              <a:t> SURVIVER</a:t>
+            </a:r>
+            <a:endParaRPr kumimoji="1" lang="ja-JP" altLang="en-US" sz="9600" dirty="0">
+              <a:solidFill>
+                <a:schemeClr val="tx2">
+                  <a:lumMod val="75000"/>
+                </a:schemeClr>
+              </a:solidFill>
+            </a:endParaRPr>
           </a:p>
         </p:txBody>
       </p:sp>
@@ -3663,12 +5745,49 @@
             <p:ph type="subTitle" idx="1"/>
           </p:nvPr>
         </p:nvSpPr>
-        <p:spPr/>
-        <p:txBody>
-          <a:bodyPr/>
-          <a:lstStyle/>
-          <a:p>
-            <a:endParaRPr kumimoji="1" lang="ja-JP" altLang="en-US"/>
+        <p:spPr>
+          <a:xfrm>
+            <a:off x="684212" y="3843867"/>
+            <a:ext cx="6376155" cy="1947333"/>
+          </a:xfrm>
+        </p:spPr>
+        <p:txBody>
+          <a:bodyPr>
+            <a:normAutofit/>
+          </a:bodyPr>
+          <a:lstStyle/>
+          <a:p>
+            <a:r>
+              <a:rPr kumimoji="1" lang="ja-JP" altLang="en-US" sz="3200" dirty="0">
+                <a:solidFill>
+                  <a:schemeClr val="tx1"/>
+                </a:solidFill>
+              </a:rPr>
+              <a:t>チーム</a:t>
+            </a:r>
+            <a:r>
+              <a:rPr kumimoji="1" lang="en-US" altLang="ja-JP" sz="3200" dirty="0">
+                <a:solidFill>
+                  <a:schemeClr val="tx1"/>
+                </a:solidFill>
+              </a:rPr>
+              <a:t>1</a:t>
+            </a:r>
+          </a:p>
+          <a:p>
+            <a:r>
+              <a:rPr lang="ja-JP" altLang="en-US" sz="3200" dirty="0">
+                <a:solidFill>
+                  <a:schemeClr val="tx1"/>
+                </a:solidFill>
+              </a:rPr>
+              <a:t>嶋津、荒賀、小川、小井詰、下川</a:t>
+            </a:r>
+            <a:endParaRPr kumimoji="1" lang="ja-JP" altLang="en-US" sz="3200" dirty="0">
+              <a:solidFill>
+                <a:schemeClr val="tx1"/>
+              </a:solidFill>
+            </a:endParaRPr>
           </a:p>
         </p:txBody>
       </p:sp>
@@ -3685,10 +5804,552 @@
 </p:sld>
 </file>
 
+<file path=ppt/slides/slide2.xml><?xml version="1.0" encoding="utf-8"?>
+<p:sld xmlns:a="http://schemas.openxmlformats.org/drawingml/2006/main" xmlns:r="http://schemas.openxmlformats.org/officeDocument/2006/relationships" xmlns:p="http://schemas.openxmlformats.org/presentationml/2006/main">
+  <p:cSld>
+    <p:bg>
+      <p:bgPr>
+        <a:blipFill dpi="0" rotWithShape="1">
+          <a:blip r:embed="rId2">
+            <a:lum/>
+          </a:blip>
+          <a:srcRect/>
+          <a:stretch>
+            <a:fillRect t="-9000" b="-9000"/>
+          </a:stretch>
+        </a:blipFill>
+        <a:effectLst/>
+      </p:bgPr>
+    </p:bg>
+    <p:spTree>
+      <p:nvGrpSpPr>
+        <p:cNvPr id="1" name=""/>
+        <p:cNvGrpSpPr/>
+        <p:nvPr/>
+      </p:nvGrpSpPr>
+      <p:grpSpPr>
+        <a:xfrm>
+          <a:off x="0" y="0"/>
+          <a:ext cx="0" cy="0"/>
+          <a:chOff x="0" y="0"/>
+          <a:chExt cx="0" cy="0"/>
+        </a:xfrm>
+      </p:grpSpPr>
+      <p:sp>
+        <p:nvSpPr>
+          <p:cNvPr id="12" name="コンテンツ プレースホルダー 11">
+            <a:extLst>
+              <a:ext uri="{FF2B5EF4-FFF2-40B4-BE49-F238E27FC236}">
+                <a16:creationId xmlns:a16="http://schemas.microsoft.com/office/drawing/2014/main" id="{5BCD137D-04D2-73F9-A3CB-5A2DF28CB54E}"/>
+              </a:ext>
+            </a:extLst>
+          </p:cNvPr>
+          <p:cNvSpPr>
+            <a:spLocks noGrp="1"/>
+          </p:cNvSpPr>
+          <p:nvPr>
+            <p:ph idx="1"/>
+          </p:nvPr>
+        </p:nvSpPr>
+        <p:spPr>
+          <a:xfrm>
+            <a:off x="-12441" y="0"/>
+            <a:ext cx="10708314" cy="5308600"/>
+          </a:xfrm>
+        </p:spPr>
+        <p:txBody>
+          <a:bodyPr>
+            <a:normAutofit/>
+          </a:bodyPr>
+          <a:lstStyle/>
+          <a:p>
+            <a:pPr marL="0" indent="0">
+              <a:buNone/>
+            </a:pPr>
+            <a:r>
+              <a:rPr lang="ja-JP" altLang="en-US" sz="6000" dirty="0">
+                <a:solidFill>
+                  <a:schemeClr val="tx1"/>
+                </a:solidFill>
+              </a:rPr>
+              <a:t>「</a:t>
+            </a:r>
+            <a:r>
+              <a:rPr lang="ja-JP" altLang="en-US" sz="6000" dirty="0">
+                <a:solidFill>
+                  <a:schemeClr val="tx2">
+                    <a:lumMod val="75000"/>
+                  </a:schemeClr>
+                </a:solidFill>
+              </a:rPr>
+              <a:t>おみず</a:t>
+            </a:r>
+            <a:r>
+              <a:rPr lang="ja-JP" altLang="en-US" sz="6000" dirty="0">
+                <a:solidFill>
+                  <a:schemeClr val="tx1"/>
+                </a:solidFill>
+              </a:rPr>
+              <a:t>」を集めよう！！</a:t>
+            </a:r>
+            <a:endParaRPr lang="en-US" altLang="ja-JP" sz="6000" dirty="0">
+              <a:solidFill>
+                <a:schemeClr val="tx1"/>
+              </a:solidFill>
+            </a:endParaRPr>
+          </a:p>
+          <a:p>
+            <a:pPr marL="0" indent="0">
+              <a:buNone/>
+            </a:pPr>
+            <a:r>
+              <a:rPr lang="ja-JP" altLang="en-US" sz="2800" dirty="0">
+                <a:solidFill>
+                  <a:schemeClr val="tx1"/>
+                </a:solidFill>
+              </a:rPr>
+              <a:t>・砂漠で生き残るのに「</a:t>
+            </a:r>
+            <a:r>
+              <a:rPr lang="ja-JP" altLang="en-US" sz="2800" dirty="0">
+                <a:solidFill>
+                  <a:schemeClr val="tx2"/>
+                </a:solidFill>
+              </a:rPr>
+              <a:t>おみず</a:t>
+            </a:r>
+            <a:r>
+              <a:rPr lang="ja-JP" altLang="en-US" sz="2800" dirty="0">
+                <a:solidFill>
+                  <a:schemeClr val="tx1"/>
+                </a:solidFill>
+              </a:rPr>
+              <a:t>」は必須！</a:t>
+            </a:r>
+            <a:endParaRPr lang="en-US" altLang="ja-JP" sz="2800" dirty="0">
+              <a:solidFill>
+                <a:schemeClr val="tx1"/>
+              </a:solidFill>
+            </a:endParaRPr>
+          </a:p>
+          <a:p>
+            <a:pPr marL="0" indent="0">
+              <a:buNone/>
+            </a:pPr>
+            <a:r>
+              <a:rPr lang="ja-JP" altLang="en-US" sz="2800" dirty="0">
+                <a:solidFill>
+                  <a:schemeClr val="tx1"/>
+                </a:solidFill>
+              </a:rPr>
+              <a:t>・「</a:t>
+            </a:r>
+            <a:r>
+              <a:rPr lang="ja-JP" altLang="en-US" sz="2800" dirty="0">
+                <a:solidFill>
+                  <a:schemeClr val="tx2"/>
+                </a:solidFill>
+              </a:rPr>
+              <a:t>おみず</a:t>
+            </a:r>
+            <a:r>
+              <a:rPr lang="ja-JP" altLang="en-US" sz="2800" dirty="0">
+                <a:solidFill>
+                  <a:schemeClr val="tx1"/>
+                </a:solidFill>
+              </a:rPr>
+              <a:t>」を飲んでのどの渇きを潤そう！</a:t>
+            </a:r>
+            <a:endParaRPr lang="en-US" altLang="ja-JP" sz="2800" dirty="0">
+              <a:solidFill>
+                <a:schemeClr val="tx1"/>
+              </a:solidFill>
+            </a:endParaRPr>
+          </a:p>
+          <a:p>
+            <a:pPr marL="0" indent="0">
+              <a:buNone/>
+            </a:pPr>
+            <a:r>
+              <a:rPr lang="ja-JP" altLang="en-US" sz="2800" dirty="0">
+                <a:solidFill>
+                  <a:schemeClr val="tx1"/>
+                </a:solidFill>
+              </a:rPr>
+              <a:t>・「</a:t>
+            </a:r>
+            <a:r>
+              <a:rPr lang="ja-JP" altLang="en-US" sz="2800" dirty="0">
+                <a:solidFill>
+                  <a:schemeClr val="tx2"/>
+                </a:solidFill>
+              </a:rPr>
+              <a:t>おみず</a:t>
+            </a:r>
+            <a:r>
+              <a:rPr lang="ja-JP" altLang="en-US" sz="2800" dirty="0">
+                <a:solidFill>
+                  <a:schemeClr val="tx1"/>
+                </a:solidFill>
+              </a:rPr>
+              <a:t>」はオアシスや雨で補給しよう！</a:t>
+            </a:r>
+            <a:endParaRPr lang="en-US" altLang="ja-JP" sz="2800" dirty="0">
+              <a:solidFill>
+                <a:schemeClr val="tx1"/>
+              </a:solidFill>
+            </a:endParaRPr>
+          </a:p>
+          <a:p>
+            <a:pPr marL="0" indent="0">
+              <a:buNone/>
+            </a:pPr>
+            <a:r>
+              <a:rPr lang="ja-JP" altLang="en-US" sz="2800" dirty="0">
+                <a:solidFill>
+                  <a:schemeClr val="tx1"/>
+                </a:solidFill>
+              </a:rPr>
+              <a:t>・砂漠には「</a:t>
+            </a:r>
+            <a:r>
+              <a:rPr lang="ja-JP" altLang="en-US" sz="2800" dirty="0">
+                <a:solidFill>
+                  <a:schemeClr val="tx2"/>
+                </a:solidFill>
+              </a:rPr>
+              <a:t>おみず</a:t>
+            </a:r>
+            <a:r>
+              <a:rPr lang="ja-JP" altLang="en-US" sz="2800" dirty="0">
+                <a:solidFill>
+                  <a:schemeClr val="tx1"/>
+                </a:solidFill>
+              </a:rPr>
+              <a:t>」を狙った敵や危険生物もいるぞ！</a:t>
+            </a:r>
+            <a:endParaRPr lang="en-US" altLang="ja-JP" sz="2800" dirty="0">
+              <a:solidFill>
+                <a:schemeClr val="tx1"/>
+              </a:solidFill>
+            </a:endParaRPr>
+          </a:p>
+          <a:p>
+            <a:pPr marL="0" indent="0">
+              <a:buNone/>
+            </a:pPr>
+            <a:r>
+              <a:rPr lang="ja-JP" altLang="en-US" sz="2800" dirty="0">
+                <a:solidFill>
+                  <a:schemeClr val="tx1"/>
+                </a:solidFill>
+              </a:rPr>
+              <a:t>・水鉄砲で「</a:t>
+            </a:r>
+            <a:r>
+              <a:rPr lang="ja-JP" altLang="en-US" sz="2800" dirty="0">
+                <a:solidFill>
+                  <a:schemeClr val="tx2"/>
+                </a:solidFill>
+              </a:rPr>
+              <a:t>おみず</a:t>
+            </a:r>
+            <a:r>
+              <a:rPr lang="ja-JP" altLang="en-US" sz="2800" dirty="0">
+                <a:solidFill>
+                  <a:schemeClr val="tx1"/>
+                </a:solidFill>
+              </a:rPr>
+              <a:t>」を使って戦おう！</a:t>
+            </a:r>
+            <a:endParaRPr lang="en-US" altLang="ja-JP" sz="2800" dirty="0">
+              <a:solidFill>
+                <a:schemeClr val="tx1"/>
+              </a:solidFill>
+            </a:endParaRPr>
+          </a:p>
+          <a:p>
+            <a:pPr marL="0" indent="0">
+              <a:buNone/>
+            </a:pPr>
+            <a:r>
+              <a:rPr lang="ja-JP" altLang="en-US" sz="2800" dirty="0">
+                <a:solidFill>
+                  <a:schemeClr val="tx1"/>
+                </a:solidFill>
+              </a:rPr>
+              <a:t>・「</a:t>
+            </a:r>
+            <a:r>
+              <a:rPr lang="ja-JP" altLang="en-US" sz="2800" dirty="0">
+                <a:solidFill>
+                  <a:schemeClr val="tx2"/>
+                </a:solidFill>
+              </a:rPr>
+              <a:t>おみず</a:t>
+            </a:r>
+            <a:r>
+              <a:rPr lang="ja-JP" altLang="en-US" sz="2800" dirty="0">
+                <a:solidFill>
+                  <a:schemeClr val="tx1"/>
+                </a:solidFill>
+              </a:rPr>
+              <a:t>」を駆使してできるだけ長く生き残ろう！</a:t>
+            </a:r>
+          </a:p>
+        </p:txBody>
+      </p:sp>
+      <p:pic>
+        <p:nvPicPr>
+          <p:cNvPr id="14" name="図 13" descr="レゴ, おもちゃ が含まれている画像&#10;&#10;自動的に生成された説明">
+            <a:extLst>
+              <a:ext uri="{FF2B5EF4-FFF2-40B4-BE49-F238E27FC236}">
+                <a16:creationId xmlns:a16="http://schemas.microsoft.com/office/drawing/2014/main" id="{98A1F59D-649B-1CA5-0B68-CBCB2A123A8D}"/>
+              </a:ext>
+            </a:extLst>
+          </p:cNvPr>
+          <p:cNvPicPr>
+            <a:picLocks noChangeAspect="1"/>
+          </p:cNvPicPr>
+          <p:nvPr/>
+        </p:nvPicPr>
+        <p:blipFill>
+          <a:blip r:embed="rId3">
+            <a:extLst>
+              <a:ext uri="{28A0092B-C50C-407E-A947-70E740481C1C}">
+                <a14:useLocalDpi xmlns:a14="http://schemas.microsoft.com/office/drawing/2010/main" val="0"/>
+              </a:ext>
+            </a:extLst>
+          </a:blip>
+          <a:stretch>
+            <a:fillRect/>
+          </a:stretch>
+        </p:blipFill>
+        <p:spPr>
+          <a:xfrm>
+            <a:off x="9123623" y="1134492"/>
+            <a:ext cx="2783565" cy="1871037"/>
+          </a:xfrm>
+          <a:prstGeom prst="rect">
+            <a:avLst/>
+          </a:prstGeom>
+        </p:spPr>
+      </p:pic>
+      <p:pic>
+        <p:nvPicPr>
+          <p:cNvPr id="16" name="図 15" descr="おもちゃ が含まれている画像&#10;&#10;自動的に生成された説明">
+            <a:extLst>
+              <a:ext uri="{FF2B5EF4-FFF2-40B4-BE49-F238E27FC236}">
+                <a16:creationId xmlns:a16="http://schemas.microsoft.com/office/drawing/2014/main" id="{A86F0680-E411-1E9C-F27B-EF6ABBBDD5C3}"/>
+              </a:ext>
+            </a:extLst>
+          </p:cNvPr>
+          <p:cNvPicPr>
+            <a:picLocks noChangeAspect="1"/>
+          </p:cNvPicPr>
+          <p:nvPr/>
+        </p:nvPicPr>
+        <p:blipFill>
+          <a:blip r:embed="rId4">
+            <a:extLst>
+              <a:ext uri="{28A0092B-C50C-407E-A947-70E740481C1C}">
+                <a14:useLocalDpi xmlns:a14="http://schemas.microsoft.com/office/drawing/2010/main" val="0"/>
+              </a:ext>
+            </a:extLst>
+          </a:blip>
+          <a:stretch>
+            <a:fillRect/>
+          </a:stretch>
+        </p:blipFill>
+        <p:spPr>
+          <a:xfrm>
+            <a:off x="9944784" y="4245150"/>
+            <a:ext cx="1962404" cy="2230004"/>
+          </a:xfrm>
+          <a:prstGeom prst="rect">
+            <a:avLst/>
+          </a:prstGeom>
+        </p:spPr>
+      </p:pic>
+      <p:pic>
+        <p:nvPicPr>
+          <p:cNvPr id="18" name="図 17" descr="コンピュータ が含まれている画像&#10;&#10;自動的に生成された説明">
+            <a:extLst>
+              <a:ext uri="{FF2B5EF4-FFF2-40B4-BE49-F238E27FC236}">
+                <a16:creationId xmlns:a16="http://schemas.microsoft.com/office/drawing/2014/main" id="{A52A2A1E-EEBA-9C0A-DCF5-5592D0627045}"/>
+              </a:ext>
+            </a:extLst>
+          </p:cNvPr>
+          <p:cNvPicPr>
+            <a:picLocks noChangeAspect="1"/>
+          </p:cNvPicPr>
+          <p:nvPr/>
+        </p:nvPicPr>
+        <p:blipFill>
+          <a:blip r:embed="rId5">
+            <a:extLst>
+              <a:ext uri="{BEBA8EAE-BF5A-486C-A8C5-ECC9F3942E4B}">
+                <a14:imgProps xmlns:a14="http://schemas.microsoft.com/office/drawing/2010/main">
+                  <a14:imgLayer r:embed="rId6">
+                    <a14:imgEffect>
+                      <a14:backgroundRemoval t="10000" b="90000" l="10000" r="90000"/>
+                    </a14:imgEffect>
+                  </a14:imgLayer>
+                </a14:imgProps>
+              </a:ext>
+              <a:ext uri="{28A0092B-C50C-407E-A947-70E740481C1C}">
+                <a14:useLocalDpi xmlns:a14="http://schemas.microsoft.com/office/drawing/2010/main" val="0"/>
+              </a:ext>
+            </a:extLst>
+          </a:blip>
+          <a:stretch>
+            <a:fillRect/>
+          </a:stretch>
+        </p:blipFill>
+        <p:spPr>
+          <a:xfrm>
+            <a:off x="542808" y="4878540"/>
+            <a:ext cx="2440235" cy="1582245"/>
+          </a:xfrm>
+          <a:prstGeom prst="rect">
+            <a:avLst/>
+          </a:prstGeom>
+        </p:spPr>
+      </p:pic>
+      <p:pic>
+        <p:nvPicPr>
+          <p:cNvPr id="19" name="図 18" descr="コンピュータ が含まれている画像&#10;&#10;自動的に生成された説明">
+            <a:extLst>
+              <a:ext uri="{FF2B5EF4-FFF2-40B4-BE49-F238E27FC236}">
+                <a16:creationId xmlns:a16="http://schemas.microsoft.com/office/drawing/2014/main" id="{95613435-72B3-3A9D-9689-6D71273E7330}"/>
+              </a:ext>
+            </a:extLst>
+          </p:cNvPr>
+          <p:cNvPicPr>
+            <a:picLocks noChangeAspect="1"/>
+          </p:cNvPicPr>
+          <p:nvPr/>
+        </p:nvPicPr>
+        <p:blipFill>
+          <a:blip r:embed="rId5">
+            <a:extLst>
+              <a:ext uri="{BEBA8EAE-BF5A-486C-A8C5-ECC9F3942E4B}">
+                <a14:imgProps xmlns:a14="http://schemas.microsoft.com/office/drawing/2010/main">
+                  <a14:imgLayer r:embed="rId6">
+                    <a14:imgEffect>
+                      <a14:backgroundRemoval t="10000" b="90000" l="10000" r="90000"/>
+                    </a14:imgEffect>
+                  </a14:imgLayer>
+                </a14:imgProps>
+              </a:ext>
+              <a:ext uri="{28A0092B-C50C-407E-A947-70E740481C1C}">
+                <a14:useLocalDpi xmlns:a14="http://schemas.microsoft.com/office/drawing/2010/main" val="0"/>
+              </a:ext>
+            </a:extLst>
+          </a:blip>
+          <a:stretch>
+            <a:fillRect/>
+          </a:stretch>
+        </p:blipFill>
+        <p:spPr>
+          <a:xfrm>
+            <a:off x="6683387" y="4932385"/>
+            <a:ext cx="2440236" cy="1582245"/>
+          </a:xfrm>
+          <a:prstGeom prst="rect">
+            <a:avLst/>
+          </a:prstGeom>
+        </p:spPr>
+      </p:pic>
+      <p:pic>
+        <p:nvPicPr>
+          <p:cNvPr id="21" name="図 20" descr="車のナンバープレート&#10;&#10;低い精度で自動的に生成された説明">
+            <a:extLst>
+              <a:ext uri="{FF2B5EF4-FFF2-40B4-BE49-F238E27FC236}">
+                <a16:creationId xmlns:a16="http://schemas.microsoft.com/office/drawing/2014/main" id="{BC1724C6-1E3B-BF41-30C0-57E804F00676}"/>
+              </a:ext>
+            </a:extLst>
+          </p:cNvPr>
+          <p:cNvPicPr>
+            <a:picLocks noChangeAspect="1"/>
+          </p:cNvPicPr>
+          <p:nvPr/>
+        </p:nvPicPr>
+        <p:blipFill>
+          <a:blip r:embed="rId7">
+            <a:extLst>
+              <a:ext uri="{28A0092B-C50C-407E-A947-70E740481C1C}">
+                <a14:useLocalDpi xmlns:a14="http://schemas.microsoft.com/office/drawing/2010/main" val="0"/>
+              </a:ext>
+            </a:extLst>
+          </a:blip>
+          <a:stretch>
+            <a:fillRect/>
+          </a:stretch>
+        </p:blipFill>
+        <p:spPr>
+          <a:xfrm>
+            <a:off x="9350799" y="2969094"/>
+            <a:ext cx="1187970" cy="1187970"/>
+          </a:xfrm>
+          <a:prstGeom prst="rect">
+            <a:avLst/>
+          </a:prstGeom>
+        </p:spPr>
+      </p:pic>
+      <p:pic>
+        <p:nvPicPr>
+          <p:cNvPr id="23" name="図 22" descr="おもちゃ, 人形, 部屋 が含まれている画像&#10;&#10;自動的に生成された説明">
+            <a:extLst>
+              <a:ext uri="{FF2B5EF4-FFF2-40B4-BE49-F238E27FC236}">
+                <a16:creationId xmlns:a16="http://schemas.microsoft.com/office/drawing/2014/main" id="{3435AC70-E581-B635-32E4-92855BBDEB6C}"/>
+              </a:ext>
+            </a:extLst>
+          </p:cNvPr>
+          <p:cNvPicPr>
+            <a:picLocks noChangeAspect="1"/>
+          </p:cNvPicPr>
+          <p:nvPr/>
+        </p:nvPicPr>
+        <p:blipFill>
+          <a:blip r:embed="rId8">
+            <a:extLst>
+              <a:ext uri="{28A0092B-C50C-407E-A947-70E740481C1C}">
+                <a14:useLocalDpi xmlns:a14="http://schemas.microsoft.com/office/drawing/2010/main" val="0"/>
+              </a:ext>
+            </a:extLst>
+          </a:blip>
+          <a:stretch>
+            <a:fillRect/>
+          </a:stretch>
+        </p:blipFill>
+        <p:spPr>
+          <a:xfrm>
+            <a:off x="4027085" y="4969679"/>
+            <a:ext cx="1481529" cy="1481529"/>
+          </a:xfrm>
+          <a:prstGeom prst="rect">
+            <a:avLst/>
+          </a:prstGeom>
+        </p:spPr>
+      </p:pic>
+    </p:spTree>
+    <p:extLst>
+      <p:ext uri="{BB962C8B-B14F-4D97-AF65-F5344CB8AC3E}">
+        <p14:creationId xmlns:p14="http://schemas.microsoft.com/office/powerpoint/2010/main" val="3603696034"/>
+      </p:ext>
+    </p:extLst>
+  </p:cSld>
+  <p:clrMapOvr>
+    <a:masterClrMapping/>
+  </p:clrMapOvr>
+</p:sld>
+</file>
+
 <file path=ppt/theme/theme1.xml><?xml version="1.0" encoding="utf-8"?>
-<a:theme xmlns:a="http://schemas.openxmlformats.org/drawingml/2006/main" name="Office テーマ">
+<a:theme xmlns:a="http://schemas.openxmlformats.org/drawingml/2006/main" name="スライス">
   <a:themeElements>
-    <a:clrScheme name="Office">
+    <a:clrScheme name="スライス">
       <a:dk1>
         <a:sysClr val="windowText" lastClr="000000"/>
       </a:dk1>
@@ -3696,100 +6357,48 @@
         <a:sysClr val="window" lastClr="FFFFFF"/>
       </a:lt1>
       <a:dk2>
-        <a:srgbClr val="44546A"/>
+        <a:srgbClr val="146194"/>
       </a:dk2>
       <a:lt2>
-        <a:srgbClr val="E7E6E6"/>
+        <a:srgbClr val="76DBF4"/>
       </a:lt2>
       <a:accent1>
-        <a:srgbClr val="4472C4"/>
+        <a:srgbClr val="052F61"/>
       </a:accent1>
       <a:accent2>
-        <a:srgbClr val="ED7D31"/>
+        <a:srgbClr val="A50E82"/>
       </a:accent2>
       <a:accent3>
-        <a:srgbClr val="A5A5A5"/>
+        <a:srgbClr val="14967C"/>
       </a:accent3>
       <a:accent4>
-        <a:srgbClr val="FFC000"/>
+        <a:srgbClr val="6A9E1F"/>
       </a:accent4>
       <a:accent5>
-        <a:srgbClr val="5B9BD5"/>
+        <a:srgbClr val="E87D37"/>
       </a:accent5>
       <a:accent6>
-        <a:srgbClr val="70AD47"/>
+        <a:srgbClr val="C62324"/>
       </a:accent6>
       <a:hlink>
-        <a:srgbClr val="0563C1"/>
+        <a:srgbClr val="0D2E46"/>
       </a:hlink>
       <a:folHlink>
-        <a:srgbClr val="954F72"/>
+        <a:srgbClr val="356A95"/>
       </a:folHlink>
     </a:clrScheme>
-    <a:fontScheme name="Office">
+    <a:fontScheme name="スライス">
       <a:majorFont>
-        <a:latin typeface="游ゴシック Light" panose="020F0302020204030204"/>
+        <a:latin typeface="Century Gothic" panose="020B0502020202020204"/>
         <a:ea typeface=""/>
         <a:cs typeface=""/>
-        <a:font script="Jpan" typeface="游ゴシック Light"/>
-        <a:font script="Hang" typeface="맑은 고딕"/>
-        <a:font script="Hans" typeface="等线 Light"/>
-        <a:font script="Hant" typeface="新細明體"/>
-        <a:font script="Arab" typeface="Times New Roman"/>
-        <a:font script="Hebr" typeface="Times New Roman"/>
-        <a:font script="Thai" typeface="Angsana New"/>
-        <a:font script="Ethi" typeface="Nyala"/>
-        <a:font script="Beng" typeface="Vrinda"/>
-        <a:font script="Gujr" typeface="Shruti"/>
-        <a:font script="Khmr" typeface="MoolBoran"/>
-        <a:font script="Knda" typeface="Tunga"/>
-        <a:font script="Guru" typeface="Raavi"/>
-        <a:font script="Cans" typeface="Euphemia"/>
-        <a:font script="Cher" typeface="Plantagenet Cherokee"/>
-        <a:font script="Yiii" typeface="Microsoft Yi Baiti"/>
-        <a:font script="Tibt" typeface="Microsoft Himalaya"/>
-        <a:font script="Thaa" typeface="MV Boli"/>
-        <a:font script="Deva" typeface="Mangal"/>
-        <a:font script="Telu" typeface="Gautami"/>
-        <a:font script="Taml" typeface="Latha"/>
-        <a:font script="Syrc" typeface="Estrangelo Edessa"/>
-        <a:font script="Orya" typeface="Kalinga"/>
-        <a:font script="Mlym" typeface="Kartika"/>
-        <a:font script="Laoo" typeface="DokChampa"/>
-        <a:font script="Sinh" typeface="Iskoola Pota"/>
-        <a:font script="Mong" typeface="Mongolian Baiti"/>
-        <a:font script="Viet" typeface="Times New Roman"/>
-        <a:font script="Uigh" typeface="Microsoft Uighur"/>
-        <a:font script="Geor" typeface="Sylfaen"/>
-        <a:font script="Armn" typeface="Arial"/>
-        <a:font script="Bugi" typeface="Leelawadee UI"/>
-        <a:font script="Bopo" typeface="Microsoft JhengHei"/>
-        <a:font script="Java" typeface="Javanese Text"/>
-        <a:font script="Lisu" typeface="Segoe UI"/>
-        <a:font script="Mymr" typeface="Myanmar Text"/>
-        <a:font script="Nkoo" typeface="Ebrima"/>
-        <a:font script="Olck" typeface="Nirmala UI"/>
-        <a:font script="Osma" typeface="Ebrima"/>
-        <a:font script="Phag" typeface="Phagspa"/>
-        <a:font script="Syrn" typeface="Estrangelo Edessa"/>
-        <a:font script="Syrj" typeface="Estrangelo Edessa"/>
-        <a:font script="Syre" typeface="Estrangelo Edessa"/>
-        <a:font script="Sora" typeface="Nirmala UI"/>
-        <a:font script="Tale" typeface="Microsoft Tai Le"/>
-        <a:font script="Talu" typeface="Microsoft New Tai Lue"/>
-        <a:font script="Tfng" typeface="Ebrima"/>
-      </a:majorFont>
-      <a:minorFont>
-        <a:latin typeface="游ゴシック" panose="020F0502020204030204"/>
-        <a:ea typeface=""/>
-        <a:cs typeface=""/>
-        <a:font script="Jpan" typeface="游ゴシック"/>
-        <a:font script="Hang" typeface="맑은 고딕"/>
-        <a:font script="Hans" typeface="等线"/>
-        <a:font script="Hant" typeface="新細明體"/>
-        <a:font script="Arab" typeface="Arial"/>
-        <a:font script="Hebr" typeface="Arial"/>
-        <a:font script="Thai" typeface="Cordia New"/>
+        <a:font script="Jpan" typeface="メイリオ"/>
+        <a:font script="Hang" typeface="HY중고딕"/>
+        <a:font script="Hans" typeface="幼圆"/>
+        <a:font script="Hant" typeface="微軟正黑體"/>
+        <a:font script="Arab" typeface="Tahoma"/>
+        <a:font script="Hebr" typeface="Gisha"/>
+        <a:font script="Thai" typeface="DilleniaUPC"/>
         <a:font script="Ethi" typeface="Nyala"/>
         <a:font script="Beng" typeface="Vrinda"/>
         <a:font script="Gujr" typeface="Shruti"/>
@@ -3810,29 +6419,47 @@
         <a:font script="Laoo" typeface="DokChampa"/>
         <a:font script="Sinh" typeface="Iskoola Pota"/>
         <a:font script="Mong" typeface="Mongolian Baiti"/>
-        <a:font script="Viet" typeface="Arial"/>
+        <a:font script="Viet" typeface="Tahoma"/>
         <a:font script="Uigh" typeface="Microsoft Uighur"/>
         <a:font script="Geor" typeface="Sylfaen"/>
-        <a:font script="Armn" typeface="Arial"/>
-        <a:font script="Bugi" typeface="Leelawadee UI"/>
-        <a:font script="Bopo" typeface="Microsoft JhengHei"/>
-        <a:font script="Java" typeface="Javanese Text"/>
-        <a:font script="Lisu" typeface="Segoe UI"/>
-        <a:font script="Mymr" typeface="Myanmar Text"/>
-        <a:font script="Nkoo" typeface="Ebrima"/>
-        <a:font script="Olck" typeface="Nirmala UI"/>
-        <a:font script="Osma" typeface="Ebrima"/>
-        <a:font script="Phag" typeface="Phagspa"/>
-        <a:font script="Syrn" typeface="Estrangelo Edessa"/>
-        <a:font script="Syrj" typeface="Estrangelo Edessa"/>
-        <a:font script="Syre" typeface="Estrangelo Edessa"/>
-        <a:font script="Sora" typeface="Nirmala UI"/>
-        <a:font script="Tale" typeface="Microsoft Tai Le"/>
-        <a:font script="Talu" typeface="Microsoft New Tai Lue"/>
-        <a:font script="Tfng" typeface="Ebrima"/>
+      </a:majorFont>
+      <a:minorFont>
+        <a:latin typeface="Century Gothic" panose="020B0502020202020204"/>
+        <a:ea typeface=""/>
+        <a:cs typeface=""/>
+        <a:font script="Jpan" typeface="メイリオ"/>
+        <a:font script="Hang" typeface="HY중고딕"/>
+        <a:font script="Hans" typeface="幼圆"/>
+        <a:font script="Hant" typeface="微軟正黑體"/>
+        <a:font script="Arab" typeface="Tahoma"/>
+        <a:font script="Hebr" typeface="Gisha"/>
+        <a:font script="Thai" typeface="DilleniaUPC"/>
+        <a:font script="Ethi" typeface="Nyala"/>
+        <a:font script="Beng" typeface="Vrinda"/>
+        <a:font script="Gujr" typeface="Shruti"/>
+        <a:font script="Khmr" typeface="DaunPenh"/>
+        <a:font script="Knda" typeface="Tunga"/>
+        <a:font script="Guru" typeface="Raavi"/>
+        <a:font script="Cans" typeface="Euphemia"/>
+        <a:font script="Cher" typeface="Plantagenet Cherokee"/>
+        <a:font script="Yiii" typeface="Microsoft Yi Baiti"/>
+        <a:font script="Tibt" typeface="Microsoft Himalaya"/>
+        <a:font script="Thaa" typeface="MV Boli"/>
+        <a:font script="Deva" typeface="Mangal"/>
+        <a:font script="Telu" typeface="Gautami"/>
+        <a:font script="Taml" typeface="Latha"/>
+        <a:font script="Syrc" typeface="Estrangelo Edessa"/>
+        <a:font script="Orya" typeface="Kalinga"/>
+        <a:font script="Mlym" typeface="Kartika"/>
+        <a:font script="Laoo" typeface="DokChampa"/>
+        <a:font script="Sinh" typeface="Iskoola Pota"/>
+        <a:font script="Mong" typeface="Mongolian Baiti"/>
+        <a:font script="Viet" typeface="Tahoma"/>
+        <a:font script="Uigh" typeface="Microsoft Uighur"/>
+        <a:font script="Geor" typeface="Sylfaen"/>
       </a:minorFont>
     </a:fontScheme>
-    <a:fmtScheme name="Office">
+    <a:fmtScheme name="スライス">
       <a:fillStyleLst>
         <a:solidFill>
           <a:schemeClr val="phClr"/>
@@ -3841,23 +6468,16 @@
           <a:gsLst>
             <a:gs pos="0">
               <a:schemeClr val="phClr">
+                <a:tint val="62000"/>
+                <a:hueMod val="94000"/>
+                <a:satMod val="140000"/>
                 <a:lumMod val="110000"/>
-                <a:satMod val="105000"/>
-                <a:tint val="67000"/>
-              </a:schemeClr>
-            </a:gs>
-            <a:gs pos="50000">
-              <a:schemeClr val="phClr">
-                <a:lumMod val="105000"/>
-                <a:satMod val="103000"/>
-                <a:tint val="73000"/>
               </a:schemeClr>
             </a:gs>
             <a:gs pos="100000">
               <a:schemeClr val="phClr">
-                <a:lumMod val="105000"/>
-                <a:satMod val="109000"/>
-                <a:tint val="81000"/>
+                <a:tint val="84000"/>
+                <a:satMod val="160000"/>
               </a:schemeClr>
             </a:gs>
           </a:gsLst>
@@ -3867,23 +6487,16 @@
           <a:gsLst>
             <a:gs pos="0">
               <a:schemeClr val="phClr">
-                <a:satMod val="103000"/>
-                <a:lumMod val="102000"/>
-                <a:tint val="94000"/>
-              </a:schemeClr>
-            </a:gs>
-            <a:gs pos="50000">
-              <a:schemeClr val="phClr">
-                <a:satMod val="110000"/>
-                <a:lumMod val="100000"/>
-                <a:shade val="100000"/>
+                <a:tint val="98000"/>
+                <a:hueMod val="94000"/>
+                <a:satMod val="130000"/>
+                <a:lumMod val="128000"/>
               </a:schemeClr>
             </a:gs>
             <a:gs pos="100000">
               <a:schemeClr val="phClr">
-                <a:lumMod val="99000"/>
-                <a:satMod val="120000"/>
-                <a:shade val="78000"/>
+                <a:shade val="94000"/>
+                <a:lumMod val="88000"/>
               </a:schemeClr>
             </a:gs>
           </a:gsLst>
@@ -3891,26 +6504,29 @@
         </a:gradFill>
       </a:fillStyleLst>
       <a:lnStyleLst>
-        <a:ln w="6350" cap="flat" cmpd="sng" algn="ctr">
+        <a:ln w="9525" cap="rnd" cmpd="sng" algn="ctr">
+          <a:solidFill>
+            <a:schemeClr val="phClr">
+              <a:tint val="76000"/>
+              <a:alpha val="60000"/>
+              <a:hueMod val="94000"/>
+            </a:schemeClr>
+          </a:solidFill>
+          <a:prstDash val="solid"/>
+        </a:ln>
+        <a:ln w="15875" cap="rnd" cmpd="sng" algn="ctr">
+          <a:solidFill>
+            <a:schemeClr val="phClr">
+              <a:hueMod val="94000"/>
+            </a:schemeClr>
+          </a:solidFill>
+          <a:prstDash val="solid"/>
+        </a:ln>
+        <a:ln w="28575" cap="rnd" cmpd="sng" algn="ctr">
           <a:solidFill>
             <a:schemeClr val="phClr"/>
           </a:solidFill>
           <a:prstDash val="solid"/>
-          <a:miter lim="800000"/>
-        </a:ln>
-        <a:ln w="12700" cap="flat" cmpd="sng" algn="ctr">
-          <a:solidFill>
-            <a:schemeClr val="phClr"/>
-          </a:solidFill>
-          <a:prstDash val="solid"/>
-          <a:miter lim="800000"/>
-        </a:ln>
-        <a:ln w="19050" cap="flat" cmpd="sng" algn="ctr">
-          <a:solidFill>
-            <a:schemeClr val="phClr"/>
-          </a:solidFill>
-          <a:prstDash val="solid"/>
-          <a:miter lim="800000"/>
         </a:ln>
       </a:lnStyleLst>
       <a:effectStyleLst>
@@ -3918,54 +6534,78 @@
           <a:effectLst/>
         </a:effectStyle>
         <a:effectStyle>
-          <a:effectLst/>
+          <a:effectLst>
+            <a:innerShdw blurRad="25400" dist="12700" dir="13500000">
+              <a:srgbClr val="000000">
+                <a:alpha val="45000"/>
+              </a:srgbClr>
+            </a:innerShdw>
+          </a:effectLst>
         </a:effectStyle>
         <a:effectStyle>
           <a:effectLst>
-            <a:outerShdw blurRad="57150" dist="19050" dir="5400000" algn="ctr" rotWithShape="0">
+            <a:outerShdw blurRad="50800" dist="38100" dir="5400000" rotWithShape="0">
               <a:srgbClr val="000000">
-                <a:alpha val="63000"/>
+                <a:alpha val="46000"/>
               </a:srgbClr>
             </a:outerShdw>
           </a:effectLst>
+          <a:scene3d>
+            <a:camera prst="orthographicFront">
+              <a:rot lat="0" lon="0" rev="0"/>
+            </a:camera>
+            <a:lightRig rig="threePt" dir="t"/>
+          </a:scene3d>
+          <a:sp3d prstMaterial="plastic">
+            <a:bevelT w="25400" h="25400"/>
+          </a:sp3d>
         </a:effectStyle>
       </a:effectStyleLst>
       <a:bgFillStyleLst>
         <a:solidFill>
           <a:schemeClr val="phClr"/>
         </a:solidFill>
-        <a:solidFill>
-          <a:schemeClr val="phClr">
-            <a:tint val="95000"/>
-            <a:satMod val="170000"/>
-          </a:schemeClr>
-        </a:solidFill>
+        <a:gradFill rotWithShape="1">
+          <a:gsLst>
+            <a:gs pos="10000">
+              <a:schemeClr val="phClr">
+                <a:tint val="97000"/>
+                <a:hueMod val="92000"/>
+                <a:satMod val="169000"/>
+                <a:lumMod val="164000"/>
+              </a:schemeClr>
+            </a:gs>
+            <a:gs pos="100000">
+              <a:schemeClr val="phClr">
+                <a:shade val="96000"/>
+                <a:satMod val="120000"/>
+                <a:lumMod val="90000"/>
+              </a:schemeClr>
+            </a:gs>
+          </a:gsLst>
+          <a:lin ang="6120000" scaled="1"/>
+        </a:gradFill>
         <a:gradFill rotWithShape="1">
           <a:gsLst>
             <a:gs pos="0">
               <a:schemeClr val="phClr">
-                <a:tint val="93000"/>
-                <a:satMod val="150000"/>
-                <a:shade val="98000"/>
-                <a:lumMod val="102000"/>
-              </a:schemeClr>
-            </a:gs>
-            <a:gs pos="50000">
-              <a:schemeClr val="phClr">
-                <a:tint val="98000"/>
-                <a:satMod val="130000"/>
-                <a:shade val="90000"/>
-                <a:lumMod val="103000"/>
+                <a:tint val="97000"/>
+                <a:hueMod val="92000"/>
+                <a:satMod val="169000"/>
+                <a:lumMod val="164000"/>
               </a:schemeClr>
             </a:gs>
             <a:gs pos="100000">
               <a:schemeClr val="phClr">
-                <a:shade val="63000"/>
+                <a:shade val="96000"/>
                 <a:satMod val="120000"/>
+                <a:lumMod val="90000"/>
               </a:schemeClr>
             </a:gs>
           </a:gsLst>
-          <a:lin ang="5400000" scaled="0"/>
+          <a:path path="circle">
+            <a:fillToRect b="100000"/>
+          </a:path>
         </a:gradFill>
       </a:bgFillStyleLst>
     </a:fmtScheme>
@@ -3974,7 +6614,7 @@
   <a:extraClrSchemeLst/>
   <a:extLst>
     <a:ext uri="{05A4C25C-085E-4340-85A3-A5531E510DB2}">
-      <thm15:themeFamily xmlns:thm15="http://schemas.microsoft.com/office/thememl/2012/main" name="Office Theme" id="{62F939B6-93AF-4DB8-9C6B-D6C7DFDC589F}" vid="{4A3C46E8-61CC-4603-A589-7422A47A8E4A}"/>
+      <thm15:themeFamily xmlns:thm15="http://schemas.microsoft.com/office/thememl/2012/main" name="Slice" id="{0507925B-6AC9-4358-8E18-C330545D08F8}" vid="{13FEC7C6-62A9-40C4-99D2-581AACACAA2F}"/>
     </a:ext>
   </a:extLst>
 </a:theme>

--- a/team1.pptx
+++ b/team1.pptx
@@ -5747,7 +5747,7 @@
         </p:nvSpPr>
         <p:spPr>
           <a:xfrm>
-            <a:off x="684212" y="3843867"/>
+            <a:off x="450947" y="2569704"/>
             <a:ext cx="6376155" cy="1947333"/>
           </a:xfrm>
         </p:spPr>
@@ -5766,13 +5766,20 @@
               <a:t>チーム</a:t>
             </a:r>
             <a:r>
-              <a:rPr kumimoji="1" lang="en-US" altLang="ja-JP" sz="3200" dirty="0">
+              <a:rPr kumimoji="1" lang="en-US" altLang="ja-JP" sz="3200">
                 <a:solidFill>
                   <a:schemeClr val="tx1"/>
                 </a:solidFill>
               </a:rPr>
               <a:t>1</a:t>
             </a:r>
+          </a:p>
+          <a:p>
+            <a:endParaRPr kumimoji="1" lang="en-US" altLang="ja-JP" sz="3200" dirty="0">
+              <a:solidFill>
+                <a:schemeClr val="tx1"/>
+              </a:solidFill>
+            </a:endParaRPr>
           </a:p>
           <a:p>
             <a:r>

--- a/team1.pptx
+++ b/team1.pptx
@@ -5748,12 +5748,12 @@
         <p:spPr>
           <a:xfrm>
             <a:off x="450947" y="2569704"/>
-            <a:ext cx="6376155" cy="1947333"/>
+            <a:ext cx="6376155" cy="3289920"/>
           </a:xfrm>
         </p:spPr>
         <p:txBody>
           <a:bodyPr>
-            <a:normAutofit/>
+            <a:normAutofit fontScale="77500" lnSpcReduction="20000"/>
           </a:bodyPr>
           <a:lstStyle/>
           <a:p>
@@ -5766,7 +5766,7 @@
               <a:t>チーム</a:t>
             </a:r>
             <a:r>
-              <a:rPr kumimoji="1" lang="en-US" altLang="ja-JP" sz="3200">
+              <a:rPr kumimoji="1" lang="en-US" altLang="ja-JP" sz="3200" dirty="0">
                 <a:solidFill>
                   <a:schemeClr val="tx1"/>
                 </a:solidFill>
@@ -5788,7 +5788,67 @@
                   <a:schemeClr val="tx1"/>
                 </a:solidFill>
               </a:rPr>
-              <a:t>嶋津、荒賀、小川、小井詰、下川</a:t>
+              <a:t>嶋津</a:t>
+            </a:r>
+            <a:endParaRPr lang="en-US" altLang="ja-JP" sz="3200" dirty="0">
+              <a:solidFill>
+                <a:schemeClr val="tx1"/>
+              </a:solidFill>
+            </a:endParaRPr>
+          </a:p>
+          <a:p>
+            <a:r>
+              <a:rPr lang="ja-JP" altLang="en-US" sz="3200" dirty="0">
+                <a:solidFill>
+                  <a:schemeClr val="tx1"/>
+                </a:solidFill>
+              </a:rPr>
+              <a:t>荒賀</a:t>
+            </a:r>
+            <a:endParaRPr lang="en-US" altLang="ja-JP" sz="3200" dirty="0">
+              <a:solidFill>
+                <a:schemeClr val="tx1"/>
+              </a:solidFill>
+            </a:endParaRPr>
+          </a:p>
+          <a:p>
+            <a:r>
+              <a:rPr lang="ja-JP" altLang="en-US" sz="3200" dirty="0">
+                <a:solidFill>
+                  <a:schemeClr val="tx1"/>
+                </a:solidFill>
+              </a:rPr>
+              <a:t>小川</a:t>
+            </a:r>
+            <a:endParaRPr lang="en-US" altLang="ja-JP" sz="3200" dirty="0">
+              <a:solidFill>
+                <a:schemeClr val="tx1"/>
+              </a:solidFill>
+            </a:endParaRPr>
+          </a:p>
+          <a:p>
+            <a:r>
+              <a:rPr lang="ja-JP" altLang="en-US" sz="3200" dirty="0">
+                <a:solidFill>
+                  <a:schemeClr val="tx1"/>
+                </a:solidFill>
+              </a:rPr>
+              <a:t>小井詰</a:t>
+            </a:r>
+            <a:endParaRPr lang="en-US" altLang="ja-JP" sz="3200" dirty="0">
+              <a:solidFill>
+                <a:schemeClr val="tx1"/>
+              </a:solidFill>
+            </a:endParaRPr>
+          </a:p>
+          <a:p>
+            <a:r>
+              <a:rPr lang="ja-JP" altLang="en-US" sz="3200" dirty="0">
+                <a:solidFill>
+                  <a:schemeClr val="tx1"/>
+                </a:solidFill>
+              </a:rPr>
+              <a:t>下川</a:t>
             </a:r>
             <a:endParaRPr kumimoji="1" lang="ja-JP" altLang="en-US" sz="3200" dirty="0">
               <a:solidFill>
